--- a/RWorkshopPart4-CaseStudy.pptx
+++ b/RWorkshopPart4-CaseStudy.pptx
@@ -4633,26 +4633,136 @@
         </p:nvSpPr>
         <p:spPr/>
         <p:txBody>
-          <a:bodyPr/>
-          <a:lstStyle/>
-          <a:p>
-            <a:r>
-              <a:rPr lang="en-US" dirty="0" smtClean="0"/>
-              <a:t>Using indexing by name, we can log-transform them all at once</a:t>
-            </a:r>
-          </a:p>
-          <a:p>
-            <a:endParaRPr lang="en-US" dirty="0"/>
+          <a:bodyPr>
+            <a:normAutofit/>
+          </a:bodyPr>
+          <a:lstStyle/>
+          <a:p>
+            <a:r>
+              <a:rPr lang="en-US" dirty="0" smtClean="0"/>
+              <a:t>Using indexing by name, we can log-transform them all at </a:t>
+            </a:r>
+            <a:r>
+              <a:rPr lang="en-US" dirty="0" smtClean="0"/>
+              <a:t>once</a:t>
+            </a:r>
           </a:p>
           <a:p>
             <a:endParaRPr lang="en-US" dirty="0" smtClean="0"/>
           </a:p>
           <a:p>
-            <a:r>
-              <a:rPr lang="en-US" dirty="0" smtClean="0"/>
-              <a:t>Note: Check out the paste function</a:t>
-            </a:r>
-            <a:endParaRPr lang="en-US" dirty="0"/>
+            <a:pPr marL="0" indent="0">
+              <a:buNone/>
+            </a:pPr>
+            <a:r>
+              <a:rPr lang="en-US" sz="1400" dirty="0" err="1" smtClean="0">
+                <a:latin typeface="Courier New" panose="02070309020205020404" pitchFamily="49" charset="0"/>
+                <a:cs typeface="Courier New" panose="02070309020205020404" pitchFamily="49" charset="0"/>
+              </a:rPr>
+              <a:t>log_phthalate_column_names</a:t>
+            </a:r>
+            <a:r>
+              <a:rPr lang="en-US" sz="1400" dirty="0" smtClean="0">
+                <a:latin typeface="Courier New" panose="02070309020205020404" pitchFamily="49" charset="0"/>
+                <a:cs typeface="Courier New" panose="02070309020205020404" pitchFamily="49" charset="0"/>
+              </a:rPr>
+              <a:t> </a:t>
+            </a:r>
+            <a:r>
+              <a:rPr lang="en-US" sz="1400" dirty="0">
+                <a:latin typeface="Courier New" panose="02070309020205020404" pitchFamily="49" charset="0"/>
+                <a:cs typeface="Courier New" panose="02070309020205020404" pitchFamily="49" charset="0"/>
+              </a:rPr>
+              <a:t>&lt;- paste('Ln', </a:t>
+            </a:r>
+            <a:r>
+              <a:rPr lang="en-US" sz="1400" dirty="0" err="1">
+                <a:latin typeface="Courier New" panose="02070309020205020404" pitchFamily="49" charset="0"/>
+                <a:cs typeface="Courier New" panose="02070309020205020404" pitchFamily="49" charset="0"/>
+              </a:rPr>
+              <a:t>phthalate_column_names</a:t>
+            </a:r>
+            <a:r>
+              <a:rPr lang="en-US" sz="1400" dirty="0">
+                <a:latin typeface="Courier New" panose="02070309020205020404" pitchFamily="49" charset="0"/>
+                <a:cs typeface="Courier New" panose="02070309020205020404" pitchFamily="49" charset="0"/>
+              </a:rPr>
+              <a:t>, </a:t>
+            </a:r>
+            <a:r>
+              <a:rPr lang="en-US" sz="1400" dirty="0" err="1">
+                <a:latin typeface="Courier New" panose="02070309020205020404" pitchFamily="49" charset="0"/>
+                <a:cs typeface="Courier New" panose="02070309020205020404" pitchFamily="49" charset="0"/>
+              </a:rPr>
+              <a:t>sep</a:t>
+            </a:r>
+            <a:r>
+              <a:rPr lang="en-US" sz="1400" dirty="0">
+                <a:latin typeface="Courier New" panose="02070309020205020404" pitchFamily="49" charset="0"/>
+                <a:cs typeface="Courier New" panose="02070309020205020404" pitchFamily="49" charset="0"/>
+              </a:rPr>
+              <a:t>='')</a:t>
+            </a:r>
+          </a:p>
+          <a:p>
+            <a:pPr marL="0" indent="0">
+              <a:buNone/>
+            </a:pPr>
+            <a:r>
+              <a:rPr lang="en-US" sz="1400" dirty="0" err="1">
+                <a:latin typeface="Courier New" panose="02070309020205020404" pitchFamily="49" charset="0"/>
+                <a:cs typeface="Courier New" panose="02070309020205020404" pitchFamily="49" charset="0"/>
+              </a:rPr>
+              <a:t>log_phthalate_column_names</a:t>
+            </a:r>
+            <a:endParaRPr lang="en-US" sz="1400" dirty="0">
+              <a:latin typeface="Courier New" panose="02070309020205020404" pitchFamily="49" charset="0"/>
+              <a:cs typeface="Courier New" panose="02070309020205020404" pitchFamily="49" charset="0"/>
+            </a:endParaRPr>
+          </a:p>
+          <a:p>
+            <a:pPr marL="0" indent="0">
+              <a:buNone/>
+            </a:pPr>
+            <a:r>
+              <a:rPr lang="en-US" sz="1400" dirty="0">
+                <a:latin typeface="Courier New" panose="02070309020205020404" pitchFamily="49" charset="0"/>
+                <a:cs typeface="Courier New" panose="02070309020205020404" pitchFamily="49" charset="0"/>
+              </a:rPr>
+              <a:t>women1545[,</a:t>
+            </a:r>
+            <a:r>
+              <a:rPr lang="en-US" sz="1400" dirty="0" err="1">
+                <a:latin typeface="Courier New" panose="02070309020205020404" pitchFamily="49" charset="0"/>
+                <a:cs typeface="Courier New" panose="02070309020205020404" pitchFamily="49" charset="0"/>
+              </a:rPr>
+              <a:t>log_phthalate_column_names</a:t>
+            </a:r>
+            <a:r>
+              <a:rPr lang="en-US" sz="1400" dirty="0">
+                <a:latin typeface="Courier New" panose="02070309020205020404" pitchFamily="49" charset="0"/>
+                <a:cs typeface="Courier New" panose="02070309020205020404" pitchFamily="49" charset="0"/>
+              </a:rPr>
+              <a:t>] &lt;- log(women1545[,</a:t>
+            </a:r>
+            <a:r>
+              <a:rPr lang="en-US" sz="1400" dirty="0" err="1">
+                <a:latin typeface="Courier New" panose="02070309020205020404" pitchFamily="49" charset="0"/>
+                <a:cs typeface="Courier New" panose="02070309020205020404" pitchFamily="49" charset="0"/>
+              </a:rPr>
+              <a:t>phthalate_column_names</a:t>
+            </a:r>
+            <a:r>
+              <a:rPr lang="en-US" sz="1400" dirty="0">
+                <a:latin typeface="Courier New" panose="02070309020205020404" pitchFamily="49" charset="0"/>
+                <a:cs typeface="Courier New" panose="02070309020205020404" pitchFamily="49" charset="0"/>
+              </a:rPr>
+              <a:t>])</a:t>
+            </a:r>
+            <a:endParaRPr lang="en-US" sz="1400" dirty="0" smtClean="0">
+              <a:latin typeface="Courier New" panose="02070309020205020404" pitchFamily="49" charset="0"/>
+              <a:cs typeface="Courier New" panose="02070309020205020404" pitchFamily="49" charset="0"/>
+            </a:endParaRPr>
           </a:p>
         </p:txBody>
       </p:sp>
@@ -5710,20 +5820,184 @@
         </p:nvSpPr>
         <p:spPr/>
         <p:txBody>
-          <a:bodyPr/>
-          <a:lstStyle/>
-          <a:p>
-            <a:r>
-              <a:rPr lang="en-US" dirty="0" smtClean="0"/>
-              <a:t>Read the documentation and fiddled a little eventually setting on </a:t>
-            </a:r>
-            <a:r>
-              <a:rPr lang="en-US" smtClean="0"/>
-              <a:t>the following code:</a:t>
-            </a:r>
-          </a:p>
-          <a:p>
-            <a:endParaRPr lang="en-US"/>
+          <a:bodyPr>
+            <a:normAutofit/>
+          </a:bodyPr>
+          <a:lstStyle/>
+          <a:p>
+            <a:r>
+              <a:rPr lang="en-US" dirty="0" smtClean="0"/>
+              <a:t>Read the documentation and fiddled a little eventually setting on the following code:</a:t>
+            </a:r>
+          </a:p>
+          <a:p>
+            <a:pPr marL="0" indent="0">
+              <a:buNone/>
+            </a:pPr>
+            <a:endParaRPr lang="en-US" sz="1400" dirty="0" smtClean="0">
+              <a:latin typeface="Courier New" panose="02070309020205020404" pitchFamily="49" charset="0"/>
+              <a:cs typeface="Courier New" panose="02070309020205020404" pitchFamily="49" charset="0"/>
+            </a:endParaRPr>
+          </a:p>
+          <a:p>
+            <a:pPr marL="0" indent="0">
+              <a:buNone/>
+            </a:pPr>
+            <a:endParaRPr lang="en-US" sz="1400" dirty="0">
+              <a:latin typeface="Courier New" panose="02070309020205020404" pitchFamily="49" charset="0"/>
+              <a:cs typeface="Courier New" panose="02070309020205020404" pitchFamily="49" charset="0"/>
+            </a:endParaRPr>
+          </a:p>
+          <a:p>
+            <a:pPr marL="0" indent="0">
+              <a:buNone/>
+            </a:pPr>
+            <a:r>
+              <a:rPr lang="en-US" sz="1400" dirty="0" smtClean="0">
+                <a:latin typeface="Courier New" panose="02070309020205020404" pitchFamily="49" charset="0"/>
+                <a:cs typeface="Courier New" panose="02070309020205020404" pitchFamily="49" charset="0"/>
+              </a:rPr>
+              <a:t>library(</a:t>
+            </a:r>
+            <a:r>
+              <a:rPr lang="en-US" sz="1400" dirty="0" err="1" smtClean="0">
+                <a:latin typeface="Courier New" panose="02070309020205020404" pitchFamily="49" charset="0"/>
+                <a:cs typeface="Courier New" panose="02070309020205020404" pitchFamily="49" charset="0"/>
+              </a:rPr>
+              <a:t>FactoMineR</a:t>
+            </a:r>
+            <a:r>
+              <a:rPr lang="en-US" sz="1400" dirty="0">
+                <a:latin typeface="Courier New" panose="02070309020205020404" pitchFamily="49" charset="0"/>
+                <a:cs typeface="Courier New" panose="02070309020205020404" pitchFamily="49" charset="0"/>
+              </a:rPr>
+              <a:t>)</a:t>
+            </a:r>
+          </a:p>
+          <a:p>
+            <a:pPr marL="0" indent="0">
+              <a:buNone/>
+            </a:pPr>
+            <a:r>
+              <a:rPr lang="en-US" sz="1400" dirty="0">
+                <a:latin typeface="Courier New" panose="02070309020205020404" pitchFamily="49" charset="0"/>
+                <a:cs typeface="Courier New" panose="02070309020205020404" pitchFamily="49" charset="0"/>
+              </a:rPr>
+              <a:t>complete_women1545 &lt;- women1545[</a:t>
+            </a:r>
+            <a:r>
+              <a:rPr lang="en-US" sz="1400" dirty="0" err="1">
+                <a:latin typeface="Courier New" panose="02070309020205020404" pitchFamily="49" charset="0"/>
+                <a:cs typeface="Courier New" panose="02070309020205020404" pitchFamily="49" charset="0"/>
+              </a:rPr>
+              <a:t>complete.cases</a:t>
+            </a:r>
+            <a:r>
+              <a:rPr lang="en-US" sz="1400" dirty="0">
+                <a:latin typeface="Courier New" panose="02070309020205020404" pitchFamily="49" charset="0"/>
+                <a:cs typeface="Courier New" panose="02070309020205020404" pitchFamily="49" charset="0"/>
+              </a:rPr>
+              <a:t>(women1545[,</a:t>
+            </a:r>
+            <a:r>
+              <a:rPr lang="en-US" sz="1400" dirty="0" err="1">
+                <a:latin typeface="Courier New" panose="02070309020205020404" pitchFamily="49" charset="0"/>
+                <a:cs typeface="Courier New" panose="02070309020205020404" pitchFamily="49" charset="0"/>
+              </a:rPr>
+              <a:t>log_phthalate_column_names</a:t>
+            </a:r>
+            <a:r>
+              <a:rPr lang="en-US" sz="1400" dirty="0">
+                <a:latin typeface="Courier New" panose="02070309020205020404" pitchFamily="49" charset="0"/>
+                <a:cs typeface="Courier New" panose="02070309020205020404" pitchFamily="49" charset="0"/>
+              </a:rPr>
+              <a:t>]),]</a:t>
+            </a:r>
+          </a:p>
+          <a:p>
+            <a:pPr marL="0" indent="0">
+              <a:buNone/>
+            </a:pPr>
+            <a:r>
+              <a:rPr lang="en-US" sz="1400" dirty="0" err="1">
+                <a:latin typeface="Courier New" panose="02070309020205020404" pitchFamily="49" charset="0"/>
+                <a:cs typeface="Courier New" panose="02070309020205020404" pitchFamily="49" charset="0"/>
+              </a:rPr>
+              <a:t>pca.result</a:t>
+            </a:r>
+            <a:r>
+              <a:rPr lang="en-US" sz="1400" dirty="0">
+                <a:latin typeface="Courier New" panose="02070309020205020404" pitchFamily="49" charset="0"/>
+                <a:cs typeface="Courier New" panose="02070309020205020404" pitchFamily="49" charset="0"/>
+              </a:rPr>
+              <a:t> &lt;- PCA(complete_women1545[,</a:t>
+            </a:r>
+            <a:r>
+              <a:rPr lang="en-US" sz="1400" dirty="0" err="1">
+                <a:latin typeface="Courier New" panose="02070309020205020404" pitchFamily="49" charset="0"/>
+                <a:cs typeface="Courier New" panose="02070309020205020404" pitchFamily="49" charset="0"/>
+              </a:rPr>
+              <a:t>log_phthalate_column_names</a:t>
+            </a:r>
+            <a:r>
+              <a:rPr lang="en-US" sz="1400" dirty="0">
+                <a:latin typeface="Courier New" panose="02070309020205020404" pitchFamily="49" charset="0"/>
+                <a:cs typeface="Courier New" panose="02070309020205020404" pitchFamily="49" charset="0"/>
+              </a:rPr>
+              <a:t>], </a:t>
+            </a:r>
+          </a:p>
+          <a:p>
+            <a:pPr marL="0" indent="0">
+              <a:buNone/>
+            </a:pPr>
+            <a:r>
+              <a:rPr lang="en-US" sz="1400" dirty="0">
+                <a:latin typeface="Courier New" panose="02070309020205020404" pitchFamily="49" charset="0"/>
+                <a:cs typeface="Courier New" panose="02070309020205020404" pitchFamily="49" charset="0"/>
+              </a:rPr>
+              <a:t>                    </a:t>
+            </a:r>
+            <a:r>
+              <a:rPr lang="en-US" sz="1400" dirty="0" err="1">
+                <a:latin typeface="Courier New" panose="02070309020205020404" pitchFamily="49" charset="0"/>
+                <a:cs typeface="Courier New" panose="02070309020205020404" pitchFamily="49" charset="0"/>
+              </a:rPr>
+              <a:t>row.w</a:t>
+            </a:r>
+            <a:r>
+              <a:rPr lang="en-US" sz="1400" dirty="0">
+                <a:latin typeface="Courier New" panose="02070309020205020404" pitchFamily="49" charset="0"/>
+                <a:cs typeface="Courier New" panose="02070309020205020404" pitchFamily="49" charset="0"/>
+              </a:rPr>
+              <a:t>=complete_women1545$WTMEC2YR)</a:t>
+            </a:r>
+          </a:p>
+          <a:p>
+            <a:pPr marL="0" indent="0">
+              <a:buNone/>
+            </a:pPr>
+            <a:r>
+              <a:rPr lang="en-US" sz="1400" dirty="0">
+                <a:latin typeface="Courier New" panose="02070309020205020404" pitchFamily="49" charset="0"/>
+                <a:cs typeface="Courier New" panose="02070309020205020404" pitchFamily="49" charset="0"/>
+              </a:rPr>
+              <a:t>round(</a:t>
+            </a:r>
+            <a:r>
+              <a:rPr lang="en-US" sz="1400" dirty="0" err="1">
+                <a:latin typeface="Courier New" panose="02070309020205020404" pitchFamily="49" charset="0"/>
+                <a:cs typeface="Courier New" panose="02070309020205020404" pitchFamily="49" charset="0"/>
+              </a:rPr>
+              <a:t>pca.result$eig</a:t>
+            </a:r>
+            <a:r>
+              <a:rPr lang="en-US" sz="1400" dirty="0">
+                <a:latin typeface="Courier New" panose="02070309020205020404" pitchFamily="49" charset="0"/>
+                <a:cs typeface="Courier New" panose="02070309020205020404" pitchFamily="49" charset="0"/>
+              </a:rPr>
+              <a:t>[,1:2], 2)</a:t>
+            </a:r>
           </a:p>
         </p:txBody>
       </p:sp>

--- a/RWorkshopPart4-CaseStudy.pptx
+++ b/RWorkshopPart4-CaseStudy.pptx
@@ -4,6 +4,12 @@
   <p:sldMasterIdLst>
     <p:sldMasterId id="2147483648" r:id="rId1"/>
   </p:sldMasterIdLst>
+  <p:notesMasterIdLst>
+    <p:notesMasterId r:id="rId29"/>
+  </p:notesMasterIdLst>
+  <p:handoutMasterIdLst>
+    <p:handoutMasterId r:id="rId30"/>
+  </p:handoutMasterIdLst>
   <p:sldIdLst>
     <p:sldId id="256" r:id="rId2"/>
     <p:sldId id="257" r:id="rId3"/>
@@ -15,26 +21,23 @@
     <p:sldId id="266" r:id="rId9"/>
     <p:sldId id="267" r:id="rId10"/>
     <p:sldId id="268" r:id="rId11"/>
-    <p:sldId id="269" r:id="rId12"/>
-    <p:sldId id="276" r:id="rId13"/>
-    <p:sldId id="270" r:id="rId14"/>
-    <p:sldId id="298" r:id="rId15"/>
-    <p:sldId id="299" r:id="rId16"/>
-    <p:sldId id="300" r:id="rId17"/>
-    <p:sldId id="277" r:id="rId18"/>
-    <p:sldId id="271" r:id="rId19"/>
-    <p:sldId id="272" r:id="rId20"/>
-    <p:sldId id="278" r:id="rId21"/>
-    <p:sldId id="279" r:id="rId22"/>
-    <p:sldId id="273" r:id="rId23"/>
-    <p:sldId id="290" r:id="rId24"/>
-    <p:sldId id="280" r:id="rId25"/>
-    <p:sldId id="301" r:id="rId26"/>
+    <p:sldId id="298" r:id="rId12"/>
+    <p:sldId id="299" r:id="rId13"/>
+    <p:sldId id="300" r:id="rId14"/>
+    <p:sldId id="277" r:id="rId15"/>
+    <p:sldId id="271" r:id="rId16"/>
+    <p:sldId id="305" r:id="rId17"/>
+    <p:sldId id="272" r:id="rId18"/>
+    <p:sldId id="278" r:id="rId19"/>
+    <p:sldId id="279" r:id="rId20"/>
+    <p:sldId id="273" r:id="rId21"/>
+    <p:sldId id="290" r:id="rId22"/>
+    <p:sldId id="280" r:id="rId23"/>
+    <p:sldId id="301" r:id="rId24"/>
+    <p:sldId id="303" r:id="rId25"/>
+    <p:sldId id="304" r:id="rId26"/>
     <p:sldId id="281" r:id="rId27"/>
     <p:sldId id="292" r:id="rId28"/>
-    <p:sldId id="288" r:id="rId29"/>
-    <p:sldId id="289" r:id="rId30"/>
-    <p:sldId id="283" r:id="rId31"/>
   </p:sldIdLst>
   <p:sldSz cx="9144000" cy="6858000" type="screen4x3"/>
   <p:notesSz cx="6858000" cy="9144000"/>
@@ -136,6 +139,523 @@
 </p:presentation>
 </file>
 
+<file path=ppt/handoutMasters/handoutMaster1.xml><?xml version="1.0" encoding="utf-8"?>
+<p:handoutMaster xmlns:a="http://schemas.openxmlformats.org/drawingml/2006/main" xmlns:r="http://schemas.openxmlformats.org/officeDocument/2006/relationships" xmlns:p="http://schemas.openxmlformats.org/presentationml/2006/main">
+  <p:cSld>
+    <p:bg>
+      <p:bgRef idx="1001">
+        <a:schemeClr val="bg1"/>
+      </p:bgRef>
+    </p:bg>
+    <p:spTree>
+      <p:nvGrpSpPr>
+        <p:cNvPr id="1" name=""/>
+        <p:cNvGrpSpPr/>
+        <p:nvPr/>
+      </p:nvGrpSpPr>
+      <p:grpSpPr>
+        <a:xfrm>
+          <a:off x="0" y="0"/>
+          <a:ext cx="0" cy="0"/>
+          <a:chOff x="0" y="0"/>
+          <a:chExt cx="0" cy="0"/>
+        </a:xfrm>
+      </p:grpSpPr>
+      <p:sp>
+        <p:nvSpPr>
+          <p:cNvPr id="2" name="Header Placeholder 1"/>
+          <p:cNvSpPr>
+            <a:spLocks noGrp="1"/>
+          </p:cNvSpPr>
+          <p:nvPr>
+            <p:ph type="hdr" sz="quarter"/>
+          </p:nvPr>
+        </p:nvSpPr>
+        <p:spPr>
+          <a:xfrm>
+            <a:off x="0" y="0"/>
+            <a:ext cx="2971800" cy="457200"/>
+          </a:xfrm>
+          <a:prstGeom prst="rect">
+            <a:avLst/>
+          </a:prstGeom>
+        </p:spPr>
+        <p:txBody>
+          <a:bodyPr vert="horz" lIns="91440" tIns="45720" rIns="91440" bIns="45720" rtlCol="0"/>
+          <a:lstStyle>
+            <a:lvl1pPr algn="l">
+              <a:defRPr sz="1200"/>
+            </a:lvl1pPr>
+          </a:lstStyle>
+          <a:p>
+            <a:endParaRPr lang="en-US"/>
+          </a:p>
+        </p:txBody>
+      </p:sp>
+      <p:sp>
+        <p:nvSpPr>
+          <p:cNvPr id="3" name="Date Placeholder 2"/>
+          <p:cNvSpPr>
+            <a:spLocks noGrp="1"/>
+          </p:cNvSpPr>
+          <p:nvPr>
+            <p:ph type="dt" sz="quarter" idx="1"/>
+          </p:nvPr>
+        </p:nvSpPr>
+        <p:spPr>
+          <a:xfrm>
+            <a:off x="3884613" y="0"/>
+            <a:ext cx="2971800" cy="457200"/>
+          </a:xfrm>
+          <a:prstGeom prst="rect">
+            <a:avLst/>
+          </a:prstGeom>
+        </p:spPr>
+        <p:txBody>
+          <a:bodyPr vert="horz" lIns="91440" tIns="45720" rIns="91440" bIns="45720" rtlCol="0"/>
+          <a:lstStyle>
+            <a:lvl1pPr algn="r">
+              <a:defRPr sz="1200"/>
+            </a:lvl1pPr>
+          </a:lstStyle>
+          <a:p>
+            <a:fld id="{C2CC3A1E-D33B-5246-BFA9-2C16B7A4A015}" type="datetimeFigureOut">
+              <a:rPr lang="en-US" smtClean="0"/>
+              <a:t>6/15/18</a:t>
+            </a:fld>
+            <a:endParaRPr lang="en-US"/>
+          </a:p>
+        </p:txBody>
+      </p:sp>
+      <p:sp>
+        <p:nvSpPr>
+          <p:cNvPr id="4" name="Footer Placeholder 3"/>
+          <p:cNvSpPr>
+            <a:spLocks noGrp="1"/>
+          </p:cNvSpPr>
+          <p:nvPr>
+            <p:ph type="ftr" sz="quarter" idx="2"/>
+          </p:nvPr>
+        </p:nvSpPr>
+        <p:spPr>
+          <a:xfrm>
+            <a:off x="0" y="8685213"/>
+            <a:ext cx="2971800" cy="457200"/>
+          </a:xfrm>
+          <a:prstGeom prst="rect">
+            <a:avLst/>
+          </a:prstGeom>
+        </p:spPr>
+        <p:txBody>
+          <a:bodyPr vert="horz" lIns="91440" tIns="45720" rIns="91440" bIns="45720" rtlCol="0" anchor="b"/>
+          <a:lstStyle>
+            <a:lvl1pPr algn="l">
+              <a:defRPr sz="1200"/>
+            </a:lvl1pPr>
+          </a:lstStyle>
+          <a:p>
+            <a:endParaRPr lang="en-US"/>
+          </a:p>
+        </p:txBody>
+      </p:sp>
+      <p:sp>
+        <p:nvSpPr>
+          <p:cNvPr id="5" name="Slide Number Placeholder 4"/>
+          <p:cNvSpPr>
+            <a:spLocks noGrp="1"/>
+          </p:cNvSpPr>
+          <p:nvPr>
+            <p:ph type="sldNum" sz="quarter" idx="3"/>
+          </p:nvPr>
+        </p:nvSpPr>
+        <p:spPr>
+          <a:xfrm>
+            <a:off x="3884613" y="8685213"/>
+            <a:ext cx="2971800" cy="457200"/>
+          </a:xfrm>
+          <a:prstGeom prst="rect">
+            <a:avLst/>
+          </a:prstGeom>
+        </p:spPr>
+        <p:txBody>
+          <a:bodyPr vert="horz" lIns="91440" tIns="45720" rIns="91440" bIns="45720" rtlCol="0" anchor="b"/>
+          <a:lstStyle>
+            <a:lvl1pPr algn="r">
+              <a:defRPr sz="1200"/>
+            </a:lvl1pPr>
+          </a:lstStyle>
+          <a:p>
+            <a:fld id="{C69A7302-30AB-EC42-8F44-C0153B158027}" type="slidenum">
+              <a:rPr lang="en-US" smtClean="0"/>
+              <a:t>‹#›</a:t>
+            </a:fld>
+            <a:endParaRPr lang="en-US"/>
+          </a:p>
+        </p:txBody>
+      </p:sp>
+    </p:spTree>
+    <p:extLst>
+      <p:ext uri="{BB962C8B-B14F-4D97-AF65-F5344CB8AC3E}">
+        <p14:creationId xmlns:p14="http://schemas.microsoft.com/office/powerpoint/2010/main" val="2995807058"/>
+      </p:ext>
+    </p:extLst>
+  </p:cSld>
+  <p:clrMap bg1="lt1" tx1="dk1" bg2="lt2" tx2="dk2" accent1="accent1" accent2="accent2" accent3="accent3" accent4="accent4" accent5="accent5" accent6="accent6" hlink="hlink" folHlink="folHlink"/>
+  <p:hf hdr="0" ftr="0" dt="0"/>
+</p:handoutMaster>
+</file>
+
+<file path=ppt/notesMasters/notesMaster1.xml><?xml version="1.0" encoding="utf-8"?>
+<p:notesMaster xmlns:a="http://schemas.openxmlformats.org/drawingml/2006/main" xmlns:r="http://schemas.openxmlformats.org/officeDocument/2006/relationships" xmlns:p="http://schemas.openxmlformats.org/presentationml/2006/main">
+  <p:cSld>
+    <p:bg>
+      <p:bgRef idx="1001">
+        <a:schemeClr val="bg1"/>
+      </p:bgRef>
+    </p:bg>
+    <p:spTree>
+      <p:nvGrpSpPr>
+        <p:cNvPr id="1" name=""/>
+        <p:cNvGrpSpPr/>
+        <p:nvPr/>
+      </p:nvGrpSpPr>
+      <p:grpSpPr>
+        <a:xfrm>
+          <a:off x="0" y="0"/>
+          <a:ext cx="0" cy="0"/>
+          <a:chOff x="0" y="0"/>
+          <a:chExt cx="0" cy="0"/>
+        </a:xfrm>
+      </p:grpSpPr>
+      <p:sp>
+        <p:nvSpPr>
+          <p:cNvPr id="2" name="Header Placeholder 1"/>
+          <p:cNvSpPr>
+            <a:spLocks noGrp="1"/>
+          </p:cNvSpPr>
+          <p:nvPr>
+            <p:ph type="hdr" sz="quarter"/>
+          </p:nvPr>
+        </p:nvSpPr>
+        <p:spPr>
+          <a:xfrm>
+            <a:off x="0" y="0"/>
+            <a:ext cx="2971800" cy="457200"/>
+          </a:xfrm>
+          <a:prstGeom prst="rect">
+            <a:avLst/>
+          </a:prstGeom>
+        </p:spPr>
+        <p:txBody>
+          <a:bodyPr vert="horz" lIns="91440" tIns="45720" rIns="91440" bIns="45720" rtlCol="0"/>
+          <a:lstStyle>
+            <a:lvl1pPr algn="l">
+              <a:defRPr sz="1200"/>
+            </a:lvl1pPr>
+          </a:lstStyle>
+          <a:p>
+            <a:endParaRPr lang="en-US"/>
+          </a:p>
+        </p:txBody>
+      </p:sp>
+      <p:sp>
+        <p:nvSpPr>
+          <p:cNvPr id="3" name="Date Placeholder 2"/>
+          <p:cNvSpPr>
+            <a:spLocks noGrp="1"/>
+          </p:cNvSpPr>
+          <p:nvPr>
+            <p:ph type="dt" idx="1"/>
+          </p:nvPr>
+        </p:nvSpPr>
+        <p:spPr>
+          <a:xfrm>
+            <a:off x="3884613" y="0"/>
+            <a:ext cx="2971800" cy="457200"/>
+          </a:xfrm>
+          <a:prstGeom prst="rect">
+            <a:avLst/>
+          </a:prstGeom>
+        </p:spPr>
+        <p:txBody>
+          <a:bodyPr vert="horz" lIns="91440" tIns="45720" rIns="91440" bIns="45720" rtlCol="0"/>
+          <a:lstStyle>
+            <a:lvl1pPr algn="r">
+              <a:defRPr sz="1200"/>
+            </a:lvl1pPr>
+          </a:lstStyle>
+          <a:p>
+            <a:fld id="{14893C57-73AC-D045-AFD1-F234B36E49AC}" type="datetimeFigureOut">
+              <a:rPr lang="en-US" smtClean="0"/>
+              <a:t>6/15/18</a:t>
+            </a:fld>
+            <a:endParaRPr lang="en-US"/>
+          </a:p>
+        </p:txBody>
+      </p:sp>
+      <p:sp>
+        <p:nvSpPr>
+          <p:cNvPr id="4" name="Slide Image Placeholder 3"/>
+          <p:cNvSpPr>
+            <a:spLocks noGrp="1" noRot="1" noChangeAspect="1"/>
+          </p:cNvSpPr>
+          <p:nvPr>
+            <p:ph type="sldImg" idx="2"/>
+          </p:nvPr>
+        </p:nvSpPr>
+        <p:spPr>
+          <a:xfrm>
+            <a:off x="1143000" y="685800"/>
+            <a:ext cx="4572000" cy="3429000"/>
+          </a:xfrm>
+          <a:prstGeom prst="rect">
+            <a:avLst/>
+          </a:prstGeom>
+          <a:noFill/>
+          <a:ln w="12700">
+            <a:solidFill>
+              <a:prstClr val="black"/>
+            </a:solidFill>
+          </a:ln>
+        </p:spPr>
+        <p:txBody>
+          <a:bodyPr vert="horz" lIns="91440" tIns="45720" rIns="91440" bIns="45720" rtlCol="0" anchor="ctr"/>
+          <a:lstStyle/>
+          <a:p>
+            <a:endParaRPr lang="en-US"/>
+          </a:p>
+        </p:txBody>
+      </p:sp>
+      <p:sp>
+        <p:nvSpPr>
+          <p:cNvPr id="5" name="Notes Placeholder 4"/>
+          <p:cNvSpPr>
+            <a:spLocks noGrp="1"/>
+          </p:cNvSpPr>
+          <p:nvPr>
+            <p:ph type="body" sz="quarter" idx="3"/>
+          </p:nvPr>
+        </p:nvSpPr>
+        <p:spPr>
+          <a:xfrm>
+            <a:off x="685800" y="4343400"/>
+            <a:ext cx="5486400" cy="4114800"/>
+          </a:xfrm>
+          <a:prstGeom prst="rect">
+            <a:avLst/>
+          </a:prstGeom>
+        </p:spPr>
+        <p:txBody>
+          <a:bodyPr vert="horz" lIns="91440" tIns="45720" rIns="91440" bIns="45720" rtlCol="0"/>
+          <a:lstStyle/>
+          <a:p>
+            <a:pPr lvl="0"/>
+            <a:r>
+              <a:rPr lang="en-US" smtClean="0"/>
+              <a:t>Click to edit Master text styles</a:t>
+            </a:r>
+          </a:p>
+          <a:p>
+            <a:pPr lvl="1"/>
+            <a:r>
+              <a:rPr lang="en-US" smtClean="0"/>
+              <a:t>Second level</a:t>
+            </a:r>
+          </a:p>
+          <a:p>
+            <a:pPr lvl="2"/>
+            <a:r>
+              <a:rPr lang="en-US" smtClean="0"/>
+              <a:t>Third level</a:t>
+            </a:r>
+          </a:p>
+          <a:p>
+            <a:pPr lvl="3"/>
+            <a:r>
+              <a:rPr lang="en-US" smtClean="0"/>
+              <a:t>Fourth level</a:t>
+            </a:r>
+          </a:p>
+          <a:p>
+            <a:pPr lvl="4"/>
+            <a:r>
+              <a:rPr lang="en-US" smtClean="0"/>
+              <a:t>Fifth level</a:t>
+            </a:r>
+            <a:endParaRPr lang="en-US"/>
+          </a:p>
+        </p:txBody>
+      </p:sp>
+      <p:sp>
+        <p:nvSpPr>
+          <p:cNvPr id="6" name="Footer Placeholder 5"/>
+          <p:cNvSpPr>
+            <a:spLocks noGrp="1"/>
+          </p:cNvSpPr>
+          <p:nvPr>
+            <p:ph type="ftr" sz="quarter" idx="4"/>
+          </p:nvPr>
+        </p:nvSpPr>
+        <p:spPr>
+          <a:xfrm>
+            <a:off x="0" y="8685213"/>
+            <a:ext cx="2971800" cy="457200"/>
+          </a:xfrm>
+          <a:prstGeom prst="rect">
+            <a:avLst/>
+          </a:prstGeom>
+        </p:spPr>
+        <p:txBody>
+          <a:bodyPr vert="horz" lIns="91440" tIns="45720" rIns="91440" bIns="45720" rtlCol="0" anchor="b"/>
+          <a:lstStyle>
+            <a:lvl1pPr algn="l">
+              <a:defRPr sz="1200"/>
+            </a:lvl1pPr>
+          </a:lstStyle>
+          <a:p>
+            <a:endParaRPr lang="en-US"/>
+          </a:p>
+        </p:txBody>
+      </p:sp>
+      <p:sp>
+        <p:nvSpPr>
+          <p:cNvPr id="7" name="Slide Number Placeholder 6"/>
+          <p:cNvSpPr>
+            <a:spLocks noGrp="1"/>
+          </p:cNvSpPr>
+          <p:nvPr>
+            <p:ph type="sldNum" sz="quarter" idx="5"/>
+          </p:nvPr>
+        </p:nvSpPr>
+        <p:spPr>
+          <a:xfrm>
+            <a:off x="3884613" y="8685213"/>
+            <a:ext cx="2971800" cy="457200"/>
+          </a:xfrm>
+          <a:prstGeom prst="rect">
+            <a:avLst/>
+          </a:prstGeom>
+        </p:spPr>
+        <p:txBody>
+          <a:bodyPr vert="horz" lIns="91440" tIns="45720" rIns="91440" bIns="45720" rtlCol="0" anchor="b"/>
+          <a:lstStyle>
+            <a:lvl1pPr algn="r">
+              <a:defRPr sz="1200"/>
+            </a:lvl1pPr>
+          </a:lstStyle>
+          <a:p>
+            <a:fld id="{5DEAD835-6AC7-7F45-9E77-5A81DF1C96D8}" type="slidenum">
+              <a:rPr lang="en-US" smtClean="0"/>
+              <a:t>‹#›</a:t>
+            </a:fld>
+            <a:endParaRPr lang="en-US"/>
+          </a:p>
+        </p:txBody>
+      </p:sp>
+    </p:spTree>
+    <p:extLst>
+      <p:ext uri="{BB962C8B-B14F-4D97-AF65-F5344CB8AC3E}">
+        <p14:creationId xmlns:p14="http://schemas.microsoft.com/office/powerpoint/2010/main" val="4232704734"/>
+      </p:ext>
+    </p:extLst>
+  </p:cSld>
+  <p:clrMap bg1="lt1" tx1="dk1" bg2="lt2" tx2="dk2" accent1="accent1" accent2="accent2" accent3="accent3" accent4="accent4" accent5="accent5" accent6="accent6" hlink="hlink" folHlink="folHlink"/>
+  <p:hf hdr="0" ftr="0" dt="0"/>
+  <p:notesStyle>
+    <a:lvl1pPr marL="0" algn="l" defTabSz="457200" rtl="0" eaLnBrk="1" latinLnBrk="0" hangingPunct="1">
+      <a:defRPr sz="1200" kern="1200">
+        <a:solidFill>
+          <a:schemeClr val="tx1"/>
+        </a:solidFill>
+        <a:latin typeface="+mn-lt"/>
+        <a:ea typeface="+mn-ea"/>
+        <a:cs typeface="+mn-cs"/>
+      </a:defRPr>
+    </a:lvl1pPr>
+    <a:lvl2pPr marL="457200" algn="l" defTabSz="457200" rtl="0" eaLnBrk="1" latinLnBrk="0" hangingPunct="1">
+      <a:defRPr sz="1200" kern="1200">
+        <a:solidFill>
+          <a:schemeClr val="tx1"/>
+        </a:solidFill>
+        <a:latin typeface="+mn-lt"/>
+        <a:ea typeface="+mn-ea"/>
+        <a:cs typeface="+mn-cs"/>
+      </a:defRPr>
+    </a:lvl2pPr>
+    <a:lvl3pPr marL="914400" algn="l" defTabSz="457200" rtl="0" eaLnBrk="1" latinLnBrk="0" hangingPunct="1">
+      <a:defRPr sz="1200" kern="1200">
+        <a:solidFill>
+          <a:schemeClr val="tx1"/>
+        </a:solidFill>
+        <a:latin typeface="+mn-lt"/>
+        <a:ea typeface="+mn-ea"/>
+        <a:cs typeface="+mn-cs"/>
+      </a:defRPr>
+    </a:lvl3pPr>
+    <a:lvl4pPr marL="1371600" algn="l" defTabSz="457200" rtl="0" eaLnBrk="1" latinLnBrk="0" hangingPunct="1">
+      <a:defRPr sz="1200" kern="1200">
+        <a:solidFill>
+          <a:schemeClr val="tx1"/>
+        </a:solidFill>
+        <a:latin typeface="+mn-lt"/>
+        <a:ea typeface="+mn-ea"/>
+        <a:cs typeface="+mn-cs"/>
+      </a:defRPr>
+    </a:lvl4pPr>
+    <a:lvl5pPr marL="1828800" algn="l" defTabSz="457200" rtl="0" eaLnBrk="1" latinLnBrk="0" hangingPunct="1">
+      <a:defRPr sz="1200" kern="1200">
+        <a:solidFill>
+          <a:schemeClr val="tx1"/>
+        </a:solidFill>
+        <a:latin typeface="+mn-lt"/>
+        <a:ea typeface="+mn-ea"/>
+        <a:cs typeface="+mn-cs"/>
+      </a:defRPr>
+    </a:lvl5pPr>
+    <a:lvl6pPr marL="2286000" algn="l" defTabSz="457200" rtl="0" eaLnBrk="1" latinLnBrk="0" hangingPunct="1">
+      <a:defRPr sz="1200" kern="1200">
+        <a:solidFill>
+          <a:schemeClr val="tx1"/>
+        </a:solidFill>
+        <a:latin typeface="+mn-lt"/>
+        <a:ea typeface="+mn-ea"/>
+        <a:cs typeface="+mn-cs"/>
+      </a:defRPr>
+    </a:lvl6pPr>
+    <a:lvl7pPr marL="2743200" algn="l" defTabSz="457200" rtl="0" eaLnBrk="1" latinLnBrk="0" hangingPunct="1">
+      <a:defRPr sz="1200" kern="1200">
+        <a:solidFill>
+          <a:schemeClr val="tx1"/>
+        </a:solidFill>
+        <a:latin typeface="+mn-lt"/>
+        <a:ea typeface="+mn-ea"/>
+        <a:cs typeface="+mn-cs"/>
+      </a:defRPr>
+    </a:lvl7pPr>
+    <a:lvl8pPr marL="3200400" algn="l" defTabSz="457200" rtl="0" eaLnBrk="1" latinLnBrk="0" hangingPunct="1">
+      <a:defRPr sz="1200" kern="1200">
+        <a:solidFill>
+          <a:schemeClr val="tx1"/>
+        </a:solidFill>
+        <a:latin typeface="+mn-lt"/>
+        <a:ea typeface="+mn-ea"/>
+        <a:cs typeface="+mn-cs"/>
+      </a:defRPr>
+    </a:lvl8pPr>
+    <a:lvl9pPr marL="3657600" algn="l" defTabSz="457200" rtl="0" eaLnBrk="1" latinLnBrk="0" hangingPunct="1">
+      <a:defRPr sz="1200" kern="1200">
+        <a:solidFill>
+          <a:schemeClr val="tx1"/>
+        </a:solidFill>
+        <a:latin typeface="+mn-lt"/>
+        <a:ea typeface="+mn-ea"/>
+        <a:cs typeface="+mn-cs"/>
+      </a:defRPr>
+    </a:lvl9pPr>
+  </p:notesStyle>
+</p:notesMaster>
+</file>
+
 <file path=ppt/slideLayouts/slideLayout1.xml><?xml version="1.0" encoding="utf-8"?>
 <p:sldLayout xmlns:a="http://schemas.openxmlformats.org/drawingml/2006/main" xmlns:r="http://schemas.openxmlformats.org/officeDocument/2006/relationships" xmlns:p="http://schemas.openxmlformats.org/presentationml/2006/main" type="title" preserve="1">
   <p:cSld name="Title Slide">
@@ -315,9 +835,9 @@
           <a:bodyPr/>
           <a:lstStyle/>
           <a:p>
-            <a:fld id="{19EC1451-C19F-4E74-938A-C9B25794365F}" type="datetimeFigureOut">
-              <a:rPr lang="en-US" smtClean="0"/>
-              <a:t>6/19/2017</a:t>
+            <a:fld id="{73F025B3-1245-954B-9D5F-4E55C1BF09C0}" type="datetime1">
+              <a:rPr lang="en-US" smtClean="0"/>
+              <a:t>6/15/18</a:t>
             </a:fld>
             <a:endParaRPr lang="en-US"/>
           </a:p>
@@ -485,9 +1005,9 @@
           <a:bodyPr/>
           <a:lstStyle/>
           <a:p>
-            <a:fld id="{19EC1451-C19F-4E74-938A-C9B25794365F}" type="datetimeFigureOut">
-              <a:rPr lang="en-US" smtClean="0"/>
-              <a:t>6/19/2017</a:t>
+            <a:fld id="{E9B01D77-7F89-4447-85E3-EE5C814C1D07}" type="datetime1">
+              <a:rPr lang="en-US" smtClean="0"/>
+              <a:t>6/15/18</a:t>
             </a:fld>
             <a:endParaRPr lang="en-US"/>
           </a:p>
@@ -665,9 +1185,9 @@
           <a:bodyPr/>
           <a:lstStyle/>
           <a:p>
-            <a:fld id="{19EC1451-C19F-4E74-938A-C9B25794365F}" type="datetimeFigureOut">
-              <a:rPr lang="en-US" smtClean="0"/>
-              <a:t>6/19/2017</a:t>
+            <a:fld id="{54CC813B-A69E-A94B-90E2-131F574C30D8}" type="datetime1">
+              <a:rPr lang="en-US" smtClean="0"/>
+              <a:t>6/15/18</a:t>
             </a:fld>
             <a:endParaRPr lang="en-US"/>
           </a:p>
@@ -835,9 +1355,9 @@
           <a:bodyPr/>
           <a:lstStyle/>
           <a:p>
-            <a:fld id="{19EC1451-C19F-4E74-938A-C9B25794365F}" type="datetimeFigureOut">
-              <a:rPr lang="en-US" smtClean="0"/>
-              <a:t>6/19/2017</a:t>
+            <a:fld id="{6695767E-C73D-5D43-B624-40911C1676C1}" type="datetime1">
+              <a:rPr lang="en-US" smtClean="0"/>
+              <a:t>6/15/18</a:t>
             </a:fld>
             <a:endParaRPr lang="en-US"/>
           </a:p>
@@ -1081,9 +1601,9 @@
           <a:bodyPr/>
           <a:lstStyle/>
           <a:p>
-            <a:fld id="{19EC1451-C19F-4E74-938A-C9B25794365F}" type="datetimeFigureOut">
-              <a:rPr lang="en-US" smtClean="0"/>
-              <a:t>6/19/2017</a:t>
+            <a:fld id="{C7E9268E-5315-2F49-8807-13694EDF20BA}" type="datetime1">
+              <a:rPr lang="en-US" smtClean="0"/>
+              <a:t>6/15/18</a:t>
             </a:fld>
             <a:endParaRPr lang="en-US"/>
           </a:p>
@@ -1369,9 +1889,9 @@
           <a:bodyPr/>
           <a:lstStyle/>
           <a:p>
-            <a:fld id="{19EC1451-C19F-4E74-938A-C9B25794365F}" type="datetimeFigureOut">
-              <a:rPr lang="en-US" smtClean="0"/>
-              <a:t>6/19/2017</a:t>
+            <a:fld id="{42737842-E50F-E048-831C-2DAEE47DF075}" type="datetime1">
+              <a:rPr lang="en-US" smtClean="0"/>
+              <a:t>6/15/18</a:t>
             </a:fld>
             <a:endParaRPr lang="en-US"/>
           </a:p>
@@ -1791,9 +2311,9 @@
           <a:bodyPr/>
           <a:lstStyle/>
           <a:p>
-            <a:fld id="{19EC1451-C19F-4E74-938A-C9B25794365F}" type="datetimeFigureOut">
-              <a:rPr lang="en-US" smtClean="0"/>
-              <a:t>6/19/2017</a:t>
+            <a:fld id="{06677687-FD27-3D45-84EA-22933349BC5F}" type="datetime1">
+              <a:rPr lang="en-US" smtClean="0"/>
+              <a:t>6/15/18</a:t>
             </a:fld>
             <a:endParaRPr lang="en-US"/>
           </a:p>
@@ -1909,9 +2429,9 @@
           <a:bodyPr/>
           <a:lstStyle/>
           <a:p>
-            <a:fld id="{19EC1451-C19F-4E74-938A-C9B25794365F}" type="datetimeFigureOut">
-              <a:rPr lang="en-US" smtClean="0"/>
-              <a:t>6/19/2017</a:t>
+            <a:fld id="{6CD3199B-C0EB-034E-9AC5-EE156F337F13}" type="datetime1">
+              <a:rPr lang="en-US" smtClean="0"/>
+              <a:t>6/15/18</a:t>
             </a:fld>
             <a:endParaRPr lang="en-US"/>
           </a:p>
@@ -2004,9 +2524,9 @@
           <a:bodyPr/>
           <a:lstStyle/>
           <a:p>
-            <a:fld id="{19EC1451-C19F-4E74-938A-C9B25794365F}" type="datetimeFigureOut">
-              <a:rPr lang="en-US" smtClean="0"/>
-              <a:t>6/19/2017</a:t>
+            <a:fld id="{3BD42CBB-68CB-1B43-BE35-628089C82B9F}" type="datetime1">
+              <a:rPr lang="en-US" smtClean="0"/>
+              <a:t>6/15/18</a:t>
             </a:fld>
             <a:endParaRPr lang="en-US"/>
           </a:p>
@@ -2281,9 +2801,9 @@
           <a:bodyPr/>
           <a:lstStyle/>
           <a:p>
-            <a:fld id="{19EC1451-C19F-4E74-938A-C9B25794365F}" type="datetimeFigureOut">
-              <a:rPr lang="en-US" smtClean="0"/>
-              <a:t>6/19/2017</a:t>
+            <a:fld id="{C7FEAB64-78C5-3245-AB5C-13D1CE6A3097}" type="datetime1">
+              <a:rPr lang="en-US" smtClean="0"/>
+              <a:t>6/15/18</a:t>
             </a:fld>
             <a:endParaRPr lang="en-US"/>
           </a:p>
@@ -2534,9 +3054,9 @@
           <a:bodyPr/>
           <a:lstStyle/>
           <a:p>
-            <a:fld id="{19EC1451-C19F-4E74-938A-C9B25794365F}" type="datetimeFigureOut">
-              <a:rPr lang="en-US" smtClean="0"/>
-              <a:t>6/19/2017</a:t>
+            <a:fld id="{5A0AA411-28A0-3A4C-B001-2104CB59ABA1}" type="datetime1">
+              <a:rPr lang="en-US" smtClean="0"/>
+              <a:t>6/15/18</a:t>
             </a:fld>
             <a:endParaRPr lang="en-US"/>
           </a:p>
@@ -2747,9 +3267,9 @@
             </a:lvl1pPr>
           </a:lstStyle>
           <a:p>
-            <a:fld id="{19EC1451-C19F-4E74-938A-C9B25794365F}" type="datetimeFigureOut">
-              <a:rPr lang="en-US" smtClean="0"/>
-              <a:t>6/19/2017</a:t>
+            <a:fld id="{391060B3-373B-644E-A1B7-D215202ACDAD}" type="datetime1">
+              <a:rPr lang="en-US" smtClean="0"/>
+              <a:t>6/15/18</a:t>
             </a:fld>
             <a:endParaRPr lang="en-US"/>
           </a:p>
@@ -2854,6 +3374,7 @@
     <p:sldLayoutId id="2147483658" r:id="rId10"/>
     <p:sldLayoutId id="2147483659" r:id="rId11"/>
   </p:sldLayoutIdLst>
+  <p:hf hdr="0" ftr="0" dt="0"/>
   <p:txStyles>
     <p:titleStyle>
       <a:lvl1pPr algn="ctr" defTabSz="914400" rtl="0" eaLnBrk="1" latinLnBrk="0" hangingPunct="1">
@@ -3145,24 +3666,12 @@
               <a:rPr lang="en-US" dirty="0" smtClean="0"/>
               <a:t>R Workshop Part 4: </a:t>
             </a:r>
-            <a:r>
-              <a:rPr lang="en-US" dirty="0" smtClean="0"/>
-              <a:t/>
-            </a:r>
             <a:br>
               <a:rPr lang="en-US" dirty="0" smtClean="0"/>
             </a:br>
             <a:r>
               <a:rPr lang="en-US" dirty="0" smtClean="0"/>
-              <a:t>A </a:t>
-            </a:r>
-            <a:r>
-              <a:rPr lang="en-US" dirty="0" smtClean="0"/>
-              <a:t>case study in using </a:t>
-            </a:r>
-            <a:r>
-              <a:rPr lang="en-US" dirty="0" smtClean="0"/>
-              <a:t>R for analysis</a:t>
+              <a:t>A case study in using R for analysis</a:t>
             </a:r>
             <a:endParaRPr lang="en-US" dirty="0"/>
           </a:p>
@@ -3199,14 +3708,42 @@
           <a:p>
             <a:r>
               <a:rPr lang="en-US" dirty="0"/>
-              <a:t>SER 2017</a:t>
-            </a:r>
+              <a:t>SER </a:t>
+            </a:r>
+            <a:r>
+              <a:rPr lang="en-US" dirty="0" smtClean="0"/>
+              <a:t>2018	</a:t>
+            </a:r>
+            <a:endParaRPr lang="en-US" dirty="0"/>
           </a:p>
           <a:p>
             <a:endParaRPr lang="en-US" dirty="0" smtClean="0"/>
           </a:p>
           <a:p>
             <a:endParaRPr lang="en-US" dirty="0"/>
+          </a:p>
+        </p:txBody>
+      </p:sp>
+      <p:sp>
+        <p:nvSpPr>
+          <p:cNvPr id="4" name="Slide Number Placeholder 3"/>
+          <p:cNvSpPr>
+            <a:spLocks noGrp="1"/>
+          </p:cNvSpPr>
+          <p:nvPr>
+            <p:ph type="sldNum" sz="quarter" idx="12"/>
+          </p:nvPr>
+        </p:nvSpPr>
+        <p:spPr/>
+        <p:txBody>
+          <a:bodyPr/>
+          <a:lstStyle/>
+          <a:p>
+            <a:fld id="{3CE78DC2-C3EA-4731-B863-4FE22F9DFA93}" type="slidenum">
+              <a:rPr lang="en-US" smtClean="0"/>
+              <a:t>1</a:t>
+            </a:fld>
+            <a:endParaRPr lang="en-US"/>
           </a:p>
         </p:txBody>
       </p:sp>
@@ -3223,7 +3760,7 @@
   <p:timing>
     <p:tnLst>
       <p:par>
-        <p:cTn id="1" dur="indefinite" restart="never" nodeType="tmRoot"/>
+        <p:cTn xmlns:p14="http://schemas.microsoft.com/office/powerpoint/2010/main" id="1" dur="indefinite" restart="never" nodeType="tmRoot"/>
       </p:par>
     </p:tnLst>
   </p:timing>
@@ -3334,14 +3871,14 @@
           </a:ln>
           <a:effectLst/>
           <a:extLst>
-            <a:ext uri="{909E8E84-426E-40DD-AFC4-6F175D3DCCD1}">
+            <a:ext uri="{909E8E84-426E-40dd-AFC4-6F175D3DCCD1}">
               <a14:hiddenFill xmlns:a14="http://schemas.microsoft.com/office/drawing/2010/main">
                 <a:solidFill>
                   <a:schemeClr val="accent1"/>
                 </a:solidFill>
               </a14:hiddenFill>
             </a:ext>
-            <a:ext uri="{91240B29-F687-4F45-9708-019B960494DF}">
+            <a:ext uri="{91240B29-F687-4f45-9708-019B960494DF}">
               <a14:hiddenLine xmlns:a14="http://schemas.microsoft.com/office/drawing/2010/main" w="9525">
                 <a:solidFill>
                   <a:schemeClr val="tx1"/>
@@ -3351,7 +3888,7 @@
                 <a:tailEnd/>
               </a14:hiddenLine>
             </a:ext>
-            <a:ext uri="{AF507438-7753-43E0-B8FC-AC1667EBCBE1}">
+            <a:ext uri="{AF507438-7753-43e0-B8FC-AC1667EBCBE1}">
               <a14:hiddenEffects xmlns:a14="http://schemas.microsoft.com/office/drawing/2010/main">
                 <a:effectLst>
                   <a:outerShdw dist="35921" dir="2700000" algn="ctr" rotWithShape="0">
@@ -3363,6 +3900,29 @@
           </a:extLst>
         </p:spPr>
       </p:pic>
+      <p:sp>
+        <p:nvSpPr>
+          <p:cNvPr id="4" name="Slide Number Placeholder 3"/>
+          <p:cNvSpPr>
+            <a:spLocks noGrp="1"/>
+          </p:cNvSpPr>
+          <p:nvPr>
+            <p:ph type="sldNum" sz="quarter" idx="12"/>
+          </p:nvPr>
+        </p:nvSpPr>
+        <p:spPr/>
+        <p:txBody>
+          <a:bodyPr/>
+          <a:lstStyle/>
+          <a:p>
+            <a:fld id="{3CE78DC2-C3EA-4731-B863-4FE22F9DFA93}" type="slidenum">
+              <a:rPr lang="en-US" smtClean="0"/>
+              <a:t>10</a:t>
+            </a:fld>
+            <a:endParaRPr lang="en-US"/>
+          </a:p>
+        </p:txBody>
+      </p:sp>
     </p:spTree>
     <p:extLst>
       <p:ext uri="{BB962C8B-B14F-4D97-AF65-F5344CB8AC3E}">
@@ -3376,7 +3936,7 @@
   <p:timing>
     <p:tnLst>
       <p:par>
-        <p:cTn id="1" dur="indefinite" restart="never" nodeType="tmRoot"/>
+        <p:cTn xmlns:p14="http://schemas.microsoft.com/office/powerpoint/2010/main" id="1" dur="indefinite" restart="never" nodeType="tmRoot"/>
       </p:par>
     </p:tnLst>
   </p:timing>
@@ -3440,34 +4000,163 @@
           <a:p>
             <a:r>
               <a:rPr lang="en-US" dirty="0" smtClean="0"/>
-              <a:t>The data come as a sas7bdat file</a:t>
-            </a:r>
-          </a:p>
-          <a:p>
-            <a:r>
-              <a:rPr lang="en-US" dirty="0" smtClean="0"/>
-              <a:t>Q: How do we get that into R?</a:t>
+              <a:t>The data come as a </a:t>
+            </a:r>
+            <a:r>
+              <a:rPr lang="en-US" dirty="0" err="1" smtClean="0"/>
+              <a:t>xport</a:t>
+            </a:r>
+            <a:r>
+              <a:rPr lang="en-US" dirty="0" smtClean="0"/>
+              <a:t> file</a:t>
+            </a:r>
+            <a:r>
+              <a:rPr lang="en-US" dirty="0" smtClean="0"/>
+              <a:t>, so we'll need an external package to load them:</a:t>
             </a:r>
           </a:p>
           <a:p>
             <a:endParaRPr lang="en-US" dirty="0"/>
           </a:p>
           <a:p>
-            <a:endParaRPr lang="en-US" dirty="0" smtClean="0"/>
-          </a:p>
-          <a:p>
-            <a:r>
-              <a:rPr lang="en-US" dirty="0" smtClean="0"/>
-              <a:t>A: Need to use the read.sas7bdat method in the sas7bdat package</a:t>
-            </a:r>
-            <a:endParaRPr lang="en-US" dirty="0"/>
+            <a:pPr marL="0" indent="0">
+              <a:buNone/>
+            </a:pPr>
+            <a:r>
+              <a:rPr lang="en-US" sz="1600" dirty="0">
+                <a:latin typeface="Courier New" panose="02070309020205020404" pitchFamily="49" charset="0"/>
+                <a:cs typeface="Courier New" panose="02070309020205020404" pitchFamily="49" charset="0"/>
+              </a:rPr>
+              <a:t>library(</a:t>
+            </a:r>
+            <a:r>
+              <a:rPr lang="en-US" sz="1600" dirty="0" err="1">
+                <a:latin typeface="Courier New" panose="02070309020205020404" pitchFamily="49" charset="0"/>
+                <a:cs typeface="Courier New" panose="02070309020205020404" pitchFamily="49" charset="0"/>
+              </a:rPr>
+              <a:t>SASxport</a:t>
+            </a:r>
+            <a:r>
+              <a:rPr lang="en-US" sz="1600" dirty="0">
+                <a:latin typeface="Courier New" panose="02070309020205020404" pitchFamily="49" charset="0"/>
+                <a:cs typeface="Courier New" panose="02070309020205020404" pitchFamily="49" charset="0"/>
+              </a:rPr>
+              <a:t>)</a:t>
+            </a:r>
+          </a:p>
+          <a:p>
+            <a:pPr marL="0" indent="0">
+              <a:buNone/>
+            </a:pPr>
+            <a:r>
+              <a:rPr lang="en-US" sz="1600" dirty="0">
+                <a:latin typeface="Courier New" panose="02070309020205020404" pitchFamily="49" charset="0"/>
+                <a:cs typeface="Courier New" panose="02070309020205020404" pitchFamily="49" charset="0"/>
+              </a:rPr>
+              <a:t>demo &lt;- </a:t>
+            </a:r>
+            <a:r>
+              <a:rPr lang="en-US" sz="1600" dirty="0" err="1">
+                <a:latin typeface="Courier New" panose="02070309020205020404" pitchFamily="49" charset="0"/>
+                <a:cs typeface="Courier New" panose="02070309020205020404" pitchFamily="49" charset="0"/>
+              </a:rPr>
+              <a:t>read.xport</a:t>
+            </a:r>
+            <a:r>
+              <a:rPr lang="en-US" sz="1600" dirty="0">
+                <a:latin typeface="Courier New" panose="02070309020205020404" pitchFamily="49" charset="0"/>
+                <a:cs typeface="Courier New" panose="02070309020205020404" pitchFamily="49" charset="0"/>
+              </a:rPr>
+              <a:t>('&lt;</a:t>
+            </a:r>
+            <a:r>
+              <a:rPr lang="en-US" sz="1600" dirty="0" err="1">
+                <a:latin typeface="Courier New" panose="02070309020205020404" pitchFamily="49" charset="0"/>
+                <a:cs typeface="Courier New" panose="02070309020205020404" pitchFamily="49" charset="0"/>
+              </a:rPr>
+              <a:t>yourpath</a:t>
+            </a:r>
+            <a:r>
+              <a:rPr lang="en-US" sz="1600" dirty="0">
+                <a:latin typeface="Courier New" panose="02070309020205020404" pitchFamily="49" charset="0"/>
+                <a:cs typeface="Courier New" panose="02070309020205020404" pitchFamily="49" charset="0"/>
+              </a:rPr>
+              <a:t>&gt;/DEMO_D.XPT')</a:t>
+            </a:r>
+          </a:p>
+          <a:p>
+            <a:pPr marL="0" indent="0">
+              <a:buNone/>
+            </a:pPr>
+            <a:r>
+              <a:rPr lang="en-US" sz="1600" dirty="0">
+                <a:latin typeface="Courier New" panose="02070309020205020404" pitchFamily="49" charset="0"/>
+                <a:cs typeface="Courier New" panose="02070309020205020404" pitchFamily="49" charset="0"/>
+              </a:rPr>
+              <a:t>phthalates &lt;- </a:t>
+            </a:r>
+            <a:r>
+              <a:rPr lang="en-US" sz="1600" dirty="0" err="1">
+                <a:latin typeface="Courier New" panose="02070309020205020404" pitchFamily="49" charset="0"/>
+                <a:cs typeface="Courier New" panose="02070309020205020404" pitchFamily="49" charset="0"/>
+              </a:rPr>
+              <a:t>read.xport</a:t>
+            </a:r>
+            <a:r>
+              <a:rPr lang="en-US" sz="1600" dirty="0">
+                <a:latin typeface="Courier New" panose="02070309020205020404" pitchFamily="49" charset="0"/>
+                <a:cs typeface="Courier New" panose="02070309020205020404" pitchFamily="49" charset="0"/>
+              </a:rPr>
+              <a:t>('&lt;</a:t>
+            </a:r>
+            <a:r>
+              <a:rPr lang="en-US" sz="1600" dirty="0" err="1">
+                <a:latin typeface="Courier New" panose="02070309020205020404" pitchFamily="49" charset="0"/>
+                <a:cs typeface="Courier New" panose="02070309020205020404" pitchFamily="49" charset="0"/>
+              </a:rPr>
+              <a:t>yourpath</a:t>
+            </a:r>
+            <a:r>
+              <a:rPr lang="en-US" sz="1600" dirty="0">
+                <a:latin typeface="Courier New" panose="02070309020205020404" pitchFamily="49" charset="0"/>
+                <a:cs typeface="Courier New" panose="02070309020205020404" pitchFamily="49" charset="0"/>
+              </a:rPr>
+              <a:t>&gt;/PHTHTE_D.XPT')</a:t>
+            </a:r>
+            <a:endParaRPr lang="en-US" sz="1600" dirty="0">
+              <a:latin typeface="Courier New" panose="02070309020205020404" pitchFamily="49" charset="0"/>
+              <a:cs typeface="Courier New" panose="02070309020205020404" pitchFamily="49" charset="0"/>
+            </a:endParaRPr>
+          </a:p>
+        </p:txBody>
+      </p:sp>
+      <p:sp>
+        <p:nvSpPr>
+          <p:cNvPr id="4" name="Slide Number Placeholder 3"/>
+          <p:cNvSpPr>
+            <a:spLocks noGrp="1"/>
+          </p:cNvSpPr>
+          <p:nvPr>
+            <p:ph type="sldNum" sz="quarter" idx="12"/>
+          </p:nvPr>
+        </p:nvSpPr>
+        <p:spPr/>
+        <p:txBody>
+          <a:bodyPr/>
+          <a:lstStyle/>
+          <a:p>
+            <a:fld id="{3CE78DC2-C3EA-4731-B863-4FE22F9DFA93}" type="slidenum">
+              <a:rPr lang="en-US" smtClean="0"/>
+              <a:t>11</a:t>
+            </a:fld>
+            <a:endParaRPr lang="en-US"/>
           </a:p>
         </p:txBody>
       </p:sp>
     </p:spTree>
     <p:extLst>
       <p:ext uri="{BB962C8B-B14F-4D97-AF65-F5344CB8AC3E}">
-        <p14:creationId xmlns:p14="http://schemas.microsoft.com/office/powerpoint/2010/main" val="4030464813"/>
+        <p14:creationId xmlns:p14="http://schemas.microsoft.com/office/powerpoint/2010/main" val="1303424586"/>
       </p:ext>
     </p:extLst>
   </p:cSld>
@@ -3477,79 +4166,7 @@
   <p:timing>
     <p:tnLst>
       <p:par>
-        <p:cTn id="1" dur="indefinite" restart="never" nodeType="tmRoot">
-          <p:childTnLst>
-            <p:seq concurrent="1" nextAc="seek">
-              <p:cTn id="2" dur="indefinite" nodeType="mainSeq">
-                <p:childTnLst>
-                  <p:par>
-                    <p:cTn id="3" fill="hold">
-                      <p:stCondLst>
-                        <p:cond delay="indefinite"/>
-                      </p:stCondLst>
-                      <p:childTnLst>
-                        <p:par>
-                          <p:cTn id="4" fill="hold">
-                            <p:stCondLst>
-                              <p:cond delay="0"/>
-                            </p:stCondLst>
-                            <p:childTnLst>
-                              <p:par>
-                                <p:cTn id="5" presetID="1" presetClass="entr" presetSubtype="0" fill="hold" nodeType="clickEffect">
-                                  <p:stCondLst>
-                                    <p:cond delay="0"/>
-                                  </p:stCondLst>
-                                  <p:childTnLst>
-                                    <p:set>
-                                      <p:cBhvr>
-                                        <p:cTn id="6" dur="1" fill="hold">
-                                          <p:stCondLst>
-                                            <p:cond delay="0"/>
-                                          </p:stCondLst>
-                                        </p:cTn>
-                                        <p:tgtEl>
-                                          <p:spTgt spid="3">
-                                            <p:txEl>
-                                              <p:pRg st="4" end="4"/>
-                                            </p:txEl>
-                                          </p:spTgt>
-                                        </p:tgtEl>
-                                        <p:attrNameLst>
-                                          <p:attrName>style.visibility</p:attrName>
-                                        </p:attrNameLst>
-                                      </p:cBhvr>
-                                      <p:to>
-                                        <p:strVal val="visible"/>
-                                      </p:to>
-                                    </p:set>
-                                  </p:childTnLst>
-                                </p:cTn>
-                              </p:par>
-                            </p:childTnLst>
-                          </p:cTn>
-                        </p:par>
-                      </p:childTnLst>
-                    </p:cTn>
-                  </p:par>
-                </p:childTnLst>
-              </p:cTn>
-              <p:prevCondLst>
-                <p:cond evt="onPrev" delay="0">
-                  <p:tgtEl>
-                    <p:sldTgt/>
-                  </p:tgtEl>
-                </p:cond>
-              </p:prevCondLst>
-              <p:nextCondLst>
-                <p:cond evt="onNext" delay="0">
-                  <p:tgtEl>
-                    <p:sldTgt/>
-                  </p:tgtEl>
-                </p:cond>
-              </p:nextCondLst>
-            </p:seq>
-          </p:childTnLst>
-        </p:cTn>
+        <p:cTn xmlns:p14="http://schemas.microsoft.com/office/powerpoint/2010/main" id="1" dur="indefinite" restart="never" nodeType="tmRoot"/>
       </p:par>
     </p:tnLst>
   </p:timing>
@@ -3609,12 +4226,19 @@
         <p:spPr/>
         <p:txBody>
           <a:bodyPr>
-            <a:normAutofit lnSpcReduction="10000"/>
+            <a:normAutofit/>
           </a:bodyPr>
           <a:lstStyle/>
           <a:p>
             <a:r>
               <a:rPr lang="en-US" dirty="0" smtClean="0"/>
+              <a:t>We haven't talked about merging in this workshop yet.</a:t>
+            </a:r>
+          </a:p>
+          <a:p>
+            <a:pPr lvl="1"/>
+            <a:r>
+              <a:rPr lang="en-US" dirty="0" smtClean="0"/>
               <a:t>Google "R merge data frame"</a:t>
             </a:r>
           </a:p>
@@ -3624,34 +4248,63 @@
           <a:p>
             <a:r>
               <a:rPr lang="en-US" dirty="0" smtClean="0"/>
-              <a:t>The merge function looks good</a:t>
-            </a:r>
-          </a:p>
-          <a:p>
-            <a:endParaRPr lang="en-US" dirty="0"/>
-          </a:p>
-          <a:p>
-            <a:r>
-              <a:rPr lang="en-US" dirty="0" smtClean="0"/>
-              <a:t>Q1: How do we specify the id</a:t>
-            </a:r>
-          </a:p>
-          <a:p>
-            <a:endParaRPr lang="en-US" dirty="0"/>
-          </a:p>
-          <a:p>
-            <a:r>
-              <a:rPr lang="en-US" dirty="0" smtClean="0"/>
-              <a:t>Q2: We don't need to here, but how would you do a 'vertical merge'</a:t>
-            </a:r>
-            <a:endParaRPr lang="en-US" dirty="0"/>
+              <a:t>Looks like merge() should work:</a:t>
+            </a:r>
+          </a:p>
+          <a:p>
+            <a:pPr marL="0" indent="0">
+              <a:buNone/>
+            </a:pPr>
+            <a:endParaRPr lang="en-US" dirty="0" smtClean="0"/>
+          </a:p>
+          <a:p>
+            <a:pPr marL="0" indent="0">
+              <a:buNone/>
+            </a:pPr>
+            <a:r>
+              <a:rPr lang="en-US" sz="1600" dirty="0" err="1">
+                <a:latin typeface="Courier New" panose="02070309020205020404" pitchFamily="49" charset="0"/>
+                <a:cs typeface="Courier New" panose="02070309020205020404" pitchFamily="49" charset="0"/>
+              </a:rPr>
+              <a:t>nhanes</a:t>
+            </a:r>
+            <a:r>
+              <a:rPr lang="en-US" sz="1600" dirty="0">
+                <a:latin typeface="Courier New" panose="02070309020205020404" pitchFamily="49" charset="0"/>
+                <a:cs typeface="Courier New" panose="02070309020205020404" pitchFamily="49" charset="0"/>
+              </a:rPr>
+              <a:t> &lt;- merge(demo, phthalates, by='SEQN')</a:t>
+            </a:r>
+          </a:p>
+        </p:txBody>
+      </p:sp>
+      <p:sp>
+        <p:nvSpPr>
+          <p:cNvPr id="4" name="Slide Number Placeholder 3"/>
+          <p:cNvSpPr>
+            <a:spLocks noGrp="1"/>
+          </p:cNvSpPr>
+          <p:nvPr>
+            <p:ph type="sldNum" sz="quarter" idx="12"/>
+          </p:nvPr>
+        </p:nvSpPr>
+        <p:spPr/>
+        <p:txBody>
+          <a:bodyPr/>
+          <a:lstStyle/>
+          <a:p>
+            <a:fld id="{3CE78DC2-C3EA-4731-B863-4FE22F9DFA93}" type="slidenum">
+              <a:rPr lang="en-US" smtClean="0"/>
+              <a:t>12</a:t>
+            </a:fld>
+            <a:endParaRPr lang="en-US"/>
           </a:p>
         </p:txBody>
       </p:sp>
     </p:spTree>
     <p:extLst>
       <p:ext uri="{BB962C8B-B14F-4D97-AF65-F5344CB8AC3E}">
-        <p14:creationId xmlns:p14="http://schemas.microsoft.com/office/powerpoint/2010/main" val="1925071722"/>
+        <p14:creationId xmlns:p14="http://schemas.microsoft.com/office/powerpoint/2010/main" val="239003829"/>
       </p:ext>
     </p:extLst>
   </p:cSld>
@@ -3661,7 +4314,7 @@
   <p:timing>
     <p:tnLst>
       <p:par>
-        <p:cTn id="1" dur="indefinite" restart="never" nodeType="tmRoot"/>
+        <p:cTn xmlns:p14="http://schemas.microsoft.com/office/powerpoint/2010/main" id="1" dur="indefinite" restart="never" nodeType="tmRoot"/>
       </p:par>
     </p:tnLst>
   </p:timing>
@@ -3735,443 +4388,16 @@
             <a:endParaRPr lang="en-US" dirty="0"/>
           </a:p>
           <a:p>
-            <a:endParaRPr lang="en-US" dirty="0" smtClean="0"/>
-          </a:p>
-          <a:p>
-            <a:r>
-              <a:rPr lang="en-US" dirty="0" smtClean="0"/>
-              <a:t>A: Filter data frames by indexing and assigning the result</a:t>
-            </a:r>
-            <a:endParaRPr lang="en-US" dirty="0"/>
-          </a:p>
-        </p:txBody>
-      </p:sp>
-    </p:spTree>
-    <p:extLst>
-      <p:ext uri="{BB962C8B-B14F-4D97-AF65-F5344CB8AC3E}">
-        <p14:creationId xmlns:p14="http://schemas.microsoft.com/office/powerpoint/2010/main" val="214663994"/>
-      </p:ext>
-    </p:extLst>
-  </p:cSld>
-  <p:clrMapOvr>
-    <a:masterClrMapping/>
-  </p:clrMapOvr>
-  <p:timing>
-    <p:tnLst>
-      <p:par>
-        <p:cTn id="1" dur="indefinite" restart="never" nodeType="tmRoot">
-          <p:childTnLst>
-            <p:seq concurrent="1" nextAc="seek">
-              <p:cTn id="2" dur="indefinite" nodeType="mainSeq">
-                <p:childTnLst>
-                  <p:par>
-                    <p:cTn id="3" fill="hold">
-                      <p:stCondLst>
-                        <p:cond delay="indefinite"/>
-                      </p:stCondLst>
-                      <p:childTnLst>
-                        <p:par>
-                          <p:cTn id="4" fill="hold">
-                            <p:stCondLst>
-                              <p:cond delay="0"/>
-                            </p:stCondLst>
-                            <p:childTnLst>
-                              <p:par>
-                                <p:cTn id="5" presetID="1" presetClass="entr" presetSubtype="0" fill="hold" nodeType="clickEffect">
-                                  <p:stCondLst>
-                                    <p:cond delay="0"/>
-                                  </p:stCondLst>
-                                  <p:childTnLst>
-                                    <p:set>
-                                      <p:cBhvr>
-                                        <p:cTn id="6" dur="1" fill="hold">
-                                          <p:stCondLst>
-                                            <p:cond delay="0"/>
-                                          </p:stCondLst>
-                                        </p:cTn>
-                                        <p:tgtEl>
-                                          <p:spTgt spid="3">
-                                            <p:txEl>
-                                              <p:pRg st="3" end="3"/>
-                                            </p:txEl>
-                                          </p:spTgt>
-                                        </p:tgtEl>
-                                        <p:attrNameLst>
-                                          <p:attrName>style.visibility</p:attrName>
-                                        </p:attrNameLst>
-                                      </p:cBhvr>
-                                      <p:to>
-                                        <p:strVal val="visible"/>
-                                      </p:to>
-                                    </p:set>
-                                  </p:childTnLst>
-                                </p:cTn>
-                              </p:par>
-                            </p:childTnLst>
-                          </p:cTn>
-                        </p:par>
-                      </p:childTnLst>
-                    </p:cTn>
-                  </p:par>
-                </p:childTnLst>
-              </p:cTn>
-              <p:prevCondLst>
-                <p:cond evt="onPrev" delay="0">
-                  <p:tgtEl>
-                    <p:sldTgt/>
-                  </p:tgtEl>
-                </p:cond>
-              </p:prevCondLst>
-              <p:nextCondLst>
-                <p:cond evt="onNext" delay="0">
-                  <p:tgtEl>
-                    <p:sldTgt/>
-                  </p:tgtEl>
-                </p:cond>
-              </p:nextCondLst>
-            </p:seq>
-          </p:childTnLst>
-        </p:cTn>
-      </p:par>
-    </p:tnLst>
-  </p:timing>
-</p:sld>
-</file>
-
-<file path=ppt/slides/slide14.xml><?xml version="1.0" encoding="utf-8"?>
-<p:sld xmlns:a="http://schemas.openxmlformats.org/drawingml/2006/main" xmlns:r="http://schemas.openxmlformats.org/officeDocument/2006/relationships" xmlns:p="http://schemas.openxmlformats.org/presentationml/2006/main">
-  <p:cSld>
-    <p:spTree>
-      <p:nvGrpSpPr>
-        <p:cNvPr id="1" name=""/>
-        <p:cNvGrpSpPr/>
-        <p:nvPr/>
-      </p:nvGrpSpPr>
-      <p:grpSpPr>
-        <a:xfrm>
-          <a:off x="0" y="0"/>
-          <a:ext cx="0" cy="0"/>
-          <a:chOff x="0" y="0"/>
-          <a:chExt cx="0" cy="0"/>
-        </a:xfrm>
-      </p:grpSpPr>
-      <p:sp>
-        <p:nvSpPr>
-          <p:cNvPr id="2" name="Title 1"/>
-          <p:cNvSpPr>
-            <a:spLocks noGrp="1"/>
-          </p:cNvSpPr>
-          <p:nvPr>
-            <p:ph type="title"/>
-          </p:nvPr>
-        </p:nvSpPr>
-        <p:spPr/>
-        <p:txBody>
-          <a:bodyPr/>
-          <a:lstStyle/>
-          <a:p>
-            <a:r>
-              <a:rPr lang="en-US" dirty="0" smtClean="0"/>
-              <a:t>Get the data into R</a:t>
-            </a:r>
-            <a:endParaRPr lang="en-US" dirty="0"/>
-          </a:p>
-        </p:txBody>
-      </p:sp>
-      <p:sp>
-        <p:nvSpPr>
-          <p:cNvPr id="3" name="Content Placeholder 2"/>
-          <p:cNvSpPr>
-            <a:spLocks noGrp="1"/>
-          </p:cNvSpPr>
-          <p:nvPr>
-            <p:ph idx="1"/>
-          </p:nvPr>
-        </p:nvSpPr>
-        <p:spPr/>
-        <p:txBody>
-          <a:bodyPr/>
-          <a:lstStyle/>
-          <a:p>
-            <a:r>
-              <a:rPr lang="en-US" dirty="0" smtClean="0"/>
-              <a:t>The data come as a sas7bdat </a:t>
-            </a:r>
-            <a:r>
-              <a:rPr lang="en-US" dirty="0" smtClean="0"/>
-              <a:t>file, so we'll need an external package to load them:</a:t>
-            </a:r>
-          </a:p>
-          <a:p>
-            <a:endParaRPr lang="en-US" dirty="0"/>
-          </a:p>
-          <a:p>
             <a:pPr marL="0" indent="0">
               <a:buNone/>
             </a:pPr>
-            <a:r>
-              <a:rPr lang="en-US" sz="1600" dirty="0" smtClean="0">
-                <a:latin typeface="Courier New" panose="02070309020205020404" pitchFamily="49" charset="0"/>
-                <a:cs typeface="Courier New" panose="02070309020205020404" pitchFamily="49" charset="0"/>
-              </a:rPr>
-              <a:t># </a:t>
-            </a:r>
             <a:r>
               <a:rPr lang="en-US" sz="1600" dirty="0">
                 <a:latin typeface="Courier New" panose="02070309020205020404" pitchFamily="49" charset="0"/>
                 <a:cs typeface="Courier New" panose="02070309020205020404" pitchFamily="49" charset="0"/>
               </a:rPr>
-              <a:t>Note that you'll need to replace &lt;</a:t>
-            </a:r>
-            <a:r>
-              <a:rPr lang="en-US" sz="1600" dirty="0" err="1">
-                <a:latin typeface="Courier New" panose="02070309020205020404" pitchFamily="49" charset="0"/>
-                <a:cs typeface="Courier New" panose="02070309020205020404" pitchFamily="49" charset="0"/>
-              </a:rPr>
-              <a:t>yourpath</a:t>
-            </a:r>
-            <a:r>
-              <a:rPr lang="en-US" sz="1600" dirty="0">
-                <a:latin typeface="Courier New" panose="02070309020205020404" pitchFamily="49" charset="0"/>
-                <a:cs typeface="Courier New" panose="02070309020205020404" pitchFamily="49" charset="0"/>
-              </a:rPr>
-              <a:t>&gt; with your </a:t>
-            </a:r>
-            <a:r>
-              <a:rPr lang="en-US" sz="1600" dirty="0" smtClean="0">
-                <a:latin typeface="Courier New" panose="02070309020205020404" pitchFamily="49" charset="0"/>
-                <a:cs typeface="Courier New" panose="02070309020205020404" pitchFamily="49" charset="0"/>
-              </a:rPr>
-              <a:t>path</a:t>
-            </a:r>
-          </a:p>
-          <a:p>
-            <a:pPr marL="0" indent="0">
-              <a:buNone/>
-            </a:pPr>
-            <a:r>
-              <a:rPr lang="en-US" sz="1600" dirty="0" smtClean="0">
-                <a:latin typeface="Courier New" panose="02070309020205020404" pitchFamily="49" charset="0"/>
-                <a:cs typeface="Courier New" panose="02070309020205020404" pitchFamily="49" charset="0"/>
-              </a:rPr>
-              <a:t>library(sas7bdat</a:t>
-            </a:r>
-            <a:r>
-              <a:rPr lang="en-US" sz="1600" dirty="0">
-                <a:latin typeface="Courier New" panose="02070309020205020404" pitchFamily="49" charset="0"/>
-                <a:cs typeface="Courier New" panose="02070309020205020404" pitchFamily="49" charset="0"/>
-              </a:rPr>
-              <a:t>) </a:t>
-            </a:r>
-            <a:endParaRPr lang="en-US" sz="1600" dirty="0" smtClean="0">
-              <a:latin typeface="Courier New" panose="02070309020205020404" pitchFamily="49" charset="0"/>
-              <a:cs typeface="Courier New" panose="02070309020205020404" pitchFamily="49" charset="0"/>
-            </a:endParaRPr>
-          </a:p>
-          <a:p>
-            <a:pPr marL="0" indent="0">
-              <a:buNone/>
-            </a:pPr>
-            <a:r>
-              <a:rPr lang="en-US" sz="1600" dirty="0" smtClean="0">
-                <a:latin typeface="Courier New" panose="02070309020205020404" pitchFamily="49" charset="0"/>
-                <a:cs typeface="Courier New" panose="02070309020205020404" pitchFamily="49" charset="0"/>
-              </a:rPr>
-              <a:t>demo </a:t>
-            </a:r>
-            <a:r>
-              <a:rPr lang="en-US" sz="1600" dirty="0">
-                <a:latin typeface="Courier New" panose="02070309020205020404" pitchFamily="49" charset="0"/>
-                <a:cs typeface="Courier New" panose="02070309020205020404" pitchFamily="49" charset="0"/>
-              </a:rPr>
-              <a:t>&lt;- read.sas7bdat('&lt;</a:t>
-            </a:r>
-            <a:r>
-              <a:rPr lang="en-US" sz="1600" dirty="0" err="1" smtClean="0">
-                <a:latin typeface="Courier New" panose="02070309020205020404" pitchFamily="49" charset="0"/>
-                <a:cs typeface="Courier New" panose="02070309020205020404" pitchFamily="49" charset="0"/>
-              </a:rPr>
-              <a:t>yourpath</a:t>
-            </a:r>
-            <a:r>
-              <a:rPr lang="en-US" sz="1600" dirty="0" smtClean="0">
-                <a:latin typeface="Courier New" panose="02070309020205020404" pitchFamily="49" charset="0"/>
-                <a:cs typeface="Courier New" panose="02070309020205020404" pitchFamily="49" charset="0"/>
-              </a:rPr>
-              <a:t>&gt;\\</a:t>
-            </a:r>
-            <a:r>
-              <a:rPr lang="en-US" sz="1600" dirty="0">
-                <a:latin typeface="Courier New" panose="02070309020205020404" pitchFamily="49" charset="0"/>
-                <a:cs typeface="Courier New" panose="02070309020205020404" pitchFamily="49" charset="0"/>
-              </a:rPr>
-              <a:t>DEMO_D.sas7bdat')</a:t>
-            </a:r>
-          </a:p>
-          <a:p>
-            <a:pPr marL="0" indent="0">
-              <a:buNone/>
-            </a:pPr>
-            <a:r>
-              <a:rPr lang="en-US" sz="1600" dirty="0">
-                <a:latin typeface="Courier New" panose="02070309020205020404" pitchFamily="49" charset="0"/>
-                <a:cs typeface="Courier New" panose="02070309020205020404" pitchFamily="49" charset="0"/>
-              </a:rPr>
-              <a:t>phthalates &lt;- read.sas7bdat('&lt;</a:t>
-            </a:r>
-            <a:r>
-              <a:rPr lang="en-US" sz="1600" dirty="0" err="1" smtClean="0">
-                <a:latin typeface="Courier New" panose="02070309020205020404" pitchFamily="49" charset="0"/>
-                <a:cs typeface="Courier New" panose="02070309020205020404" pitchFamily="49" charset="0"/>
-              </a:rPr>
-              <a:t>yourpath</a:t>
-            </a:r>
-            <a:r>
-              <a:rPr lang="en-US" sz="1600" dirty="0" smtClean="0">
-                <a:latin typeface="Courier New" panose="02070309020205020404" pitchFamily="49" charset="0"/>
-                <a:cs typeface="Courier New" panose="02070309020205020404" pitchFamily="49" charset="0"/>
-              </a:rPr>
-              <a:t>&gt;\\</a:t>
-            </a:r>
-            <a:r>
-              <a:rPr lang="en-US" sz="1600" dirty="0">
-                <a:latin typeface="Courier New" panose="02070309020205020404" pitchFamily="49" charset="0"/>
-                <a:cs typeface="Courier New" panose="02070309020205020404" pitchFamily="49" charset="0"/>
-              </a:rPr>
-              <a:t>phthte_d.sas7bdat</a:t>
-            </a:r>
-            <a:r>
-              <a:rPr lang="en-US" sz="1600" dirty="0" smtClean="0">
-                <a:latin typeface="Courier New" panose="02070309020205020404" pitchFamily="49" charset="0"/>
-                <a:cs typeface="Courier New" panose="02070309020205020404" pitchFamily="49" charset="0"/>
-              </a:rPr>
-              <a:t>')</a:t>
-            </a:r>
-          </a:p>
-          <a:p>
-            <a:pPr marL="0" indent="0">
-              <a:buNone/>
-            </a:pPr>
-            <a:endParaRPr lang="en-US" sz="1600" dirty="0">
-              <a:latin typeface="Courier New" panose="02070309020205020404" pitchFamily="49" charset="0"/>
-              <a:cs typeface="Courier New" panose="02070309020205020404" pitchFamily="49" charset="0"/>
-            </a:endParaRPr>
-          </a:p>
-        </p:txBody>
-      </p:sp>
-    </p:spTree>
-    <p:extLst>
-      <p:ext uri="{BB962C8B-B14F-4D97-AF65-F5344CB8AC3E}">
-        <p14:creationId xmlns:p14="http://schemas.microsoft.com/office/powerpoint/2010/main" val="1303424586"/>
-      </p:ext>
-    </p:extLst>
-  </p:cSld>
-  <p:clrMapOvr>
-    <a:masterClrMapping/>
-  </p:clrMapOvr>
-  <p:timing>
-    <p:tnLst>
-      <p:par>
-        <p:cTn id="1" dur="indefinite" restart="never" nodeType="tmRoot"/>
-      </p:par>
-    </p:tnLst>
-  </p:timing>
-</p:sld>
-</file>
-
-<file path=ppt/slides/slide15.xml><?xml version="1.0" encoding="utf-8"?>
-<p:sld xmlns:a="http://schemas.openxmlformats.org/drawingml/2006/main" xmlns:r="http://schemas.openxmlformats.org/officeDocument/2006/relationships" xmlns:p="http://schemas.openxmlformats.org/presentationml/2006/main">
-  <p:cSld>
-    <p:spTree>
-      <p:nvGrpSpPr>
-        <p:cNvPr id="1" name=""/>
-        <p:cNvGrpSpPr/>
-        <p:nvPr/>
-      </p:nvGrpSpPr>
-      <p:grpSpPr>
-        <a:xfrm>
-          <a:off x="0" y="0"/>
-          <a:ext cx="0" cy="0"/>
-          <a:chOff x="0" y="0"/>
-          <a:chExt cx="0" cy="0"/>
-        </a:xfrm>
-      </p:grpSpPr>
-      <p:sp>
-        <p:nvSpPr>
-          <p:cNvPr id="2" name="Title 1"/>
-          <p:cNvSpPr>
-            <a:spLocks noGrp="1"/>
-          </p:cNvSpPr>
-          <p:nvPr>
-            <p:ph type="title"/>
-          </p:nvPr>
-        </p:nvSpPr>
-        <p:spPr/>
-        <p:txBody>
-          <a:bodyPr/>
-          <a:lstStyle/>
-          <a:p>
-            <a:r>
-              <a:rPr lang="en-US" dirty="0" smtClean="0"/>
-              <a:t>Merging data</a:t>
-            </a:r>
-            <a:endParaRPr lang="en-US" dirty="0"/>
-          </a:p>
-        </p:txBody>
-      </p:sp>
-      <p:sp>
-        <p:nvSpPr>
-          <p:cNvPr id="3" name="Content Placeholder 2"/>
-          <p:cNvSpPr>
-            <a:spLocks noGrp="1"/>
-          </p:cNvSpPr>
-          <p:nvPr>
-            <p:ph idx="1"/>
-          </p:nvPr>
-        </p:nvSpPr>
-        <p:spPr/>
-        <p:txBody>
-          <a:bodyPr>
-            <a:normAutofit/>
-          </a:bodyPr>
-          <a:lstStyle/>
-          <a:p>
-            <a:r>
-              <a:rPr lang="en-US" dirty="0" smtClean="0"/>
-              <a:t>We haven't talked about merging in this workshop yet.</a:t>
-            </a:r>
-          </a:p>
-          <a:p>
-            <a:pPr lvl="1"/>
-            <a:r>
-              <a:rPr lang="en-US" dirty="0" smtClean="0"/>
-              <a:t>Google </a:t>
-            </a:r>
-            <a:r>
-              <a:rPr lang="en-US" dirty="0" smtClean="0"/>
-              <a:t>"R merge data frame"</a:t>
-            </a:r>
-          </a:p>
-          <a:p>
-            <a:endParaRPr lang="en-US" dirty="0"/>
-          </a:p>
-          <a:p>
-            <a:r>
-              <a:rPr lang="en-US" dirty="0" smtClean="0"/>
-              <a:t>Looks like merge() should work:</a:t>
-            </a:r>
-            <a:endParaRPr lang="en-US" dirty="0" smtClean="0"/>
-          </a:p>
-          <a:p>
-            <a:pPr marL="0" indent="0">
-              <a:buNone/>
-            </a:pPr>
-            <a:endParaRPr lang="en-US" dirty="0" smtClean="0"/>
-          </a:p>
-          <a:p>
-            <a:pPr marL="0" indent="0">
-              <a:buNone/>
-            </a:pPr>
+              <a:t>women &lt;- </a:t>
+            </a:r>
             <a:r>
               <a:rPr lang="en-US" sz="1600" dirty="0" err="1">
                 <a:latin typeface="Courier New" panose="02070309020205020404" pitchFamily="49" charset="0"/>
@@ -4184,124 +4410,6 @@
                 <a:latin typeface="Courier New" panose="02070309020205020404" pitchFamily="49" charset="0"/>
                 <a:cs typeface="Courier New" panose="02070309020205020404" pitchFamily="49" charset="0"/>
               </a:rPr>
-              <a:t> &lt;- merge(demo, phthalates, by='SEQN')</a:t>
-            </a:r>
-            <a:endParaRPr lang="en-US" sz="1600" dirty="0">
-              <a:latin typeface="Courier New" panose="02070309020205020404" pitchFamily="49" charset="0"/>
-              <a:cs typeface="Courier New" panose="02070309020205020404" pitchFamily="49" charset="0"/>
-            </a:endParaRPr>
-          </a:p>
-        </p:txBody>
-      </p:sp>
-    </p:spTree>
-    <p:extLst>
-      <p:ext uri="{BB962C8B-B14F-4D97-AF65-F5344CB8AC3E}">
-        <p14:creationId xmlns:p14="http://schemas.microsoft.com/office/powerpoint/2010/main" val="239003829"/>
-      </p:ext>
-    </p:extLst>
-  </p:cSld>
-  <p:clrMapOvr>
-    <a:masterClrMapping/>
-  </p:clrMapOvr>
-  <p:timing>
-    <p:tnLst>
-      <p:par>
-        <p:cTn id="1" dur="indefinite" restart="never" nodeType="tmRoot"/>
-      </p:par>
-    </p:tnLst>
-  </p:timing>
-</p:sld>
-</file>
-
-<file path=ppt/slides/slide16.xml><?xml version="1.0" encoding="utf-8"?>
-<p:sld xmlns:a="http://schemas.openxmlformats.org/drawingml/2006/main" xmlns:r="http://schemas.openxmlformats.org/officeDocument/2006/relationships" xmlns:p="http://schemas.openxmlformats.org/presentationml/2006/main">
-  <p:cSld>
-    <p:spTree>
-      <p:nvGrpSpPr>
-        <p:cNvPr id="1" name=""/>
-        <p:cNvGrpSpPr/>
-        <p:nvPr/>
-      </p:nvGrpSpPr>
-      <p:grpSpPr>
-        <a:xfrm>
-          <a:off x="0" y="0"/>
-          <a:ext cx="0" cy="0"/>
-          <a:chOff x="0" y="0"/>
-          <a:chExt cx="0" cy="0"/>
-        </a:xfrm>
-      </p:grpSpPr>
-      <p:sp>
-        <p:nvSpPr>
-          <p:cNvPr id="2" name="Title 1"/>
-          <p:cNvSpPr>
-            <a:spLocks noGrp="1"/>
-          </p:cNvSpPr>
-          <p:nvPr>
-            <p:ph type="title"/>
-          </p:nvPr>
-        </p:nvSpPr>
-        <p:spPr/>
-        <p:txBody>
-          <a:bodyPr/>
-          <a:lstStyle/>
-          <a:p>
-            <a:r>
-              <a:rPr lang="en-US" dirty="0" smtClean="0"/>
-              <a:t>Filtering to women 15-45</a:t>
-            </a:r>
-            <a:endParaRPr lang="en-US" dirty="0"/>
-          </a:p>
-        </p:txBody>
-      </p:sp>
-      <p:sp>
-        <p:nvSpPr>
-          <p:cNvPr id="3" name="Content Placeholder 2"/>
-          <p:cNvSpPr>
-            <a:spLocks noGrp="1"/>
-          </p:cNvSpPr>
-          <p:nvPr>
-            <p:ph idx="1"/>
-          </p:nvPr>
-        </p:nvSpPr>
-        <p:spPr/>
-        <p:txBody>
-          <a:bodyPr/>
-          <a:lstStyle/>
-          <a:p>
-            <a:r>
-              <a:rPr lang="en-US" dirty="0" smtClean="0"/>
-              <a:t>Q: Remember how to do this?</a:t>
-            </a:r>
-          </a:p>
-          <a:p>
-            <a:pPr marL="0" indent="0">
-              <a:buNone/>
-            </a:pPr>
-            <a:endParaRPr lang="en-US" dirty="0"/>
-          </a:p>
-          <a:p>
-            <a:pPr marL="0" indent="0">
-              <a:buNone/>
-            </a:pPr>
-            <a:r>
-              <a:rPr lang="en-US" sz="1600" dirty="0">
-                <a:latin typeface="Courier New" panose="02070309020205020404" pitchFamily="49" charset="0"/>
-                <a:cs typeface="Courier New" panose="02070309020205020404" pitchFamily="49" charset="0"/>
-              </a:rPr>
-              <a:t>women &lt;- </a:t>
-            </a:r>
-            <a:r>
-              <a:rPr lang="en-US" sz="1600" dirty="0" err="1">
-                <a:latin typeface="Courier New" panose="02070309020205020404" pitchFamily="49" charset="0"/>
-                <a:cs typeface="Courier New" panose="02070309020205020404" pitchFamily="49" charset="0"/>
-              </a:rPr>
-              <a:t>nhanes</a:t>
-            </a:r>
-            <a:r>
-              <a:rPr lang="en-US" sz="1600" dirty="0">
-                <a:latin typeface="Courier New" panose="02070309020205020404" pitchFamily="49" charset="0"/>
-                <a:cs typeface="Courier New" panose="02070309020205020404" pitchFamily="49" charset="0"/>
-              </a:rPr>
               <a:t>[</a:t>
             </a:r>
             <a:r>
@@ -4411,6 +4519,29 @@
               <a:latin typeface="Courier New" panose="02070309020205020404" pitchFamily="49" charset="0"/>
               <a:cs typeface="Courier New" panose="02070309020205020404" pitchFamily="49" charset="0"/>
             </a:endParaRPr>
+          </a:p>
+        </p:txBody>
+      </p:sp>
+      <p:sp>
+        <p:nvSpPr>
+          <p:cNvPr id="4" name="Slide Number Placeholder 3"/>
+          <p:cNvSpPr>
+            <a:spLocks noGrp="1"/>
+          </p:cNvSpPr>
+          <p:nvPr>
+            <p:ph type="sldNum" sz="quarter" idx="12"/>
+          </p:nvPr>
+        </p:nvSpPr>
+        <p:spPr/>
+        <p:txBody>
+          <a:bodyPr/>
+          <a:lstStyle/>
+          <a:p>
+            <a:fld id="{3CE78DC2-C3EA-4731-B863-4FE22F9DFA93}" type="slidenum">
+              <a:rPr lang="en-US" smtClean="0"/>
+              <a:t>13</a:t>
+            </a:fld>
+            <a:endParaRPr lang="en-US"/>
           </a:p>
         </p:txBody>
       </p:sp>
@@ -4427,14 +4558,14 @@
   <p:timing>
     <p:tnLst>
       <p:par>
-        <p:cTn id="1" dur="indefinite" restart="never" nodeType="tmRoot"/>
+        <p:cTn xmlns:p14="http://schemas.microsoft.com/office/powerpoint/2010/main" id="1" dur="indefinite" restart="never" nodeType="tmRoot"/>
       </p:par>
     </p:tnLst>
   </p:timing>
 </p:sld>
 </file>
 
-<file path=ppt/slides/slide17.xml><?xml version="1.0" encoding="utf-8"?>
+<file path=ppt/slides/slide14.xml><?xml version="1.0" encoding="utf-8"?>
 <p:sld xmlns:a="http://schemas.openxmlformats.org/drawingml/2006/main" xmlns:r="http://schemas.openxmlformats.org/officeDocument/2006/relationships" xmlns:p="http://schemas.openxmlformats.org/presentationml/2006/main">
   <p:cSld>
     <p:spTree>
@@ -4532,14 +4663,14 @@
           </a:ln>
           <a:effectLst/>
           <a:extLst>
-            <a:ext uri="{909E8E84-426E-40DD-AFC4-6F175D3DCCD1}">
+            <a:ext uri="{909E8E84-426E-40dd-AFC4-6F175D3DCCD1}">
               <a14:hiddenFill xmlns:a14="http://schemas.microsoft.com/office/drawing/2010/main">
                 <a:solidFill>
                   <a:schemeClr val="accent1"/>
                 </a:solidFill>
               </a14:hiddenFill>
             </a:ext>
-            <a:ext uri="{91240B29-F687-4F45-9708-019B960494DF}">
+            <a:ext uri="{91240B29-F687-4f45-9708-019B960494DF}">
               <a14:hiddenLine xmlns:a14="http://schemas.microsoft.com/office/drawing/2010/main" w="9525">
                 <a:solidFill>
                   <a:schemeClr val="tx1"/>
@@ -4549,7 +4680,7 @@
                 <a:tailEnd/>
               </a14:hiddenLine>
             </a:ext>
-            <a:ext uri="{AF507438-7753-43E0-B8FC-AC1667EBCBE1}">
+            <a:ext uri="{AF507438-7753-43e0-B8FC-AC1667EBCBE1}">
               <a14:hiddenEffects xmlns:a14="http://schemas.microsoft.com/office/drawing/2010/main">
                 <a:effectLst>
                   <a:outerShdw dist="35921" dir="2700000" algn="ctr" rotWithShape="0">
@@ -4561,6 +4692,29 @@
           </a:extLst>
         </p:spPr>
       </p:pic>
+      <p:sp>
+        <p:nvSpPr>
+          <p:cNvPr id="4" name="Slide Number Placeholder 3"/>
+          <p:cNvSpPr>
+            <a:spLocks noGrp="1"/>
+          </p:cNvSpPr>
+          <p:nvPr>
+            <p:ph type="sldNum" sz="quarter" idx="12"/>
+          </p:nvPr>
+        </p:nvSpPr>
+        <p:spPr/>
+        <p:txBody>
+          <a:bodyPr/>
+          <a:lstStyle/>
+          <a:p>
+            <a:fld id="{3CE78DC2-C3EA-4731-B863-4FE22F9DFA93}" type="slidenum">
+              <a:rPr lang="en-US" smtClean="0"/>
+              <a:t>14</a:t>
+            </a:fld>
+            <a:endParaRPr lang="en-US"/>
+          </a:p>
+        </p:txBody>
+      </p:sp>
     </p:spTree>
     <p:extLst>
       <p:ext uri="{BB962C8B-B14F-4D97-AF65-F5344CB8AC3E}">
@@ -4574,7 +4728,607 @@
   <p:timing>
     <p:tnLst>
       <p:par>
-        <p:cTn id="1" dur="indefinite" restart="never" nodeType="tmRoot"/>
+        <p:cTn xmlns:p14="http://schemas.microsoft.com/office/powerpoint/2010/main" id="1" dur="indefinite" restart="never" nodeType="tmRoot"/>
+      </p:par>
+    </p:tnLst>
+  </p:timing>
+</p:sld>
+</file>
+
+<file path=ppt/slides/slide15.xml><?xml version="1.0" encoding="utf-8"?>
+<p:sld xmlns:a="http://schemas.openxmlformats.org/drawingml/2006/main" xmlns:r="http://schemas.openxmlformats.org/officeDocument/2006/relationships" xmlns:p="http://schemas.openxmlformats.org/presentationml/2006/main">
+  <p:cSld>
+    <p:spTree>
+      <p:nvGrpSpPr>
+        <p:cNvPr id="1" name=""/>
+        <p:cNvGrpSpPr/>
+        <p:nvPr/>
+      </p:nvGrpSpPr>
+      <p:grpSpPr>
+        <a:xfrm>
+          <a:off x="0" y="0"/>
+          <a:ext cx="0" cy="0"/>
+          <a:chOff x="0" y="0"/>
+          <a:chExt cx="0" cy="0"/>
+        </a:xfrm>
+      </p:grpSpPr>
+      <p:sp>
+        <p:nvSpPr>
+          <p:cNvPr id="2" name="Title 1"/>
+          <p:cNvSpPr>
+            <a:spLocks noGrp="1"/>
+          </p:cNvSpPr>
+          <p:nvPr>
+            <p:ph type="title"/>
+          </p:nvPr>
+        </p:nvSpPr>
+        <p:spPr/>
+        <p:txBody>
+          <a:bodyPr/>
+          <a:lstStyle/>
+          <a:p>
+            <a:r>
+              <a:rPr lang="en-US" dirty="0" smtClean="0"/>
+              <a:t>Log transform variables</a:t>
+            </a:r>
+            <a:endParaRPr lang="en-US" dirty="0"/>
+          </a:p>
+        </p:txBody>
+      </p:sp>
+      <p:sp>
+        <p:nvSpPr>
+          <p:cNvPr id="3" name="Content Placeholder 2"/>
+          <p:cNvSpPr>
+            <a:spLocks noGrp="1"/>
+          </p:cNvSpPr>
+          <p:nvPr>
+            <p:ph idx="1"/>
+          </p:nvPr>
+        </p:nvSpPr>
+        <p:spPr/>
+        <p:txBody>
+          <a:bodyPr>
+            <a:normAutofit/>
+          </a:bodyPr>
+          <a:lstStyle/>
+          <a:p>
+            <a:r>
+              <a:rPr lang="en-US" dirty="0" smtClean="0"/>
+              <a:t>Using indexing by name, we can log-transform them all at once</a:t>
+            </a:r>
+          </a:p>
+          <a:p>
+            <a:endParaRPr lang="en-US" dirty="0" smtClean="0"/>
+          </a:p>
+          <a:p>
+            <a:pPr marL="0" indent="0">
+              <a:buNone/>
+            </a:pPr>
+            <a:r>
+              <a:rPr lang="en-US" sz="1400" dirty="0" err="1" smtClean="0">
+                <a:latin typeface="Courier New" panose="02070309020205020404" pitchFamily="49" charset="0"/>
+                <a:cs typeface="Courier New" panose="02070309020205020404" pitchFamily="49" charset="0"/>
+              </a:rPr>
+              <a:t>log_phthalate_column_names</a:t>
+            </a:r>
+            <a:r>
+              <a:rPr lang="en-US" sz="1400" dirty="0" smtClean="0">
+                <a:latin typeface="Courier New" panose="02070309020205020404" pitchFamily="49" charset="0"/>
+                <a:cs typeface="Courier New" panose="02070309020205020404" pitchFamily="49" charset="0"/>
+              </a:rPr>
+              <a:t> </a:t>
+            </a:r>
+            <a:r>
+              <a:rPr lang="en-US" sz="1400" dirty="0">
+                <a:latin typeface="Courier New" panose="02070309020205020404" pitchFamily="49" charset="0"/>
+                <a:cs typeface="Courier New" panose="02070309020205020404" pitchFamily="49" charset="0"/>
+              </a:rPr>
+              <a:t>&lt;- paste('Ln', </a:t>
+            </a:r>
+            <a:r>
+              <a:rPr lang="en-US" sz="1400" dirty="0" err="1">
+                <a:latin typeface="Courier New" panose="02070309020205020404" pitchFamily="49" charset="0"/>
+                <a:cs typeface="Courier New" panose="02070309020205020404" pitchFamily="49" charset="0"/>
+              </a:rPr>
+              <a:t>phthalate_column_names</a:t>
+            </a:r>
+            <a:r>
+              <a:rPr lang="en-US" sz="1400" dirty="0">
+                <a:latin typeface="Courier New" panose="02070309020205020404" pitchFamily="49" charset="0"/>
+                <a:cs typeface="Courier New" panose="02070309020205020404" pitchFamily="49" charset="0"/>
+              </a:rPr>
+              <a:t>, </a:t>
+            </a:r>
+            <a:r>
+              <a:rPr lang="en-US" sz="1400" dirty="0" err="1">
+                <a:latin typeface="Courier New" panose="02070309020205020404" pitchFamily="49" charset="0"/>
+                <a:cs typeface="Courier New" panose="02070309020205020404" pitchFamily="49" charset="0"/>
+              </a:rPr>
+              <a:t>sep</a:t>
+            </a:r>
+            <a:r>
+              <a:rPr lang="en-US" sz="1400" dirty="0">
+                <a:latin typeface="Courier New" panose="02070309020205020404" pitchFamily="49" charset="0"/>
+                <a:cs typeface="Courier New" panose="02070309020205020404" pitchFamily="49" charset="0"/>
+              </a:rPr>
+              <a:t>='')</a:t>
+            </a:r>
+          </a:p>
+          <a:p>
+            <a:pPr marL="0" indent="0">
+              <a:buNone/>
+            </a:pPr>
+            <a:r>
+              <a:rPr lang="en-US" sz="1400" dirty="0" err="1">
+                <a:latin typeface="Courier New" panose="02070309020205020404" pitchFamily="49" charset="0"/>
+                <a:cs typeface="Courier New" panose="02070309020205020404" pitchFamily="49" charset="0"/>
+              </a:rPr>
+              <a:t>log_phthalate_column_names</a:t>
+            </a:r>
+            <a:endParaRPr lang="en-US" sz="1400" dirty="0">
+              <a:latin typeface="Courier New" panose="02070309020205020404" pitchFamily="49" charset="0"/>
+              <a:cs typeface="Courier New" panose="02070309020205020404" pitchFamily="49" charset="0"/>
+            </a:endParaRPr>
+          </a:p>
+          <a:p>
+            <a:pPr marL="0" indent="0">
+              <a:buNone/>
+            </a:pPr>
+            <a:r>
+              <a:rPr lang="en-US" sz="1400" dirty="0">
+                <a:latin typeface="Courier New" panose="02070309020205020404" pitchFamily="49" charset="0"/>
+                <a:cs typeface="Courier New" panose="02070309020205020404" pitchFamily="49" charset="0"/>
+              </a:rPr>
+              <a:t>women1545[,</a:t>
+            </a:r>
+            <a:r>
+              <a:rPr lang="en-US" sz="1400" dirty="0" err="1">
+                <a:latin typeface="Courier New" panose="02070309020205020404" pitchFamily="49" charset="0"/>
+                <a:cs typeface="Courier New" panose="02070309020205020404" pitchFamily="49" charset="0"/>
+              </a:rPr>
+              <a:t>log_phthalate_column_names</a:t>
+            </a:r>
+            <a:r>
+              <a:rPr lang="en-US" sz="1400" dirty="0">
+                <a:latin typeface="Courier New" panose="02070309020205020404" pitchFamily="49" charset="0"/>
+                <a:cs typeface="Courier New" panose="02070309020205020404" pitchFamily="49" charset="0"/>
+              </a:rPr>
+              <a:t>] &lt;- log(women1545[,</a:t>
+            </a:r>
+            <a:r>
+              <a:rPr lang="en-US" sz="1400" dirty="0" err="1">
+                <a:latin typeface="Courier New" panose="02070309020205020404" pitchFamily="49" charset="0"/>
+                <a:cs typeface="Courier New" panose="02070309020205020404" pitchFamily="49" charset="0"/>
+              </a:rPr>
+              <a:t>phthalate_column_names</a:t>
+            </a:r>
+            <a:r>
+              <a:rPr lang="en-US" sz="1400" dirty="0">
+                <a:latin typeface="Courier New" panose="02070309020205020404" pitchFamily="49" charset="0"/>
+                <a:cs typeface="Courier New" panose="02070309020205020404" pitchFamily="49" charset="0"/>
+              </a:rPr>
+              <a:t>])</a:t>
+            </a:r>
+            <a:endParaRPr lang="en-US" sz="1400" dirty="0" smtClean="0">
+              <a:latin typeface="Courier New" panose="02070309020205020404" pitchFamily="49" charset="0"/>
+              <a:cs typeface="Courier New" panose="02070309020205020404" pitchFamily="49" charset="0"/>
+            </a:endParaRPr>
+          </a:p>
+        </p:txBody>
+      </p:sp>
+      <p:sp>
+        <p:nvSpPr>
+          <p:cNvPr id="4" name="Slide Number Placeholder 3"/>
+          <p:cNvSpPr>
+            <a:spLocks noGrp="1"/>
+          </p:cNvSpPr>
+          <p:nvPr>
+            <p:ph type="sldNum" sz="quarter" idx="12"/>
+          </p:nvPr>
+        </p:nvSpPr>
+        <p:spPr/>
+        <p:txBody>
+          <a:bodyPr/>
+          <a:lstStyle/>
+          <a:p>
+            <a:fld id="{3CE78DC2-C3EA-4731-B863-4FE22F9DFA93}" type="slidenum">
+              <a:rPr lang="en-US" smtClean="0"/>
+              <a:t>15</a:t>
+            </a:fld>
+            <a:endParaRPr lang="en-US"/>
+          </a:p>
+        </p:txBody>
+      </p:sp>
+    </p:spTree>
+    <p:extLst>
+      <p:ext uri="{BB962C8B-B14F-4D97-AF65-F5344CB8AC3E}">
+        <p14:creationId xmlns:p14="http://schemas.microsoft.com/office/powerpoint/2010/main" val="2150952325"/>
+      </p:ext>
+    </p:extLst>
+  </p:cSld>
+  <p:clrMapOvr>
+    <a:masterClrMapping/>
+  </p:clrMapOvr>
+  <p:timing>
+    <p:tnLst>
+      <p:par>
+        <p:cTn xmlns:p14="http://schemas.microsoft.com/office/powerpoint/2010/main" id="1" dur="indefinite" restart="never" nodeType="tmRoot"/>
+      </p:par>
+    </p:tnLst>
+  </p:timing>
+</p:sld>
+</file>
+
+<file path=ppt/slides/slide16.xml><?xml version="1.0" encoding="utf-8"?>
+<p:sld xmlns:a="http://schemas.openxmlformats.org/drawingml/2006/main" xmlns:r="http://schemas.openxmlformats.org/officeDocument/2006/relationships" xmlns:p="http://schemas.openxmlformats.org/presentationml/2006/main">
+  <p:cSld>
+    <p:spTree>
+      <p:nvGrpSpPr>
+        <p:cNvPr id="1" name=""/>
+        <p:cNvGrpSpPr/>
+        <p:nvPr/>
+      </p:nvGrpSpPr>
+      <p:grpSpPr>
+        <a:xfrm>
+          <a:off x="0" y="0"/>
+          <a:ext cx="0" cy="0"/>
+          <a:chOff x="0" y="0"/>
+          <a:chExt cx="0" cy="0"/>
+        </a:xfrm>
+      </p:grpSpPr>
+      <p:sp>
+        <p:nvSpPr>
+          <p:cNvPr id="2" name="Title 1"/>
+          <p:cNvSpPr>
+            <a:spLocks noGrp="1"/>
+          </p:cNvSpPr>
+          <p:nvPr>
+            <p:ph type="title"/>
+          </p:nvPr>
+        </p:nvSpPr>
+        <p:spPr/>
+        <p:txBody>
+          <a:bodyPr/>
+          <a:lstStyle/>
+          <a:p>
+            <a:r>
+              <a:rPr lang="en-US" dirty="0" smtClean="0"/>
+              <a:t>Log-transform variables</a:t>
+            </a:r>
+            <a:endParaRPr lang="en-US" dirty="0"/>
+          </a:p>
+        </p:txBody>
+      </p:sp>
+      <p:sp>
+        <p:nvSpPr>
+          <p:cNvPr id="3" name="Content Placeholder 2"/>
+          <p:cNvSpPr>
+            <a:spLocks noGrp="1"/>
+          </p:cNvSpPr>
+          <p:nvPr>
+            <p:ph idx="1"/>
+          </p:nvPr>
+        </p:nvSpPr>
+        <p:spPr/>
+        <p:txBody>
+          <a:bodyPr/>
+          <a:lstStyle/>
+          <a:p>
+            <a:r>
+              <a:rPr lang="en-US" dirty="0" smtClean="0"/>
+              <a:t>This bulk operation is elegant, but in practice, I didn’t do it that way initially.  See code for two other versions</a:t>
+            </a:r>
+            <a:endParaRPr lang="en-US" dirty="0"/>
+          </a:p>
+        </p:txBody>
+      </p:sp>
+      <p:sp>
+        <p:nvSpPr>
+          <p:cNvPr id="4" name="Slide Number Placeholder 3"/>
+          <p:cNvSpPr>
+            <a:spLocks noGrp="1"/>
+          </p:cNvSpPr>
+          <p:nvPr>
+            <p:ph type="sldNum" sz="quarter" idx="12"/>
+          </p:nvPr>
+        </p:nvSpPr>
+        <p:spPr/>
+        <p:txBody>
+          <a:bodyPr/>
+          <a:lstStyle/>
+          <a:p>
+            <a:fld id="{3CE78DC2-C3EA-4731-B863-4FE22F9DFA93}" type="slidenum">
+              <a:rPr lang="en-US" smtClean="0"/>
+              <a:t>16</a:t>
+            </a:fld>
+            <a:endParaRPr lang="en-US"/>
+          </a:p>
+        </p:txBody>
+      </p:sp>
+    </p:spTree>
+    <p:extLst>
+      <p:ext uri="{BB962C8B-B14F-4D97-AF65-F5344CB8AC3E}">
+        <p14:creationId xmlns:p14="http://schemas.microsoft.com/office/powerpoint/2010/main" val="2817137095"/>
+      </p:ext>
+    </p:extLst>
+  </p:cSld>
+  <p:clrMapOvr>
+    <a:masterClrMapping/>
+  </p:clrMapOvr>
+</p:sld>
+</file>
+
+<file path=ppt/slides/slide17.xml><?xml version="1.0" encoding="utf-8"?>
+<p:sld xmlns:a="http://schemas.openxmlformats.org/drawingml/2006/main" xmlns:r="http://schemas.openxmlformats.org/officeDocument/2006/relationships" xmlns:p="http://schemas.openxmlformats.org/presentationml/2006/main">
+  <p:cSld>
+    <p:spTree>
+      <p:nvGrpSpPr>
+        <p:cNvPr id="1" name=""/>
+        <p:cNvGrpSpPr/>
+        <p:nvPr/>
+      </p:nvGrpSpPr>
+      <p:grpSpPr>
+        <a:xfrm>
+          <a:off x="0" y="0"/>
+          <a:ext cx="0" cy="0"/>
+          <a:chOff x="0" y="0"/>
+          <a:chExt cx="0" cy="0"/>
+        </a:xfrm>
+      </p:grpSpPr>
+      <p:sp>
+        <p:nvSpPr>
+          <p:cNvPr id="2" name="Title 1"/>
+          <p:cNvSpPr>
+            <a:spLocks noGrp="1"/>
+          </p:cNvSpPr>
+          <p:nvPr>
+            <p:ph type="title"/>
+          </p:nvPr>
+        </p:nvSpPr>
+        <p:spPr/>
+        <p:txBody>
+          <a:bodyPr/>
+          <a:lstStyle/>
+          <a:p>
+            <a:r>
+              <a:rPr lang="en-US" dirty="0" smtClean="0"/>
+              <a:t>Loops</a:t>
+            </a:r>
+            <a:endParaRPr lang="en-US" dirty="0"/>
+          </a:p>
+        </p:txBody>
+      </p:sp>
+      <p:sp>
+        <p:nvSpPr>
+          <p:cNvPr id="3" name="Content Placeholder 2"/>
+          <p:cNvSpPr>
+            <a:spLocks noGrp="1"/>
+          </p:cNvSpPr>
+          <p:nvPr>
+            <p:ph idx="1"/>
+          </p:nvPr>
+        </p:nvSpPr>
+        <p:spPr/>
+        <p:txBody>
+          <a:bodyPr>
+            <a:normAutofit fontScale="92500" lnSpcReduction="20000"/>
+          </a:bodyPr>
+          <a:lstStyle/>
+          <a:p>
+            <a:r>
+              <a:rPr lang="en-US" sz="2800" dirty="0" smtClean="0"/>
+              <a:t>There are several ways to loop in R, but the most common is using for:</a:t>
+            </a:r>
+          </a:p>
+          <a:p>
+            <a:endParaRPr lang="en-US" sz="2800" dirty="0"/>
+          </a:p>
+          <a:p>
+            <a:pPr marL="0" indent="0">
+              <a:buNone/>
+            </a:pPr>
+            <a:r>
+              <a:rPr lang="en-US" sz="2000" dirty="0" smtClean="0">
+                <a:latin typeface="Courier New" pitchFamily="49" charset="0"/>
+                <a:cs typeface="Courier New" pitchFamily="49" charset="0"/>
+              </a:rPr>
+              <a:t>for (i in </a:t>
+            </a:r>
+            <a:r>
+              <a:rPr lang="en-US" sz="2000" i="1" dirty="0" err="1" smtClean="0">
+                <a:latin typeface="Courier New" pitchFamily="49" charset="0"/>
+                <a:cs typeface="Courier New" pitchFamily="49" charset="0"/>
+              </a:rPr>
+              <a:t>somevector</a:t>
+            </a:r>
+            <a:r>
+              <a:rPr lang="en-US" sz="2000" dirty="0" smtClean="0">
+                <a:latin typeface="Courier New" pitchFamily="49" charset="0"/>
+                <a:cs typeface="Courier New" pitchFamily="49" charset="0"/>
+              </a:rPr>
+              <a:t>) {</a:t>
+            </a:r>
+          </a:p>
+          <a:p>
+            <a:pPr marL="0" indent="0">
+              <a:buNone/>
+            </a:pPr>
+            <a:r>
+              <a:rPr lang="en-US" sz="2000" dirty="0" smtClean="0">
+                <a:latin typeface="Courier New" pitchFamily="49" charset="0"/>
+                <a:cs typeface="Courier New" pitchFamily="49" charset="0"/>
+              </a:rPr>
+              <a:t>  #do something with i</a:t>
+            </a:r>
+          </a:p>
+          <a:p>
+            <a:pPr marL="0" indent="0">
+              <a:buNone/>
+            </a:pPr>
+            <a:r>
+              <a:rPr lang="en-US" sz="2000" dirty="0" smtClean="0">
+                <a:latin typeface="Courier New" pitchFamily="49" charset="0"/>
+                <a:cs typeface="Courier New" pitchFamily="49" charset="0"/>
+              </a:rPr>
+              <a:t>}</a:t>
+            </a:r>
+          </a:p>
+          <a:p>
+            <a:pPr marL="0" indent="0">
+              <a:buNone/>
+            </a:pPr>
+            <a:endParaRPr lang="en-US" sz="2000" dirty="0">
+              <a:latin typeface="Courier New" pitchFamily="49" charset="0"/>
+              <a:cs typeface="Courier New" pitchFamily="49" charset="0"/>
+            </a:endParaRPr>
+          </a:p>
+          <a:p>
+            <a:r>
+              <a:rPr lang="en-US" sz="2800" dirty="0" smtClean="0">
+                <a:cs typeface="Courier New" pitchFamily="49" charset="0"/>
+              </a:rPr>
+              <a:t>Sometimes it's easier to use the positional index, in which case the code takes this form:</a:t>
+            </a:r>
+          </a:p>
+          <a:p>
+            <a:pPr marL="0" indent="0">
+              <a:buNone/>
+            </a:pPr>
+            <a:endParaRPr lang="en-US" sz="2000" dirty="0">
+              <a:latin typeface="Courier New" pitchFamily="49" charset="0"/>
+              <a:cs typeface="Courier New" pitchFamily="49" charset="0"/>
+            </a:endParaRPr>
+          </a:p>
+          <a:p>
+            <a:pPr marL="0" indent="0">
+              <a:buNone/>
+            </a:pPr>
+            <a:r>
+              <a:rPr lang="en-US" sz="2000" dirty="0">
+                <a:latin typeface="Courier New" pitchFamily="49" charset="0"/>
+                <a:cs typeface="Courier New" pitchFamily="49" charset="0"/>
+              </a:rPr>
+              <a:t>for (i in </a:t>
+            </a:r>
+            <a:r>
+              <a:rPr lang="en-US" sz="2000" dirty="0" smtClean="0">
+                <a:latin typeface="Courier New" pitchFamily="49" charset="0"/>
+                <a:cs typeface="Courier New" pitchFamily="49" charset="0"/>
+              </a:rPr>
+              <a:t>1:length(</a:t>
+            </a:r>
+            <a:r>
+              <a:rPr lang="en-US" sz="2000" i="1" dirty="0" err="1" smtClean="0">
+                <a:latin typeface="Courier New" pitchFamily="49" charset="0"/>
+                <a:cs typeface="Courier New" pitchFamily="49" charset="0"/>
+              </a:rPr>
+              <a:t>somevector</a:t>
+            </a:r>
+            <a:r>
+              <a:rPr lang="en-US" sz="2000" dirty="0" smtClean="0">
+                <a:latin typeface="Courier New" pitchFamily="49" charset="0"/>
+                <a:cs typeface="Courier New" pitchFamily="49" charset="0"/>
+              </a:rPr>
+              <a:t>)) </a:t>
+            </a:r>
+            <a:r>
+              <a:rPr lang="en-US" sz="2000" dirty="0">
+                <a:latin typeface="Courier New" pitchFamily="49" charset="0"/>
+                <a:cs typeface="Courier New" pitchFamily="49" charset="0"/>
+              </a:rPr>
+              <a:t>{</a:t>
+            </a:r>
+          </a:p>
+          <a:p>
+            <a:pPr marL="0" indent="0">
+              <a:buNone/>
+            </a:pPr>
+            <a:r>
+              <a:rPr lang="en-US" sz="2000" dirty="0">
+                <a:latin typeface="Courier New" pitchFamily="49" charset="0"/>
+                <a:cs typeface="Courier New" pitchFamily="49" charset="0"/>
+              </a:rPr>
+              <a:t>  #do something with </a:t>
+            </a:r>
+            <a:r>
+              <a:rPr lang="en-US" sz="2000" i="1" dirty="0" err="1" smtClean="0">
+                <a:latin typeface="Courier New" pitchFamily="49" charset="0"/>
+                <a:cs typeface="Courier New" pitchFamily="49" charset="0"/>
+              </a:rPr>
+              <a:t>somevector</a:t>
+            </a:r>
+            <a:r>
+              <a:rPr lang="en-US" sz="2000" dirty="0" smtClean="0">
+                <a:latin typeface="Courier New" pitchFamily="49" charset="0"/>
+                <a:cs typeface="Courier New" pitchFamily="49" charset="0"/>
+              </a:rPr>
+              <a:t>[i]</a:t>
+            </a:r>
+            <a:endParaRPr lang="en-US" sz="2000" dirty="0">
+              <a:latin typeface="Courier New" pitchFamily="49" charset="0"/>
+              <a:cs typeface="Courier New" pitchFamily="49" charset="0"/>
+            </a:endParaRPr>
+          </a:p>
+          <a:p>
+            <a:pPr marL="0" indent="0">
+              <a:buNone/>
+            </a:pPr>
+            <a:r>
+              <a:rPr lang="en-US" sz="2000" dirty="0">
+                <a:latin typeface="Courier New" pitchFamily="49" charset="0"/>
+                <a:cs typeface="Courier New" pitchFamily="49" charset="0"/>
+              </a:rPr>
+              <a:t>}</a:t>
+            </a:r>
+          </a:p>
+          <a:p>
+            <a:pPr marL="0" indent="0">
+              <a:buNone/>
+            </a:pPr>
+            <a:endParaRPr lang="en-US" sz="2000" dirty="0" smtClean="0">
+              <a:latin typeface="Courier New" pitchFamily="49" charset="0"/>
+              <a:cs typeface="Courier New" pitchFamily="49" charset="0"/>
+            </a:endParaRPr>
+          </a:p>
+        </p:txBody>
+      </p:sp>
+      <p:sp>
+        <p:nvSpPr>
+          <p:cNvPr id="4" name="Slide Number Placeholder 3"/>
+          <p:cNvSpPr>
+            <a:spLocks noGrp="1"/>
+          </p:cNvSpPr>
+          <p:nvPr>
+            <p:ph type="sldNum" sz="quarter" idx="12"/>
+          </p:nvPr>
+        </p:nvSpPr>
+        <p:spPr/>
+        <p:txBody>
+          <a:bodyPr/>
+          <a:lstStyle/>
+          <a:p>
+            <a:fld id="{3CE78DC2-C3EA-4731-B863-4FE22F9DFA93}" type="slidenum">
+              <a:rPr lang="en-US" smtClean="0"/>
+              <a:t>17</a:t>
+            </a:fld>
+            <a:endParaRPr lang="en-US"/>
+          </a:p>
+        </p:txBody>
+      </p:sp>
+    </p:spTree>
+    <p:extLst>
+      <p:ext uri="{BB962C8B-B14F-4D97-AF65-F5344CB8AC3E}">
+        <p14:creationId xmlns:p14="http://schemas.microsoft.com/office/powerpoint/2010/main" val="133229452"/>
+      </p:ext>
+    </p:extLst>
+  </p:cSld>
+  <p:clrMapOvr>
+    <a:masterClrMapping/>
+  </p:clrMapOvr>
+  <p:timing>
+    <p:tnLst>
+      <p:par>
+        <p:cTn xmlns:p14="http://schemas.microsoft.com/office/powerpoint/2010/main" id="1" dur="indefinite" restart="never" nodeType="tmRoot"/>
       </p:par>
     </p:tnLst>
   </p:timing>
@@ -4615,7 +5369,7 @@
           <a:p>
             <a:r>
               <a:rPr lang="en-US" dirty="0" smtClean="0"/>
-              <a:t>Log transform variables</a:t>
+              <a:t>Loops vs. alternatives</a:t>
             </a:r>
             <a:endParaRPr lang="en-US" dirty="0"/>
           </a:p>
@@ -4634,142 +5388,79 @@
         <p:spPr/>
         <p:txBody>
           <a:bodyPr>
-            <a:normAutofit/>
+            <a:normAutofit fontScale="92500" lnSpcReduction="10000"/>
           </a:bodyPr>
           <a:lstStyle/>
           <a:p>
             <a:r>
               <a:rPr lang="en-US" dirty="0" smtClean="0"/>
-              <a:t>Using indexing by name, we can log-transform them all at </a:t>
-            </a:r>
-            <a:r>
-              <a:rPr lang="en-US" dirty="0" smtClean="0"/>
-              <a:t>once</a:t>
-            </a:r>
-          </a:p>
-          <a:p>
-            <a:endParaRPr lang="en-US" dirty="0" smtClean="0"/>
-          </a:p>
-          <a:p>
-            <a:pPr marL="0" indent="0">
-              <a:buNone/>
-            </a:pPr>
-            <a:r>
-              <a:rPr lang="en-US" sz="1400" dirty="0" err="1" smtClean="0">
-                <a:latin typeface="Courier New" panose="02070309020205020404" pitchFamily="49" charset="0"/>
-                <a:cs typeface="Courier New" panose="02070309020205020404" pitchFamily="49" charset="0"/>
-              </a:rPr>
-              <a:t>log_phthalate_column_names</a:t>
-            </a:r>
-            <a:r>
-              <a:rPr lang="en-US" sz="1400" dirty="0" smtClean="0">
-                <a:latin typeface="Courier New" panose="02070309020205020404" pitchFamily="49" charset="0"/>
-                <a:cs typeface="Courier New" panose="02070309020205020404" pitchFamily="49" charset="0"/>
-              </a:rPr>
-              <a:t> </a:t>
-            </a:r>
-            <a:r>
-              <a:rPr lang="en-US" sz="1400" dirty="0">
-                <a:latin typeface="Courier New" panose="02070309020205020404" pitchFamily="49" charset="0"/>
-                <a:cs typeface="Courier New" panose="02070309020205020404" pitchFamily="49" charset="0"/>
-              </a:rPr>
-              <a:t>&lt;- paste('Ln', </a:t>
-            </a:r>
-            <a:r>
-              <a:rPr lang="en-US" sz="1400" dirty="0" err="1">
-                <a:latin typeface="Courier New" panose="02070309020205020404" pitchFamily="49" charset="0"/>
-                <a:cs typeface="Courier New" panose="02070309020205020404" pitchFamily="49" charset="0"/>
-              </a:rPr>
-              <a:t>phthalate_column_names</a:t>
-            </a:r>
-            <a:r>
-              <a:rPr lang="en-US" sz="1400" dirty="0">
-                <a:latin typeface="Courier New" panose="02070309020205020404" pitchFamily="49" charset="0"/>
-                <a:cs typeface="Courier New" panose="02070309020205020404" pitchFamily="49" charset="0"/>
-              </a:rPr>
-              <a:t>, </a:t>
-            </a:r>
-            <a:r>
-              <a:rPr lang="en-US" sz="1400" dirty="0" err="1">
-                <a:latin typeface="Courier New" panose="02070309020205020404" pitchFamily="49" charset="0"/>
-                <a:cs typeface="Courier New" panose="02070309020205020404" pitchFamily="49" charset="0"/>
-              </a:rPr>
-              <a:t>sep</a:t>
-            </a:r>
-            <a:r>
-              <a:rPr lang="en-US" sz="1400" dirty="0">
-                <a:latin typeface="Courier New" panose="02070309020205020404" pitchFamily="49" charset="0"/>
-                <a:cs typeface="Courier New" panose="02070309020205020404" pitchFamily="49" charset="0"/>
-              </a:rPr>
-              <a:t>='')</a:t>
-            </a:r>
-          </a:p>
-          <a:p>
-            <a:pPr marL="0" indent="0">
-              <a:buNone/>
-            </a:pPr>
-            <a:r>
-              <a:rPr lang="en-US" sz="1400" dirty="0" err="1">
-                <a:latin typeface="Courier New" panose="02070309020205020404" pitchFamily="49" charset="0"/>
-                <a:cs typeface="Courier New" panose="02070309020205020404" pitchFamily="49" charset="0"/>
-              </a:rPr>
-              <a:t>log_phthalate_column_names</a:t>
-            </a:r>
-            <a:endParaRPr lang="en-US" sz="1400" dirty="0">
-              <a:latin typeface="Courier New" panose="02070309020205020404" pitchFamily="49" charset="0"/>
-              <a:cs typeface="Courier New" panose="02070309020205020404" pitchFamily="49" charset="0"/>
-            </a:endParaRPr>
-          </a:p>
-          <a:p>
-            <a:pPr marL="0" indent="0">
-              <a:buNone/>
-            </a:pPr>
-            <a:r>
-              <a:rPr lang="en-US" sz="1400" dirty="0">
-                <a:latin typeface="Courier New" panose="02070309020205020404" pitchFamily="49" charset="0"/>
-                <a:cs typeface="Courier New" panose="02070309020205020404" pitchFamily="49" charset="0"/>
-              </a:rPr>
-              <a:t>women1545[,</a:t>
-            </a:r>
-            <a:r>
-              <a:rPr lang="en-US" sz="1400" dirty="0" err="1">
-                <a:latin typeface="Courier New" panose="02070309020205020404" pitchFamily="49" charset="0"/>
-                <a:cs typeface="Courier New" panose="02070309020205020404" pitchFamily="49" charset="0"/>
-              </a:rPr>
-              <a:t>log_phthalate_column_names</a:t>
-            </a:r>
-            <a:r>
-              <a:rPr lang="en-US" sz="1400" dirty="0">
-                <a:latin typeface="Courier New" panose="02070309020205020404" pitchFamily="49" charset="0"/>
-                <a:cs typeface="Courier New" panose="02070309020205020404" pitchFamily="49" charset="0"/>
-              </a:rPr>
-              <a:t>] &lt;- log(women1545[,</a:t>
-            </a:r>
-            <a:r>
-              <a:rPr lang="en-US" sz="1400" dirty="0" err="1">
-                <a:latin typeface="Courier New" panose="02070309020205020404" pitchFamily="49" charset="0"/>
-                <a:cs typeface="Courier New" panose="02070309020205020404" pitchFamily="49" charset="0"/>
-              </a:rPr>
-              <a:t>phthalate_column_names</a:t>
-            </a:r>
-            <a:r>
-              <a:rPr lang="en-US" sz="1400" dirty="0">
-                <a:latin typeface="Courier New" panose="02070309020205020404" pitchFamily="49" charset="0"/>
-                <a:cs typeface="Courier New" panose="02070309020205020404" pitchFamily="49" charset="0"/>
-              </a:rPr>
-              <a:t>])</a:t>
-            </a:r>
-            <a:endParaRPr lang="en-US" sz="1400" dirty="0" smtClean="0">
-              <a:latin typeface="Courier New" panose="02070309020205020404" pitchFamily="49" charset="0"/>
-              <a:cs typeface="Courier New" panose="02070309020205020404" pitchFamily="49" charset="0"/>
-            </a:endParaRPr>
+              <a:t>Computer scientists love </a:t>
+            </a:r>
+            <a:r>
+              <a:rPr lang="en-US" dirty="0" err="1" smtClean="0"/>
+              <a:t>vectorized</a:t>
+            </a:r>
+            <a:r>
+              <a:rPr lang="en-US" dirty="0" smtClean="0"/>
+              <a:t> operations, higher-order functions (e.g. apply), etc.</a:t>
+            </a:r>
+          </a:p>
+          <a:p>
+            <a:pPr lvl="1"/>
+            <a:r>
+              <a:rPr lang="en-US" sz="2200" dirty="0" smtClean="0"/>
+              <a:t>They are elegant (I think) and allow for writing compact code</a:t>
+            </a:r>
+          </a:p>
+          <a:p>
+            <a:pPr lvl="1"/>
+            <a:endParaRPr lang="en-US" dirty="0"/>
+          </a:p>
+          <a:p>
+            <a:r>
+              <a:rPr lang="en-US" dirty="0" smtClean="0"/>
+              <a:t>But many computer programmers find looping to be the natural way to think about repeated operations</a:t>
+            </a:r>
+          </a:p>
+          <a:p>
+            <a:endParaRPr lang="en-US" dirty="0"/>
+          </a:p>
+          <a:p>
+            <a:r>
+              <a:rPr lang="en-US" dirty="0" smtClean="0"/>
+              <a:t>It's usually a wash in terms of performance in R (and elsewhere)</a:t>
+            </a:r>
+            <a:endParaRPr lang="en-US" dirty="0"/>
+          </a:p>
+        </p:txBody>
+      </p:sp>
+      <p:sp>
+        <p:nvSpPr>
+          <p:cNvPr id="4" name="Slide Number Placeholder 3"/>
+          <p:cNvSpPr>
+            <a:spLocks noGrp="1"/>
+          </p:cNvSpPr>
+          <p:nvPr>
+            <p:ph type="sldNum" sz="quarter" idx="12"/>
+          </p:nvPr>
+        </p:nvSpPr>
+        <p:spPr/>
+        <p:txBody>
+          <a:bodyPr/>
+          <a:lstStyle/>
+          <a:p>
+            <a:fld id="{3CE78DC2-C3EA-4731-B863-4FE22F9DFA93}" type="slidenum">
+              <a:rPr lang="en-US" smtClean="0"/>
+              <a:t>18</a:t>
+            </a:fld>
+            <a:endParaRPr lang="en-US"/>
           </a:p>
         </p:txBody>
       </p:sp>
     </p:spTree>
     <p:extLst>
       <p:ext uri="{BB962C8B-B14F-4D97-AF65-F5344CB8AC3E}">
-        <p14:creationId xmlns:p14="http://schemas.microsoft.com/office/powerpoint/2010/main" val="2150952325"/>
+        <p14:creationId xmlns:p14="http://schemas.microsoft.com/office/powerpoint/2010/main" val="2544880541"/>
       </p:ext>
     </p:extLst>
   </p:cSld>
@@ -4779,7 +5470,7 @@
   <p:timing>
     <p:tnLst>
       <p:par>
-        <p:cTn id="1" dur="indefinite" restart="never" nodeType="tmRoot"/>
+        <p:cTn xmlns:p14="http://schemas.microsoft.com/office/powerpoint/2010/main" id="1" dur="indefinite" restart="never" nodeType="tmRoot"/>
       </p:par>
     </p:tnLst>
   </p:timing>
@@ -4820,7 +5511,7 @@
           <a:p>
             <a:r>
               <a:rPr lang="en-US" dirty="0" smtClean="0"/>
-              <a:t>Loops</a:t>
+              <a:t>Doing the PCA</a:t>
             </a:r>
             <a:endParaRPr lang="en-US" dirty="0"/>
           </a:p>
@@ -4838,192 +5529,53 @@
         </p:nvSpPr>
         <p:spPr/>
         <p:txBody>
-          <a:bodyPr>
-            <a:normAutofit fontScale="92500" lnSpcReduction="20000"/>
-          </a:bodyPr>
-          <a:lstStyle/>
-          <a:p>
-            <a:r>
-              <a:rPr lang="en-US" sz="2800" dirty="0" smtClean="0"/>
-              <a:t>There are several ways to loop in R, but the most common is using for:</a:t>
-            </a:r>
-          </a:p>
-          <a:p>
-            <a:endParaRPr lang="en-US" sz="2800" dirty="0"/>
-          </a:p>
-          <a:p>
-            <a:pPr marL="0" indent="0">
-              <a:buNone/>
-            </a:pPr>
-            <a:r>
-              <a:rPr lang="en-US" sz="2000" dirty="0" smtClean="0">
-                <a:latin typeface="Courier New" pitchFamily="49" charset="0"/>
-                <a:cs typeface="Courier New" pitchFamily="49" charset="0"/>
-              </a:rPr>
-              <a:t>for (i in </a:t>
-            </a:r>
-            <a:r>
-              <a:rPr lang="en-US" sz="2000" i="1" dirty="0" err="1" smtClean="0">
-                <a:latin typeface="Courier New" pitchFamily="49" charset="0"/>
-                <a:cs typeface="Courier New" pitchFamily="49" charset="0"/>
-              </a:rPr>
-              <a:t>somevector</a:t>
-            </a:r>
-            <a:r>
-              <a:rPr lang="en-US" sz="2000" dirty="0" smtClean="0">
-                <a:latin typeface="Courier New" pitchFamily="49" charset="0"/>
-                <a:cs typeface="Courier New" pitchFamily="49" charset="0"/>
-              </a:rPr>
-              <a:t>) {</a:t>
-            </a:r>
-          </a:p>
-          <a:p>
-            <a:pPr marL="0" indent="0">
-              <a:buNone/>
-            </a:pPr>
-            <a:r>
-              <a:rPr lang="en-US" sz="2000" dirty="0" smtClean="0">
-                <a:latin typeface="Courier New" pitchFamily="49" charset="0"/>
-                <a:cs typeface="Courier New" pitchFamily="49" charset="0"/>
-              </a:rPr>
-              <a:t>  #do something with i</a:t>
-            </a:r>
-          </a:p>
-          <a:p>
-            <a:pPr marL="0" indent="0">
-              <a:buNone/>
-            </a:pPr>
-            <a:r>
-              <a:rPr lang="en-US" sz="2000" dirty="0" smtClean="0">
-                <a:latin typeface="Courier New" pitchFamily="49" charset="0"/>
-                <a:cs typeface="Courier New" pitchFamily="49" charset="0"/>
-              </a:rPr>
-              <a:t>}</a:t>
-            </a:r>
-          </a:p>
-          <a:p>
-            <a:pPr marL="0" indent="0">
-              <a:buNone/>
-            </a:pPr>
-            <a:endParaRPr lang="en-US" sz="2000" dirty="0">
-              <a:latin typeface="Courier New" pitchFamily="49" charset="0"/>
-              <a:cs typeface="Courier New" pitchFamily="49" charset="0"/>
-            </a:endParaRPr>
-          </a:p>
-          <a:p>
-            <a:r>
-              <a:rPr lang="en-US" sz="2800" dirty="0" smtClean="0">
-                <a:cs typeface="Courier New" pitchFamily="49" charset="0"/>
-              </a:rPr>
-              <a:t>Sometimes it's easier to use the positional index, in which case the code takes this form:</a:t>
-            </a:r>
-          </a:p>
-          <a:p>
-            <a:pPr marL="0" indent="0">
-              <a:buNone/>
-            </a:pPr>
-            <a:endParaRPr lang="en-US" sz="2000" dirty="0">
-              <a:latin typeface="Courier New" pitchFamily="49" charset="0"/>
-              <a:cs typeface="Courier New" pitchFamily="49" charset="0"/>
-            </a:endParaRPr>
-          </a:p>
-          <a:p>
-            <a:pPr marL="0" indent="0">
-              <a:buNone/>
-            </a:pPr>
-            <a:r>
-              <a:rPr lang="en-US" sz="2000" dirty="0">
-                <a:latin typeface="Courier New" pitchFamily="49" charset="0"/>
-                <a:cs typeface="Courier New" pitchFamily="49" charset="0"/>
-              </a:rPr>
-              <a:t>for (i in </a:t>
-            </a:r>
-            <a:r>
-              <a:rPr lang="en-US" sz="2000" dirty="0" smtClean="0">
-                <a:latin typeface="Courier New" pitchFamily="49" charset="0"/>
-                <a:cs typeface="Courier New" pitchFamily="49" charset="0"/>
-              </a:rPr>
-              <a:t>1:length(</a:t>
-            </a:r>
-            <a:r>
-              <a:rPr lang="en-US" sz="2000" i="1" dirty="0" err="1" smtClean="0">
-                <a:latin typeface="Courier New" pitchFamily="49" charset="0"/>
-                <a:cs typeface="Courier New" pitchFamily="49" charset="0"/>
-              </a:rPr>
-              <a:t>somevector</a:t>
-            </a:r>
-            <a:r>
-              <a:rPr lang="en-US" sz="2000" dirty="0" smtClean="0">
-                <a:latin typeface="Courier New" pitchFamily="49" charset="0"/>
-                <a:cs typeface="Courier New" pitchFamily="49" charset="0"/>
-              </a:rPr>
-              <a:t>)) </a:t>
-            </a:r>
-            <a:r>
-              <a:rPr lang="en-US" sz="2000" dirty="0">
-                <a:latin typeface="Courier New" pitchFamily="49" charset="0"/>
-                <a:cs typeface="Courier New" pitchFamily="49" charset="0"/>
-              </a:rPr>
-              <a:t>{</a:t>
-            </a:r>
-          </a:p>
-          <a:p>
-            <a:pPr marL="0" indent="0">
-              <a:buNone/>
-            </a:pPr>
-            <a:r>
-              <a:rPr lang="en-US" sz="2000" dirty="0">
-                <a:latin typeface="Courier New" pitchFamily="49" charset="0"/>
-                <a:cs typeface="Courier New" pitchFamily="49" charset="0"/>
-              </a:rPr>
-              <a:t>  #do something with </a:t>
-            </a:r>
-            <a:r>
-              <a:rPr lang="en-US" sz="2000" i="1" dirty="0" err="1" smtClean="0">
-                <a:latin typeface="Courier New" pitchFamily="49" charset="0"/>
-                <a:cs typeface="Courier New" pitchFamily="49" charset="0"/>
-              </a:rPr>
-              <a:t>somevector</a:t>
-            </a:r>
-            <a:r>
-              <a:rPr lang="en-US" sz="2000" dirty="0" smtClean="0">
-                <a:latin typeface="Courier New" pitchFamily="49" charset="0"/>
-                <a:cs typeface="Courier New" pitchFamily="49" charset="0"/>
-              </a:rPr>
-              <a:t>[i]</a:t>
-            </a:r>
-            <a:endParaRPr lang="en-US" sz="2000" dirty="0">
-              <a:latin typeface="Courier New" pitchFamily="49" charset="0"/>
-              <a:cs typeface="Courier New" pitchFamily="49" charset="0"/>
-            </a:endParaRPr>
-          </a:p>
-          <a:p>
-            <a:pPr marL="0" indent="0">
-              <a:buNone/>
-            </a:pPr>
-            <a:r>
-              <a:rPr lang="en-US" sz="2000" dirty="0">
-                <a:latin typeface="Courier New" pitchFamily="49" charset="0"/>
-                <a:cs typeface="Courier New" pitchFamily="49" charset="0"/>
-              </a:rPr>
-              <a:t>}</a:t>
-            </a:r>
-          </a:p>
-          <a:p>
-            <a:pPr marL="0" indent="0">
-              <a:buNone/>
-            </a:pPr>
-            <a:endParaRPr lang="en-US" sz="2000" dirty="0" smtClean="0">
-              <a:latin typeface="Courier New" pitchFamily="49" charset="0"/>
-              <a:cs typeface="Courier New" pitchFamily="49" charset="0"/>
-            </a:endParaRPr>
+          <a:bodyPr/>
+          <a:lstStyle/>
+          <a:p>
+            <a:r>
+              <a:rPr lang="en-US" dirty="0" smtClean="0"/>
+              <a:t>Okay, so we've finally gotten the data we need – log transformed urinary phthalate levels for women aged 15-45 in 2005-2006 NHANES.</a:t>
+            </a:r>
+          </a:p>
+          <a:p>
+            <a:endParaRPr lang="en-US" dirty="0"/>
+          </a:p>
+          <a:p>
+            <a:r>
+              <a:rPr lang="en-US" dirty="0" smtClean="0"/>
+              <a:t>So how do we do the PCA?</a:t>
+            </a:r>
+            <a:endParaRPr lang="en-US" dirty="0"/>
+          </a:p>
+        </p:txBody>
+      </p:sp>
+      <p:sp>
+        <p:nvSpPr>
+          <p:cNvPr id="4" name="Slide Number Placeholder 3"/>
+          <p:cNvSpPr>
+            <a:spLocks noGrp="1"/>
+          </p:cNvSpPr>
+          <p:nvPr>
+            <p:ph type="sldNum" sz="quarter" idx="12"/>
+          </p:nvPr>
+        </p:nvSpPr>
+        <p:spPr/>
+        <p:txBody>
+          <a:bodyPr/>
+          <a:lstStyle/>
+          <a:p>
+            <a:fld id="{3CE78DC2-C3EA-4731-B863-4FE22F9DFA93}" type="slidenum">
+              <a:rPr lang="en-US" smtClean="0"/>
+              <a:t>19</a:t>
+            </a:fld>
+            <a:endParaRPr lang="en-US"/>
           </a:p>
         </p:txBody>
       </p:sp>
     </p:spTree>
     <p:extLst>
       <p:ext uri="{BB962C8B-B14F-4D97-AF65-F5344CB8AC3E}">
-        <p14:creationId xmlns:p14="http://schemas.microsoft.com/office/powerpoint/2010/main" val="133229452"/>
+        <p14:creationId xmlns:p14="http://schemas.microsoft.com/office/powerpoint/2010/main" val="1351570508"/>
       </p:ext>
     </p:extLst>
   </p:cSld>
@@ -5033,7 +5585,7 @@
   <p:timing>
     <p:tnLst>
       <p:par>
-        <p:cTn id="1" dur="indefinite" restart="never" nodeType="tmRoot"/>
+        <p:cTn xmlns:p14="http://schemas.microsoft.com/office/powerpoint/2010/main" id="1" dur="indefinite" restart="never" nodeType="tmRoot"/>
       </p:par>
     </p:tnLst>
   </p:timing>
@@ -5141,14 +5693,14 @@
           </a:ln>
           <a:effectLst/>
           <a:extLst>
-            <a:ext uri="{909E8E84-426E-40DD-AFC4-6F175D3DCCD1}">
+            <a:ext uri="{909E8E84-426E-40dd-AFC4-6F175D3DCCD1}">
               <a14:hiddenFill xmlns:a14="http://schemas.microsoft.com/office/drawing/2010/main">
                 <a:solidFill>
                   <a:schemeClr val="accent1"/>
                 </a:solidFill>
               </a14:hiddenFill>
             </a:ext>
-            <a:ext uri="{91240B29-F687-4F45-9708-019B960494DF}">
+            <a:ext uri="{91240B29-F687-4f45-9708-019B960494DF}">
               <a14:hiddenLine xmlns:a14="http://schemas.microsoft.com/office/drawing/2010/main" w="9525">
                 <a:solidFill>
                   <a:schemeClr val="tx1"/>
@@ -5158,7 +5710,7 @@
                 <a:tailEnd/>
               </a14:hiddenLine>
             </a:ext>
-            <a:ext uri="{AF507438-7753-43E0-B8FC-AC1667EBCBE1}">
+            <a:ext uri="{AF507438-7753-43e0-B8FC-AC1667EBCBE1}">
               <a14:hiddenEffects xmlns:a14="http://schemas.microsoft.com/office/drawing/2010/main">
                 <a:effectLst>
                   <a:outerShdw dist="35921" dir="2700000" algn="ctr" rotWithShape="0">
@@ -5170,6 +5722,29 @@
           </a:extLst>
         </p:spPr>
       </p:pic>
+      <p:sp>
+        <p:nvSpPr>
+          <p:cNvPr id="4" name="Slide Number Placeholder 3"/>
+          <p:cNvSpPr>
+            <a:spLocks noGrp="1"/>
+          </p:cNvSpPr>
+          <p:nvPr>
+            <p:ph type="sldNum" sz="quarter" idx="12"/>
+          </p:nvPr>
+        </p:nvSpPr>
+        <p:spPr/>
+        <p:txBody>
+          <a:bodyPr/>
+          <a:lstStyle/>
+          <a:p>
+            <a:fld id="{3CE78DC2-C3EA-4731-B863-4FE22F9DFA93}" type="slidenum">
+              <a:rPr lang="en-US" smtClean="0"/>
+              <a:t>2</a:t>
+            </a:fld>
+            <a:endParaRPr lang="en-US"/>
+          </a:p>
+        </p:txBody>
+      </p:sp>
     </p:spTree>
     <p:extLst>
       <p:ext uri="{BB962C8B-B14F-4D97-AF65-F5344CB8AC3E}">
@@ -5183,7 +5758,7 @@
   <p:timing>
     <p:tnLst>
       <p:par>
-        <p:cTn id="1" dur="indefinite" restart="never" nodeType="tmRoot"/>
+        <p:cTn xmlns:p14="http://schemas.microsoft.com/office/powerpoint/2010/main" id="1" dur="indefinite" restart="never" nodeType="tmRoot"/>
       </p:par>
     </p:tnLst>
   </p:timing>
@@ -5224,7 +5799,7 @@
           <a:p>
             <a:r>
               <a:rPr lang="en-US" dirty="0" smtClean="0"/>
-              <a:t>Loops vs. alternatives</a:t>
+              <a:t>Which PCA function?</a:t>
             </a:r>
             <a:endParaRPr lang="en-US" dirty="0"/>
           </a:p>
@@ -5242,57 +5817,68 @@
         </p:nvSpPr>
         <p:spPr/>
         <p:txBody>
-          <a:bodyPr>
-            <a:normAutofit fontScale="92500" lnSpcReduction="10000"/>
-          </a:bodyPr>
-          <a:lstStyle/>
-          <a:p>
-            <a:r>
-              <a:rPr lang="en-US" dirty="0" smtClean="0"/>
-              <a:t>Computer scientists love </a:t>
-            </a:r>
-            <a:r>
-              <a:rPr lang="en-US" dirty="0" err="1" smtClean="0"/>
-              <a:t>vectorized</a:t>
-            </a:r>
-            <a:r>
-              <a:rPr lang="en-US" dirty="0" smtClean="0"/>
-              <a:t> operations, higher-order functions (e.g. apply), etc.</a:t>
-            </a:r>
-          </a:p>
-          <a:p>
-            <a:pPr lvl="1"/>
-            <a:r>
-              <a:rPr lang="en-US" sz="2200" dirty="0" smtClean="0"/>
-              <a:t>They are elegant (I think) and allow for writing compact code</a:t>
-            </a:r>
-          </a:p>
-          <a:p>
-            <a:pPr lvl="1"/>
+          <a:bodyPr/>
+          <a:lstStyle/>
+          <a:p>
+            <a:r>
+              <a:rPr lang="en-US" dirty="0" smtClean="0"/>
+              <a:t>Let's pick from among the PCA packages:</a:t>
+            </a:r>
+          </a:p>
+          <a:p>
+            <a:r>
+              <a:rPr lang="en-US" dirty="0">
+                <a:hlinkClick r:id="rId2"/>
+              </a:rPr>
+              <a:t>http://</a:t>
+            </a:r>
+            <a:r>
+              <a:rPr lang="en-US" dirty="0" smtClean="0">
+                <a:hlinkClick r:id="rId2"/>
+              </a:rPr>
+              <a:t>gastonsanchez.com/blog/how-to/2012/06/17/PCA-in-R.html</a:t>
+            </a:r>
+            <a:endParaRPr lang="en-US" dirty="0" smtClean="0"/>
+          </a:p>
+          <a:p>
             <a:endParaRPr lang="en-US" dirty="0"/>
           </a:p>
           <a:p>
             <a:r>
               <a:rPr lang="en-US" dirty="0" smtClean="0"/>
-              <a:t>But many computer programmers find looping to be the natural way to think about repeated operations</a:t>
-            </a:r>
-          </a:p>
-          <a:p>
+              <a:t>(Which I found by searching for 'PCA in R')</a:t>
+            </a:r>
             <a:endParaRPr lang="en-US" dirty="0"/>
           </a:p>
-          <a:p>
-            <a:r>
-              <a:rPr lang="en-US" dirty="0" smtClean="0"/>
-              <a:t>It's usually a wash in terms of performance in R (and elsewhere)</a:t>
-            </a:r>
-            <a:endParaRPr lang="en-US" dirty="0"/>
+        </p:txBody>
+      </p:sp>
+      <p:sp>
+        <p:nvSpPr>
+          <p:cNvPr id="4" name="Slide Number Placeholder 3"/>
+          <p:cNvSpPr>
+            <a:spLocks noGrp="1"/>
+          </p:cNvSpPr>
+          <p:nvPr>
+            <p:ph type="sldNum" sz="quarter" idx="12"/>
+          </p:nvPr>
+        </p:nvSpPr>
+        <p:spPr/>
+        <p:txBody>
+          <a:bodyPr/>
+          <a:lstStyle/>
+          <a:p>
+            <a:fld id="{3CE78DC2-C3EA-4731-B863-4FE22F9DFA93}" type="slidenum">
+              <a:rPr lang="en-US" smtClean="0"/>
+              <a:t>20</a:t>
+            </a:fld>
+            <a:endParaRPr lang="en-US"/>
           </a:p>
         </p:txBody>
       </p:sp>
     </p:spTree>
     <p:extLst>
       <p:ext uri="{BB962C8B-B14F-4D97-AF65-F5344CB8AC3E}">
-        <p14:creationId xmlns:p14="http://schemas.microsoft.com/office/powerpoint/2010/main" val="2544880541"/>
+        <p14:creationId xmlns:p14="http://schemas.microsoft.com/office/powerpoint/2010/main" val="3503189701"/>
       </p:ext>
     </p:extLst>
   </p:cSld>
@@ -5302,7 +5888,7 @@
   <p:timing>
     <p:tnLst>
       <p:par>
-        <p:cTn id="1" dur="indefinite" restart="never" nodeType="tmRoot"/>
+        <p:cTn xmlns:p14="http://schemas.microsoft.com/office/powerpoint/2010/main" id="1" dur="indefinite" restart="never" nodeType="tmRoot"/>
       </p:par>
     </p:tnLst>
   </p:timing>
@@ -5343,7 +5929,7 @@
           <a:p>
             <a:r>
               <a:rPr lang="en-US" dirty="0" smtClean="0"/>
-              <a:t>Doing the PCA</a:t>
+              <a:t>So, some options</a:t>
             </a:r>
             <a:endParaRPr lang="en-US" dirty="0"/>
           </a:p>
@@ -5366,38 +5952,107 @@
           <a:p>
             <a:r>
               <a:rPr lang="en-US" dirty="0" smtClean="0"/>
-              <a:t>Okay, so we've finally gotten the data we need – log transformed urinary phthalate levels for women aged 15-45 in 2005-2006 NHANES.</a:t>
-            </a:r>
-          </a:p>
-          <a:p>
+              <a:t>stats::</a:t>
+            </a:r>
+            <a:r>
+              <a:rPr lang="en-US" dirty="0" err="1" smtClean="0"/>
+              <a:t>prcomp</a:t>
+            </a:r>
+            <a:endParaRPr lang="en-US" dirty="0" smtClean="0"/>
+          </a:p>
+          <a:p>
+            <a:r>
+              <a:rPr lang="en-US" dirty="0"/>
+              <a:t>stats</a:t>
+            </a:r>
+            <a:r>
+              <a:rPr lang="en-US" dirty="0" smtClean="0"/>
+              <a:t>::</a:t>
+            </a:r>
+            <a:r>
+              <a:rPr lang="en-US" dirty="0" err="1" smtClean="0"/>
+              <a:t>princomp</a:t>
+            </a:r>
+            <a:endParaRPr lang="en-US" dirty="0" smtClean="0"/>
+          </a:p>
+          <a:p>
+            <a:r>
+              <a:rPr lang="en-US" dirty="0" err="1" smtClean="0"/>
+              <a:t>FactoMineR</a:t>
+            </a:r>
+            <a:r>
+              <a:rPr lang="en-US" dirty="0" smtClean="0"/>
+              <a:t>::PCA </a:t>
+            </a:r>
+          </a:p>
+          <a:p>
+            <a:r>
+              <a:rPr lang="en-US" dirty="0" smtClean="0"/>
+              <a:t>ade4::</a:t>
+            </a:r>
+            <a:r>
+              <a:rPr lang="en-US" dirty="0" err="1" smtClean="0"/>
+              <a:t>dudi.pca</a:t>
+            </a:r>
+            <a:endParaRPr lang="en-US" dirty="0" smtClean="0"/>
+          </a:p>
+          <a:p>
+            <a:r>
+              <a:rPr lang="en-US" dirty="0" err="1" smtClean="0"/>
+              <a:t>amap</a:t>
+            </a:r>
+            <a:r>
+              <a:rPr lang="en-US" dirty="0" smtClean="0"/>
+              <a:t>::</a:t>
+            </a:r>
+            <a:r>
+              <a:rPr lang="en-US" dirty="0" err="1" smtClean="0"/>
+              <a:t>acp</a:t>
+            </a:r>
+            <a:endParaRPr lang="en-US" dirty="0" smtClean="0"/>
+          </a:p>
+          <a:p>
+            <a:r>
+              <a:rPr lang="en-US" dirty="0" smtClean="0"/>
+              <a:t>Also… psych::principal, probably others</a:t>
+            </a:r>
             <a:endParaRPr lang="en-US" dirty="0"/>
           </a:p>
-          <a:p>
-            <a:r>
-              <a:rPr lang="en-US" dirty="0" smtClean="0"/>
-              <a:t>So how do we do the PCA?</a:t>
-            </a:r>
-            <a:endParaRPr lang="en-US" dirty="0"/>
+        </p:txBody>
+      </p:sp>
+      <p:sp>
+        <p:nvSpPr>
+          <p:cNvPr id="4" name="Slide Number Placeholder 3"/>
+          <p:cNvSpPr>
+            <a:spLocks noGrp="1"/>
+          </p:cNvSpPr>
+          <p:nvPr>
+            <p:ph type="sldNum" sz="quarter" idx="12"/>
+          </p:nvPr>
+        </p:nvSpPr>
+        <p:spPr/>
+        <p:txBody>
+          <a:bodyPr/>
+          <a:lstStyle/>
+          <a:p>
+            <a:fld id="{3CE78DC2-C3EA-4731-B863-4FE22F9DFA93}" type="slidenum">
+              <a:rPr lang="en-US" smtClean="0"/>
+              <a:t>21</a:t>
+            </a:fld>
+            <a:endParaRPr lang="en-US"/>
           </a:p>
         </p:txBody>
       </p:sp>
     </p:spTree>
     <p:extLst>
       <p:ext uri="{BB962C8B-B14F-4D97-AF65-F5344CB8AC3E}">
-        <p14:creationId xmlns:p14="http://schemas.microsoft.com/office/powerpoint/2010/main" val="1351570508"/>
+        <p14:creationId xmlns:p14="http://schemas.microsoft.com/office/powerpoint/2010/main" val="885648355"/>
       </p:ext>
     </p:extLst>
   </p:cSld>
   <p:clrMapOvr>
     <a:masterClrMapping/>
   </p:clrMapOvr>
-  <p:timing>
-    <p:tnLst>
-      <p:par>
-        <p:cTn id="1" dur="indefinite" restart="never" nodeType="tmRoot"/>
-      </p:par>
-    </p:tnLst>
-  </p:timing>
 </p:sld>
 </file>
 
@@ -5434,8 +6089,8 @@
           <a:lstStyle/>
           <a:p>
             <a:r>
-              <a:rPr lang="en-US" dirty="0" smtClean="0"/>
-              <a:t>Which PCA function?</a:t>
+              <a:rPr lang="en-US" dirty="0" err="1" smtClean="0"/>
+              <a:t>FactoMineR</a:t>
             </a:r>
             <a:endParaRPr lang="en-US" dirty="0"/>
           </a:p>
@@ -5457,41 +6112,74 @@
           <a:lstStyle/>
           <a:p>
             <a:r>
-              <a:rPr lang="en-US" dirty="0" smtClean="0"/>
-              <a:t>Let's pick from among the PCA packages:</a:t>
-            </a:r>
-          </a:p>
-          <a:p>
-            <a:r>
-              <a:rPr lang="en-US" dirty="0">
-                <a:hlinkClick r:id="rId2"/>
-              </a:rPr>
-              <a:t>http://</a:t>
-            </a:r>
-            <a:r>
-              <a:rPr lang="en-US" dirty="0" smtClean="0">
-                <a:hlinkClick r:id="rId2"/>
-              </a:rPr>
-              <a:t>gastonsanchez.com/blog/how-to/2012/06/17/PCA-in-R.html</a:t>
-            </a:r>
-            <a:endParaRPr lang="en-US" dirty="0" smtClean="0"/>
+              <a:rPr lang="en-US" dirty="0" err="1" smtClean="0"/>
+              <a:t>FactoMineR's</a:t>
+            </a:r>
+            <a:r>
+              <a:rPr lang="en-US" dirty="0" smtClean="0"/>
+              <a:t> PCA comes recommended</a:t>
+            </a:r>
+          </a:p>
+          <a:p>
+            <a:r>
+              <a:rPr lang="en-US" dirty="0" smtClean="0"/>
+              <a:t>And </a:t>
+            </a:r>
+            <a:r>
+              <a:rPr lang="en-US" dirty="0" err="1" smtClean="0"/>
+              <a:t>FactoMineR's</a:t>
+            </a:r>
+            <a:r>
+              <a:rPr lang="en-US" dirty="0" smtClean="0"/>
+              <a:t> PCA allows for row weights, which is desirable since this is </a:t>
+            </a:r>
+            <a:r>
+              <a:rPr lang="en-US" dirty="0" smtClean="0"/>
+              <a:t>weighted data</a:t>
+            </a:r>
+            <a:r>
+              <a:rPr lang="en-US" dirty="0" smtClean="0"/>
+              <a:t>…</a:t>
+            </a:r>
+          </a:p>
+          <a:p>
+            <a:r>
+              <a:rPr lang="en-US" dirty="0" smtClean="0"/>
+              <a:t>… so let's try it</a:t>
+            </a:r>
           </a:p>
           <a:p>
             <a:endParaRPr lang="en-US" dirty="0"/>
           </a:p>
-          <a:p>
-            <a:r>
-              <a:rPr lang="en-US" dirty="0" smtClean="0"/>
-              <a:t>(Which I found by searching for 'PCA in R')</a:t>
-            </a:r>
-            <a:endParaRPr lang="en-US" dirty="0"/>
+        </p:txBody>
+      </p:sp>
+      <p:sp>
+        <p:nvSpPr>
+          <p:cNvPr id="4" name="Slide Number Placeholder 3"/>
+          <p:cNvSpPr>
+            <a:spLocks noGrp="1"/>
+          </p:cNvSpPr>
+          <p:nvPr>
+            <p:ph type="sldNum" sz="quarter" idx="12"/>
+          </p:nvPr>
+        </p:nvSpPr>
+        <p:spPr/>
+        <p:txBody>
+          <a:bodyPr/>
+          <a:lstStyle/>
+          <a:p>
+            <a:fld id="{3CE78DC2-C3EA-4731-B863-4FE22F9DFA93}" type="slidenum">
+              <a:rPr lang="en-US" smtClean="0"/>
+              <a:t>22</a:t>
+            </a:fld>
+            <a:endParaRPr lang="en-US"/>
           </a:p>
         </p:txBody>
       </p:sp>
     </p:spTree>
     <p:extLst>
       <p:ext uri="{BB962C8B-B14F-4D97-AF65-F5344CB8AC3E}">
-        <p14:creationId xmlns:p14="http://schemas.microsoft.com/office/powerpoint/2010/main" val="3503189701"/>
+        <p14:creationId xmlns:p14="http://schemas.microsoft.com/office/powerpoint/2010/main" val="1969818689"/>
       </p:ext>
     </p:extLst>
   </p:cSld>
@@ -5501,7 +6189,7 @@
   <p:timing>
     <p:tnLst>
       <p:par>
-        <p:cTn id="1" dur="indefinite" restart="never" nodeType="tmRoot"/>
+        <p:cTn xmlns:p14="http://schemas.microsoft.com/office/powerpoint/2010/main" id="1" dur="indefinite" restart="never" nodeType="tmRoot"/>
       </p:par>
     </p:tnLst>
   </p:timing>
@@ -5542,262 +6230,6 @@
           <a:p>
             <a:r>
               <a:rPr lang="en-US" dirty="0" smtClean="0"/>
-              <a:t>So, some options</a:t>
-            </a:r>
-            <a:endParaRPr lang="en-US" dirty="0"/>
-          </a:p>
-        </p:txBody>
-      </p:sp>
-      <p:sp>
-        <p:nvSpPr>
-          <p:cNvPr id="3" name="Content Placeholder 2"/>
-          <p:cNvSpPr>
-            <a:spLocks noGrp="1"/>
-          </p:cNvSpPr>
-          <p:nvPr>
-            <p:ph idx="1"/>
-          </p:nvPr>
-        </p:nvSpPr>
-        <p:spPr/>
-        <p:txBody>
-          <a:bodyPr/>
-          <a:lstStyle/>
-          <a:p>
-            <a:r>
-              <a:rPr lang="en-US" dirty="0" smtClean="0"/>
-              <a:t>stats::</a:t>
-            </a:r>
-            <a:r>
-              <a:rPr lang="en-US" dirty="0" err="1" smtClean="0"/>
-              <a:t>prcomp</a:t>
-            </a:r>
-            <a:endParaRPr lang="en-US" dirty="0" smtClean="0"/>
-          </a:p>
-          <a:p>
-            <a:r>
-              <a:rPr lang="en-US" dirty="0"/>
-              <a:t>stats</a:t>
-            </a:r>
-            <a:r>
-              <a:rPr lang="en-US" dirty="0" smtClean="0"/>
-              <a:t>::</a:t>
-            </a:r>
-            <a:r>
-              <a:rPr lang="en-US" dirty="0" err="1" smtClean="0"/>
-              <a:t>princomp</a:t>
-            </a:r>
-            <a:endParaRPr lang="en-US" dirty="0" smtClean="0"/>
-          </a:p>
-          <a:p>
-            <a:r>
-              <a:rPr lang="en-US" dirty="0" err="1" smtClean="0"/>
-              <a:t>FactoMineR</a:t>
-            </a:r>
-            <a:r>
-              <a:rPr lang="en-US" dirty="0" smtClean="0"/>
-              <a:t>::PCA </a:t>
-            </a:r>
-          </a:p>
-          <a:p>
-            <a:r>
-              <a:rPr lang="en-US" dirty="0" smtClean="0"/>
-              <a:t>ade4::</a:t>
-            </a:r>
-            <a:r>
-              <a:rPr lang="en-US" dirty="0" err="1" smtClean="0"/>
-              <a:t>dudi.pca</a:t>
-            </a:r>
-            <a:endParaRPr lang="en-US" dirty="0" smtClean="0"/>
-          </a:p>
-          <a:p>
-            <a:r>
-              <a:rPr lang="en-US" dirty="0" err="1" smtClean="0"/>
-              <a:t>amap</a:t>
-            </a:r>
-            <a:r>
-              <a:rPr lang="en-US" dirty="0" smtClean="0"/>
-              <a:t>::</a:t>
-            </a:r>
-            <a:r>
-              <a:rPr lang="en-US" dirty="0" err="1" smtClean="0"/>
-              <a:t>acp</a:t>
-            </a:r>
-            <a:endParaRPr lang="en-US" dirty="0" smtClean="0"/>
-          </a:p>
-          <a:p>
-            <a:r>
-              <a:rPr lang="en-US" dirty="0" smtClean="0"/>
-              <a:t>Also… psych::principal, probably others</a:t>
-            </a:r>
-            <a:endParaRPr lang="en-US" dirty="0"/>
-          </a:p>
-        </p:txBody>
-      </p:sp>
-    </p:spTree>
-    <p:extLst>
-      <p:ext uri="{BB962C8B-B14F-4D97-AF65-F5344CB8AC3E}">
-        <p14:creationId xmlns:p14="http://schemas.microsoft.com/office/powerpoint/2010/main" val="885648355"/>
-      </p:ext>
-    </p:extLst>
-  </p:cSld>
-  <p:clrMapOvr>
-    <a:masterClrMapping/>
-  </p:clrMapOvr>
-</p:sld>
-</file>
-
-<file path=ppt/slides/slide24.xml><?xml version="1.0" encoding="utf-8"?>
-<p:sld xmlns:a="http://schemas.openxmlformats.org/drawingml/2006/main" xmlns:r="http://schemas.openxmlformats.org/officeDocument/2006/relationships" xmlns:p="http://schemas.openxmlformats.org/presentationml/2006/main">
-  <p:cSld>
-    <p:spTree>
-      <p:nvGrpSpPr>
-        <p:cNvPr id="1" name=""/>
-        <p:cNvGrpSpPr/>
-        <p:nvPr/>
-      </p:nvGrpSpPr>
-      <p:grpSpPr>
-        <a:xfrm>
-          <a:off x="0" y="0"/>
-          <a:ext cx="0" cy="0"/>
-          <a:chOff x="0" y="0"/>
-          <a:chExt cx="0" cy="0"/>
-        </a:xfrm>
-      </p:grpSpPr>
-      <p:sp>
-        <p:nvSpPr>
-          <p:cNvPr id="2" name="Title 1"/>
-          <p:cNvSpPr>
-            <a:spLocks noGrp="1"/>
-          </p:cNvSpPr>
-          <p:nvPr>
-            <p:ph type="title"/>
-          </p:nvPr>
-        </p:nvSpPr>
-        <p:spPr/>
-        <p:txBody>
-          <a:bodyPr/>
-          <a:lstStyle/>
-          <a:p>
-            <a:r>
-              <a:rPr lang="en-US" dirty="0" err="1" smtClean="0"/>
-              <a:t>FactoMineR</a:t>
-            </a:r>
-            <a:endParaRPr lang="en-US" dirty="0"/>
-          </a:p>
-        </p:txBody>
-      </p:sp>
-      <p:sp>
-        <p:nvSpPr>
-          <p:cNvPr id="3" name="Content Placeholder 2"/>
-          <p:cNvSpPr>
-            <a:spLocks noGrp="1"/>
-          </p:cNvSpPr>
-          <p:nvPr>
-            <p:ph idx="1"/>
-          </p:nvPr>
-        </p:nvSpPr>
-        <p:spPr/>
-        <p:txBody>
-          <a:bodyPr/>
-          <a:lstStyle/>
-          <a:p>
-            <a:r>
-              <a:rPr lang="en-US" dirty="0" err="1" smtClean="0"/>
-              <a:t>FactoMineR's</a:t>
-            </a:r>
-            <a:r>
-              <a:rPr lang="en-US" dirty="0" smtClean="0"/>
-              <a:t> PCA comes recommended</a:t>
-            </a:r>
-          </a:p>
-          <a:p>
-            <a:r>
-              <a:rPr lang="en-US" dirty="0" smtClean="0"/>
-              <a:t>And </a:t>
-            </a:r>
-            <a:r>
-              <a:rPr lang="en-US" dirty="0" err="1" smtClean="0"/>
-              <a:t>FactoMineR's</a:t>
-            </a:r>
-            <a:r>
-              <a:rPr lang="en-US" dirty="0" smtClean="0"/>
-              <a:t> </a:t>
-            </a:r>
-            <a:r>
-              <a:rPr lang="en-US" dirty="0" smtClean="0"/>
-              <a:t>PCA allows for row </a:t>
-            </a:r>
-            <a:r>
-              <a:rPr lang="en-US" dirty="0" smtClean="0"/>
-              <a:t>weights, which is desirable since this is survey data…</a:t>
-            </a:r>
-          </a:p>
-          <a:p>
-            <a:r>
-              <a:rPr lang="en-US" dirty="0" smtClean="0"/>
-              <a:t>… so let's try it</a:t>
-            </a:r>
-            <a:endParaRPr lang="en-US" dirty="0" smtClean="0"/>
-          </a:p>
-          <a:p>
-            <a:endParaRPr lang="en-US" dirty="0"/>
-          </a:p>
-        </p:txBody>
-      </p:sp>
-    </p:spTree>
-    <p:extLst>
-      <p:ext uri="{BB962C8B-B14F-4D97-AF65-F5344CB8AC3E}">
-        <p14:creationId xmlns:p14="http://schemas.microsoft.com/office/powerpoint/2010/main" val="1969818689"/>
-      </p:ext>
-    </p:extLst>
-  </p:cSld>
-  <p:clrMapOvr>
-    <a:masterClrMapping/>
-  </p:clrMapOvr>
-  <p:timing>
-    <p:tnLst>
-      <p:par>
-        <p:cTn id="1" dur="indefinite" restart="never" nodeType="tmRoot"/>
-      </p:par>
-    </p:tnLst>
-  </p:timing>
-</p:sld>
-</file>
-
-<file path=ppt/slides/slide25.xml><?xml version="1.0" encoding="utf-8"?>
-<p:sld xmlns:a="http://schemas.openxmlformats.org/drawingml/2006/main" xmlns:r="http://schemas.openxmlformats.org/officeDocument/2006/relationships" xmlns:p="http://schemas.openxmlformats.org/presentationml/2006/main">
-  <p:cSld>
-    <p:spTree>
-      <p:nvGrpSpPr>
-        <p:cNvPr id="1" name=""/>
-        <p:cNvGrpSpPr/>
-        <p:nvPr/>
-      </p:nvGrpSpPr>
-      <p:grpSpPr>
-        <a:xfrm>
-          <a:off x="0" y="0"/>
-          <a:ext cx="0" cy="0"/>
-          <a:chOff x="0" y="0"/>
-          <a:chExt cx="0" cy="0"/>
-        </a:xfrm>
-      </p:grpSpPr>
-      <p:sp>
-        <p:nvSpPr>
-          <p:cNvPr id="2" name="Title 1"/>
-          <p:cNvSpPr>
-            <a:spLocks noGrp="1"/>
-          </p:cNvSpPr>
-          <p:nvPr>
-            <p:ph type="title"/>
-          </p:nvPr>
-        </p:nvSpPr>
-        <p:spPr/>
-        <p:txBody>
-          <a:bodyPr/>
-          <a:lstStyle/>
-          <a:p>
-            <a:r>
-              <a:rPr lang="en-US" dirty="0" smtClean="0"/>
               <a:t>Using </a:t>
             </a:r>
             <a:r>
@@ -5998,6 +6430,29 @@
               </a:rPr>
               <a:t>[,1:2], 2)</a:t>
             </a:r>
+          </a:p>
+        </p:txBody>
+      </p:sp>
+      <p:sp>
+        <p:nvSpPr>
+          <p:cNvPr id="4" name="Slide Number Placeholder 3"/>
+          <p:cNvSpPr>
+            <a:spLocks noGrp="1"/>
+          </p:cNvSpPr>
+          <p:nvPr>
+            <p:ph type="sldNum" sz="quarter" idx="12"/>
+          </p:nvPr>
+        </p:nvSpPr>
+        <p:spPr/>
+        <p:txBody>
+          <a:bodyPr/>
+          <a:lstStyle/>
+          <a:p>
+            <a:fld id="{3CE78DC2-C3EA-4731-B863-4FE22F9DFA93}" type="slidenum">
+              <a:rPr lang="en-US" smtClean="0"/>
+              <a:t>23</a:t>
+            </a:fld>
+            <a:endParaRPr lang="en-US"/>
           </a:p>
         </p:txBody>
       </p:sp>
@@ -6011,223 +6466,17 @@
   <p:clrMapOvr>
     <a:masterClrMapping/>
   </p:clrMapOvr>
-</p:sld>
-</file>
-
-<file path=ppt/slides/slide26.xml><?xml version="1.0" encoding="utf-8"?>
-<p:sld xmlns:a="http://schemas.openxmlformats.org/drawingml/2006/main" xmlns:r="http://schemas.openxmlformats.org/officeDocument/2006/relationships" xmlns:p="http://schemas.openxmlformats.org/presentationml/2006/main">
-  <p:cSld>
-    <p:spTree>
-      <p:nvGrpSpPr>
-        <p:cNvPr id="1" name=""/>
-        <p:cNvGrpSpPr/>
-        <p:nvPr/>
-      </p:nvGrpSpPr>
-      <p:grpSpPr>
-        <a:xfrm>
-          <a:off x="0" y="0"/>
-          <a:ext cx="0" cy="0"/>
-          <a:chOff x="0" y="0"/>
-          <a:chExt cx="0" cy="0"/>
-        </a:xfrm>
-      </p:grpSpPr>
-      <p:sp>
-        <p:nvSpPr>
-          <p:cNvPr id="2" name="Title 1"/>
-          <p:cNvSpPr>
-            <a:spLocks noGrp="1"/>
-          </p:cNvSpPr>
-          <p:nvPr>
-            <p:ph type="title"/>
-          </p:nvPr>
-        </p:nvSpPr>
-        <p:spPr/>
-        <p:txBody>
-          <a:bodyPr/>
-          <a:lstStyle/>
-          <a:p>
-            <a:r>
-              <a:rPr lang="en-US" dirty="0" smtClean="0"/>
-              <a:t>Complex survey weighting</a:t>
-            </a:r>
-            <a:endParaRPr lang="en-US" dirty="0"/>
-          </a:p>
-        </p:txBody>
-      </p:sp>
-      <p:sp>
-        <p:nvSpPr>
-          <p:cNvPr id="3" name="Content Placeholder 2"/>
-          <p:cNvSpPr>
-            <a:spLocks noGrp="1"/>
-          </p:cNvSpPr>
-          <p:nvPr>
-            <p:ph idx="1"/>
-          </p:nvPr>
-        </p:nvSpPr>
-        <p:spPr/>
-        <p:txBody>
-          <a:bodyPr>
-            <a:normAutofit fontScale="92500" lnSpcReduction="10000"/>
-          </a:bodyPr>
-          <a:lstStyle/>
-          <a:p>
-            <a:r>
-              <a:rPr lang="en-US" dirty="0" smtClean="0"/>
-              <a:t>Complex surveys often use clustered, stratified sampling</a:t>
-            </a:r>
-          </a:p>
-          <a:p>
-            <a:endParaRPr lang="en-US" dirty="0"/>
-          </a:p>
-          <a:p>
-            <a:r>
-              <a:rPr lang="en-US" dirty="0" smtClean="0"/>
-              <a:t>Not going to get into the details, but essentially, you need to specify the clusters and strata correctly to get the right standard errors</a:t>
-            </a:r>
-          </a:p>
-          <a:p>
-            <a:endParaRPr lang="en-US" dirty="0"/>
-          </a:p>
-          <a:p>
-            <a:r>
-              <a:rPr lang="en-US" dirty="0" smtClean="0"/>
-              <a:t>So, does just specifying the row weights work for us?</a:t>
-            </a:r>
-          </a:p>
-        </p:txBody>
-      </p:sp>
-    </p:spTree>
-    <p:extLst>
-      <p:ext uri="{BB962C8B-B14F-4D97-AF65-F5344CB8AC3E}">
-        <p14:creationId xmlns:p14="http://schemas.microsoft.com/office/powerpoint/2010/main" val="2242131273"/>
-      </p:ext>
-    </p:extLst>
-  </p:cSld>
-  <p:clrMapOvr>
-    <a:masterClrMapping/>
-  </p:clrMapOvr>
   <p:timing>
     <p:tnLst>
       <p:par>
-        <p:cTn id="1" dur="indefinite" restart="never" nodeType="tmRoot"/>
+        <p:cTn xmlns:p14="http://schemas.microsoft.com/office/powerpoint/2010/main" id="1" dur="indefinite" restart="never" nodeType="tmRoot"/>
       </p:par>
     </p:tnLst>
   </p:timing>
 </p:sld>
 </file>
 
-<file path=ppt/slides/slide27.xml><?xml version="1.0" encoding="utf-8"?>
-<p:sld xmlns:a="http://schemas.openxmlformats.org/drawingml/2006/main" xmlns:r="http://schemas.openxmlformats.org/officeDocument/2006/relationships" xmlns:p="http://schemas.openxmlformats.org/presentationml/2006/main">
-  <p:cSld>
-    <p:spTree>
-      <p:nvGrpSpPr>
-        <p:cNvPr id="1" name=""/>
-        <p:cNvGrpSpPr/>
-        <p:nvPr/>
-      </p:nvGrpSpPr>
-      <p:grpSpPr>
-        <a:xfrm>
-          <a:off x="0" y="0"/>
-          <a:ext cx="0" cy="0"/>
-          <a:chOff x="0" y="0"/>
-          <a:chExt cx="0" cy="0"/>
-        </a:xfrm>
-      </p:grpSpPr>
-      <p:sp>
-        <p:nvSpPr>
-          <p:cNvPr id="2" name="Title 1"/>
-          <p:cNvSpPr>
-            <a:spLocks noGrp="1"/>
-          </p:cNvSpPr>
-          <p:nvPr>
-            <p:ph type="title"/>
-          </p:nvPr>
-        </p:nvSpPr>
-        <p:spPr/>
-        <p:txBody>
-          <a:bodyPr>
-            <a:normAutofit/>
-          </a:bodyPr>
-          <a:lstStyle/>
-          <a:p>
-            <a:r>
-              <a:rPr lang="en-US" dirty="0" smtClean="0"/>
-              <a:t>PCAs and complex surveys</a:t>
-            </a:r>
-            <a:endParaRPr lang="en-US" dirty="0"/>
-          </a:p>
-        </p:txBody>
-      </p:sp>
-      <p:sp>
-        <p:nvSpPr>
-          <p:cNvPr id="3" name="Content Placeholder 2"/>
-          <p:cNvSpPr>
-            <a:spLocks noGrp="1"/>
-          </p:cNvSpPr>
-          <p:nvPr>
-            <p:ph idx="1"/>
-          </p:nvPr>
-        </p:nvSpPr>
-        <p:spPr/>
-        <p:txBody>
-          <a:bodyPr>
-            <a:normAutofit lnSpcReduction="10000"/>
-          </a:bodyPr>
-          <a:lstStyle/>
-          <a:p>
-            <a:r>
-              <a:rPr lang="en-US" dirty="0" smtClean="0"/>
-              <a:t>PCAs in complex survey data is an area of active research:</a:t>
-            </a:r>
-          </a:p>
-          <a:p>
-            <a:pPr lvl="1"/>
-            <a:r>
-              <a:rPr lang="en-US" dirty="0" smtClean="0"/>
-              <a:t>PCAs should account for the survey design, but they generally don't in practice</a:t>
-            </a:r>
-          </a:p>
-          <a:p>
-            <a:pPr lvl="1"/>
-            <a:r>
-              <a:rPr lang="en-US" dirty="0" smtClean="0"/>
-              <a:t>Technically, this is non-trivial</a:t>
-            </a:r>
-          </a:p>
-          <a:p>
-            <a:pPr lvl="1"/>
-            <a:r>
-              <a:rPr lang="en-US" dirty="0" smtClean="0"/>
-              <a:t>Biases do not appear to be huge for our purposes here</a:t>
-            </a:r>
-          </a:p>
-          <a:p>
-            <a:pPr lvl="1"/>
-            <a:r>
-              <a:rPr lang="en-US" dirty="0" smtClean="0"/>
-              <a:t>Read </a:t>
-            </a:r>
-            <a:r>
-              <a:rPr lang="en-US" dirty="0"/>
-              <a:t>more: https://www.amstat.org/sections/SRMS/Proceedings/y2008/Files/302340.pdf</a:t>
-            </a:r>
-          </a:p>
-        </p:txBody>
-      </p:sp>
-    </p:spTree>
-    <p:extLst>
-      <p:ext uri="{BB962C8B-B14F-4D97-AF65-F5344CB8AC3E}">
-        <p14:creationId xmlns:p14="http://schemas.microsoft.com/office/powerpoint/2010/main" val="4050463418"/>
-      </p:ext>
-    </p:extLst>
-  </p:cSld>
-  <p:clrMapOvr>
-    <a:masterClrMapping/>
-  </p:clrMapOvr>
-</p:sld>
-</file>
-
-<file path=ppt/slides/slide28.xml><?xml version="1.0" encoding="utf-8"?>
+<file path=ppt/slides/slide24.xml><?xml version="1.0" encoding="utf-8"?>
 <p:sld xmlns:a="http://schemas.openxmlformats.org/drawingml/2006/main" xmlns:r="http://schemas.openxmlformats.org/officeDocument/2006/relationships" xmlns:p="http://schemas.openxmlformats.org/presentationml/2006/main">
   <p:cSld>
     <p:spTree>
@@ -6304,14 +6553,14 @@
           </a:ln>
           <a:effectLst/>
           <a:extLst>
-            <a:ext uri="{909E8E84-426E-40DD-AFC4-6F175D3DCCD1}">
+            <a:ext uri="{909E8E84-426E-40dd-AFC4-6F175D3DCCD1}">
               <a14:hiddenFill xmlns:a14="http://schemas.microsoft.com/office/drawing/2010/main">
                 <a:solidFill>
                   <a:schemeClr val="accent1"/>
                 </a:solidFill>
               </a14:hiddenFill>
             </a:ext>
-            <a:ext uri="{91240B29-F687-4F45-9708-019B960494DF}">
+            <a:ext uri="{91240B29-F687-4f45-9708-019B960494DF}">
               <a14:hiddenLine xmlns:a14="http://schemas.microsoft.com/office/drawing/2010/main" w="9525">
                 <a:solidFill>
                   <a:schemeClr val="tx1"/>
@@ -6321,7 +6570,7 @@
                 <a:tailEnd/>
               </a14:hiddenLine>
             </a:ext>
-            <a:ext uri="{AF507438-7753-43E0-B8FC-AC1667EBCBE1}">
+            <a:ext uri="{AF507438-7753-43e0-B8FC-AC1667EBCBE1}">
               <a14:hiddenEffects xmlns:a14="http://schemas.microsoft.com/office/drawing/2010/main">
                 <a:effectLst>
                   <a:outerShdw dist="35921" dir="2700000" algn="ctr" rotWithShape="0">
@@ -6368,14 +6617,14 @@
           </a:ln>
           <a:effectLst/>
           <a:extLst>
-            <a:ext uri="{909E8E84-426E-40DD-AFC4-6F175D3DCCD1}">
+            <a:ext uri="{909E8E84-426E-40dd-AFC4-6F175D3DCCD1}">
               <a14:hiddenFill xmlns:a14="http://schemas.microsoft.com/office/drawing/2010/main">
                 <a:solidFill>
                   <a:schemeClr val="accent1"/>
                 </a:solidFill>
               </a14:hiddenFill>
             </a:ext>
-            <a:ext uri="{91240B29-F687-4F45-9708-019B960494DF}">
+            <a:ext uri="{91240B29-F687-4f45-9708-019B960494DF}">
               <a14:hiddenLine xmlns:a14="http://schemas.microsoft.com/office/drawing/2010/main" w="9525">
                 <a:solidFill>
                   <a:schemeClr val="tx1"/>
@@ -6385,7 +6634,7 @@
                 <a:tailEnd/>
               </a14:hiddenLine>
             </a:ext>
-            <a:ext uri="{AF507438-7753-43E0-B8FC-AC1667EBCBE1}">
+            <a:ext uri="{AF507438-7753-43e0-B8FC-AC1667EBCBE1}">
               <a14:hiddenEffects xmlns:a14="http://schemas.microsoft.com/office/drawing/2010/main">
                 <a:effectLst>
                   <a:outerShdw dist="35921" dir="2700000" algn="ctr" rotWithShape="0">
@@ -6457,10 +6706,33 @@
           </a:p>
         </p:txBody>
       </p:sp>
+      <p:sp>
+        <p:nvSpPr>
+          <p:cNvPr id="3" name="Slide Number Placeholder 2"/>
+          <p:cNvSpPr>
+            <a:spLocks noGrp="1"/>
+          </p:cNvSpPr>
+          <p:nvPr>
+            <p:ph type="sldNum" sz="quarter" idx="12"/>
+          </p:nvPr>
+        </p:nvSpPr>
+        <p:spPr/>
+        <p:txBody>
+          <a:bodyPr/>
+          <a:lstStyle/>
+          <a:p>
+            <a:fld id="{3CE78DC2-C3EA-4731-B863-4FE22F9DFA93}" type="slidenum">
+              <a:rPr lang="en-US" smtClean="0"/>
+              <a:t>24</a:t>
+            </a:fld>
+            <a:endParaRPr lang="en-US"/>
+          </a:p>
+        </p:txBody>
+      </p:sp>
     </p:spTree>
     <p:extLst>
       <p:ext uri="{BB962C8B-B14F-4D97-AF65-F5344CB8AC3E}">
-        <p14:creationId xmlns:p14="http://schemas.microsoft.com/office/powerpoint/2010/main" val="1739619474"/>
+        <p14:creationId xmlns:p14="http://schemas.microsoft.com/office/powerpoint/2010/main" val="2838526787"/>
       </p:ext>
     </p:extLst>
   </p:cSld>
@@ -6470,14 +6742,14 @@
   <p:timing>
     <p:tnLst>
       <p:par>
-        <p:cTn id="1" dur="indefinite" restart="never" nodeType="tmRoot"/>
+        <p:cTn xmlns:p14="http://schemas.microsoft.com/office/powerpoint/2010/main" id="1" dur="indefinite" restart="never" nodeType="tmRoot"/>
       </p:par>
     </p:tnLst>
   </p:timing>
 </p:sld>
 </file>
 
-<file path=ppt/slides/slide29.xml><?xml version="1.0" encoding="utf-8"?>
+<file path=ppt/slides/slide25.xml><?xml version="1.0" encoding="utf-8"?>
 <p:sld xmlns:a="http://schemas.openxmlformats.org/drawingml/2006/main" xmlns:r="http://schemas.openxmlformats.org/officeDocument/2006/relationships" xmlns:p="http://schemas.openxmlformats.org/presentationml/2006/main">
   <p:cSld>
     <p:spTree>
@@ -6552,14 +6824,14 @@
           </a:ln>
           <a:effectLst/>
           <a:extLst>
-            <a:ext uri="{909E8E84-426E-40DD-AFC4-6F175D3DCCD1}">
+            <a:ext uri="{909E8E84-426E-40dd-AFC4-6F175D3DCCD1}">
               <a14:hiddenFill xmlns:a14="http://schemas.microsoft.com/office/drawing/2010/main">
                 <a:solidFill>
                   <a:schemeClr val="accent1"/>
                 </a:solidFill>
               </a14:hiddenFill>
             </a:ext>
-            <a:ext uri="{91240B29-F687-4F45-9708-019B960494DF}">
+            <a:ext uri="{91240B29-F687-4f45-9708-019B960494DF}">
               <a14:hiddenLine xmlns:a14="http://schemas.microsoft.com/office/drawing/2010/main" w="9525">
                 <a:solidFill>
                   <a:schemeClr val="tx1"/>
@@ -6569,7 +6841,7 @@
                 <a:tailEnd/>
               </a14:hiddenLine>
             </a:ext>
-            <a:ext uri="{AF507438-7753-43E0-B8FC-AC1667EBCBE1}">
+            <a:ext uri="{AF507438-7753-43e0-B8FC-AC1667EBCBE1}">
               <a14:hiddenEffects xmlns:a14="http://schemas.microsoft.com/office/drawing/2010/main">
                 <a:effectLst>
                   <a:outerShdw dist="35921" dir="2700000" algn="ctr" rotWithShape="0">
@@ -6616,14 +6888,14 @@
           </a:ln>
           <a:effectLst/>
           <a:extLst>
-            <a:ext uri="{909E8E84-426E-40DD-AFC4-6F175D3DCCD1}">
+            <a:ext uri="{909E8E84-426E-40dd-AFC4-6F175D3DCCD1}">
               <a14:hiddenFill xmlns:a14="http://schemas.microsoft.com/office/drawing/2010/main">
                 <a:solidFill>
                   <a:schemeClr val="accent1"/>
                 </a:solidFill>
               </a14:hiddenFill>
             </a:ext>
-            <a:ext uri="{91240B29-F687-4F45-9708-019B960494DF}">
+            <a:ext uri="{91240B29-F687-4f45-9708-019B960494DF}">
               <a14:hiddenLine xmlns:a14="http://schemas.microsoft.com/office/drawing/2010/main" w="9525">
                 <a:solidFill>
                   <a:schemeClr val="tx1"/>
@@ -6633,7 +6905,7 @@
                 <a:tailEnd/>
               </a14:hiddenLine>
             </a:ext>
-            <a:ext uri="{AF507438-7753-43E0-B8FC-AC1667EBCBE1}">
+            <a:ext uri="{AF507438-7753-43e0-B8FC-AC1667EBCBE1}">
               <a14:hiddenEffects xmlns:a14="http://schemas.microsoft.com/office/drawing/2010/main">
                 <a:effectLst>
                   <a:outerShdw dist="35921" dir="2700000" algn="ctr" rotWithShape="0">
@@ -6705,10 +6977,57 @@
           </a:p>
         </p:txBody>
       </p:sp>
+      <p:sp>
+        <p:nvSpPr>
+          <p:cNvPr id="3" name="Slide Number Placeholder 2"/>
+          <p:cNvSpPr>
+            <a:spLocks noGrp="1"/>
+          </p:cNvSpPr>
+          <p:nvPr>
+            <p:ph type="sldNum" sz="quarter" idx="12"/>
+          </p:nvPr>
+        </p:nvSpPr>
+        <p:spPr/>
+        <p:txBody>
+          <a:bodyPr/>
+          <a:lstStyle/>
+          <a:p>
+            <a:fld id="{3CE78DC2-C3EA-4731-B863-4FE22F9DFA93}" type="slidenum">
+              <a:rPr lang="en-US" smtClean="0"/>
+              <a:t>25</a:t>
+            </a:fld>
+            <a:endParaRPr lang="en-US"/>
+          </a:p>
+        </p:txBody>
+      </p:sp>
+      <p:pic>
+        <p:nvPicPr>
+          <p:cNvPr id="5" name="Picture 4"/>
+          <p:cNvPicPr>
+            <a:picLocks noChangeAspect="1"/>
+          </p:cNvPicPr>
+          <p:nvPr/>
+        </p:nvPicPr>
+        <p:blipFill>
+          <a:blip r:embed="rId4"/>
+          <a:stretch>
+            <a:fillRect/>
+          </a:stretch>
+        </p:blipFill>
+        <p:spPr>
+          <a:xfrm>
+            <a:off x="2463800" y="774700"/>
+            <a:ext cx="4216400" cy="5295900"/>
+          </a:xfrm>
+          <a:prstGeom prst="rect">
+            <a:avLst/>
+          </a:prstGeom>
+        </p:spPr>
+      </p:pic>
     </p:spTree>
     <p:extLst>
       <p:ext uri="{BB962C8B-B14F-4D97-AF65-F5344CB8AC3E}">
-        <p14:creationId xmlns:p14="http://schemas.microsoft.com/office/powerpoint/2010/main" val="1875810285"/>
+        <p14:creationId xmlns:p14="http://schemas.microsoft.com/office/powerpoint/2010/main" val="2095517914"/>
       </p:ext>
     </p:extLst>
   </p:cSld>
@@ -6718,230 +7037,7 @@
   <p:timing>
     <p:tnLst>
       <p:par>
-        <p:cTn id="1" dur="indefinite" restart="never" nodeType="tmRoot"/>
-      </p:par>
-    </p:tnLst>
-  </p:timing>
-</p:sld>
-</file>
-
-<file path=ppt/slides/slide3.xml><?xml version="1.0" encoding="utf-8"?>
-<p:sld xmlns:a="http://schemas.openxmlformats.org/drawingml/2006/main" xmlns:r="http://schemas.openxmlformats.org/officeDocument/2006/relationships" xmlns:p="http://schemas.openxmlformats.org/presentationml/2006/main">
-  <p:cSld>
-    <p:spTree>
-      <p:nvGrpSpPr>
-        <p:cNvPr id="1" name=""/>
-        <p:cNvGrpSpPr/>
-        <p:nvPr/>
-      </p:nvGrpSpPr>
-      <p:grpSpPr>
-        <a:xfrm>
-          <a:off x="0" y="0"/>
-          <a:ext cx="0" cy="0"/>
-          <a:chOff x="0" y="0"/>
-          <a:chExt cx="0" cy="0"/>
-        </a:xfrm>
-      </p:grpSpPr>
-      <p:sp>
-        <p:nvSpPr>
-          <p:cNvPr id="2" name="Title 1"/>
-          <p:cNvSpPr>
-            <a:spLocks noGrp="1"/>
-          </p:cNvSpPr>
-          <p:nvPr>
-            <p:ph type="title"/>
-          </p:nvPr>
-        </p:nvSpPr>
-        <p:spPr/>
-        <p:txBody>
-          <a:bodyPr/>
-          <a:lstStyle/>
-          <a:p>
-            <a:r>
-              <a:rPr lang="en-US" dirty="0" smtClean="0"/>
-              <a:t>About Phthalates</a:t>
-            </a:r>
-            <a:endParaRPr lang="en-US" dirty="0"/>
-          </a:p>
-        </p:txBody>
-      </p:sp>
-      <p:sp>
-        <p:nvSpPr>
-          <p:cNvPr id="3" name="Content Placeholder 2"/>
-          <p:cNvSpPr>
-            <a:spLocks noGrp="1"/>
-          </p:cNvSpPr>
-          <p:nvPr>
-            <p:ph idx="1"/>
-          </p:nvPr>
-        </p:nvSpPr>
-        <p:spPr/>
-        <p:txBody>
-          <a:bodyPr/>
-          <a:lstStyle/>
-          <a:p>
-            <a:r>
-              <a:rPr lang="en-US" dirty="0"/>
-              <a:t>Phthalates are a broad class of chemicals, some naturally present in foods, some used as plasticizers</a:t>
-            </a:r>
-          </a:p>
-          <a:p>
-            <a:pPr lvl="1"/>
-            <a:r>
-              <a:rPr lang="en-US" dirty="0" smtClean="0"/>
-              <a:t>may </a:t>
-            </a:r>
-            <a:r>
-              <a:rPr lang="en-US" dirty="0"/>
-              <a:t>be endocrine </a:t>
-            </a:r>
-            <a:r>
-              <a:rPr lang="en-US" dirty="0" smtClean="0"/>
-              <a:t>disruptors</a:t>
-            </a:r>
-          </a:p>
-          <a:p>
-            <a:r>
-              <a:rPr lang="en-US" dirty="0" smtClean="0"/>
-              <a:t>Hard to measure external dose – usually measure urinary metabolites</a:t>
-            </a:r>
-            <a:endParaRPr lang="en-US" dirty="0"/>
-          </a:p>
-        </p:txBody>
-      </p:sp>
-    </p:spTree>
-    <p:extLst>
-      <p:ext uri="{BB962C8B-B14F-4D97-AF65-F5344CB8AC3E}">
-        <p14:creationId xmlns:p14="http://schemas.microsoft.com/office/powerpoint/2010/main" val="18267510"/>
-      </p:ext>
-    </p:extLst>
-  </p:cSld>
-  <p:clrMapOvr>
-    <a:masterClrMapping/>
-  </p:clrMapOvr>
-  <p:timing>
-    <p:tnLst>
-      <p:par>
-        <p:cTn id="1" dur="indefinite" restart="never" nodeType="tmRoot"/>
-      </p:par>
-    </p:tnLst>
-  </p:timing>
-</p:sld>
-</file>
-
-<file path=ppt/slides/slide30.xml><?xml version="1.0" encoding="utf-8"?>
-<p:sld xmlns:a="http://schemas.openxmlformats.org/drawingml/2006/main" xmlns:r="http://schemas.openxmlformats.org/officeDocument/2006/relationships" xmlns:p="http://schemas.openxmlformats.org/presentationml/2006/main">
-  <p:cSld>
-    <p:spTree>
-      <p:nvGrpSpPr>
-        <p:cNvPr id="1" name=""/>
-        <p:cNvGrpSpPr/>
-        <p:nvPr/>
-      </p:nvGrpSpPr>
-      <p:grpSpPr>
-        <a:xfrm>
-          <a:off x="0" y="0"/>
-          <a:ext cx="0" cy="0"/>
-          <a:chOff x="0" y="0"/>
-          <a:chExt cx="0" cy="0"/>
-        </a:xfrm>
-      </p:grpSpPr>
-      <p:sp>
-        <p:nvSpPr>
-          <p:cNvPr id="2" name="Title 1"/>
-          <p:cNvSpPr>
-            <a:spLocks noGrp="1"/>
-          </p:cNvSpPr>
-          <p:nvPr>
-            <p:ph type="title"/>
-          </p:nvPr>
-        </p:nvSpPr>
-        <p:spPr/>
-        <p:txBody>
-          <a:bodyPr/>
-          <a:lstStyle/>
-          <a:p>
-            <a:r>
-              <a:rPr lang="en-US" dirty="0" smtClean="0"/>
-              <a:t>Conclusion</a:t>
-            </a:r>
-            <a:endParaRPr lang="en-US" dirty="0"/>
-          </a:p>
-        </p:txBody>
-      </p:sp>
-      <p:sp>
-        <p:nvSpPr>
-          <p:cNvPr id="3" name="Content Placeholder 2"/>
-          <p:cNvSpPr>
-            <a:spLocks noGrp="1"/>
-          </p:cNvSpPr>
-          <p:nvPr>
-            <p:ph idx="1"/>
-          </p:nvPr>
-        </p:nvSpPr>
-        <p:spPr/>
-        <p:txBody>
-          <a:bodyPr/>
-          <a:lstStyle/>
-          <a:p>
-            <a:r>
-              <a:rPr lang="en-US" dirty="0" smtClean="0"/>
-              <a:t>Pretty much the same</a:t>
-            </a:r>
-          </a:p>
-          <a:p>
-            <a:pPr lvl="1"/>
-            <a:r>
-              <a:rPr lang="en-US" dirty="0" smtClean="0"/>
-              <a:t>Paper was </a:t>
-            </a:r>
-            <a:r>
-              <a:rPr lang="en-US" dirty="0" smtClean="0"/>
-              <a:t>accepted</a:t>
-            </a:r>
-            <a:endParaRPr lang="en-US" dirty="0" smtClean="0"/>
-          </a:p>
-          <a:p>
-            <a:endParaRPr lang="en-US" dirty="0"/>
-          </a:p>
-          <a:p>
-            <a:r>
-              <a:rPr lang="en-US" dirty="0" smtClean="0"/>
-              <a:t>Confession: I sanity-checked against SAS, because I felt like I was in uncharted waters with the complex survey stuff</a:t>
-            </a:r>
-          </a:p>
-          <a:p>
-            <a:pPr lvl="1"/>
-            <a:r>
-              <a:rPr lang="en-US" dirty="0" smtClean="0"/>
-              <a:t>SAS does not allow specification of survey design, just weights (like </a:t>
-            </a:r>
-            <a:r>
-              <a:rPr lang="en-US" dirty="0" err="1" smtClean="0"/>
-              <a:t>FactoMineR</a:t>
-            </a:r>
-            <a:r>
-              <a:rPr lang="en-US" dirty="0" smtClean="0"/>
-              <a:t>)</a:t>
-            </a:r>
-            <a:endParaRPr lang="en-US" dirty="0"/>
-          </a:p>
-        </p:txBody>
-      </p:sp>
-    </p:spTree>
-    <p:extLst>
-      <p:ext uri="{BB962C8B-B14F-4D97-AF65-F5344CB8AC3E}">
-        <p14:creationId xmlns:p14="http://schemas.microsoft.com/office/powerpoint/2010/main" val="274603850"/>
-      </p:ext>
-    </p:extLst>
-  </p:cSld>
-  <p:clrMapOvr>
-    <a:masterClrMapping/>
-  </p:clrMapOvr>
-  <p:timing>
-    <p:tnLst>
-      <p:par>
-        <p:cTn id="1" dur="indefinite" restart="never" nodeType="tmRoot">
+        <p:cTn xmlns:p14="http://schemas.microsoft.com/office/powerpoint/2010/main" id="1" dur="indefinite" restart="never" nodeType="tmRoot">
           <p:childTnLst>
             <p:seq concurrent="1" nextAc="seek">
               <p:cTn id="2" dur="indefinite" nodeType="mainSeq">
@@ -6972,60 +7068,7 @@
                                           </p:stCondLst>
                                         </p:cTn>
                                         <p:tgtEl>
-                                          <p:spTgt spid="3">
-                                            <p:txEl>
-                                              <p:pRg st="3" end="3"/>
-                                            </p:txEl>
-                                          </p:spTgt>
-                                        </p:tgtEl>
-                                        <p:attrNameLst>
-                                          <p:attrName>style.visibility</p:attrName>
-                                        </p:attrNameLst>
-                                      </p:cBhvr>
-                                      <p:to>
-                                        <p:strVal val="visible"/>
-                                      </p:to>
-                                    </p:set>
-                                  </p:childTnLst>
-                                </p:cTn>
-                              </p:par>
-                            </p:childTnLst>
-                          </p:cTn>
-                        </p:par>
-                      </p:childTnLst>
-                    </p:cTn>
-                  </p:par>
-                  <p:par>
-                    <p:cTn id="7" fill="hold">
-                      <p:stCondLst>
-                        <p:cond delay="indefinite"/>
-                      </p:stCondLst>
-                      <p:childTnLst>
-                        <p:par>
-                          <p:cTn id="8" fill="hold">
-                            <p:stCondLst>
-                              <p:cond delay="0"/>
-                            </p:stCondLst>
-                            <p:childTnLst>
-                              <p:par>
-                                <p:cTn id="9" presetID="1" presetClass="entr" presetSubtype="0" fill="hold" nodeType="clickEffect">
-                                  <p:stCondLst>
-                                    <p:cond delay="0"/>
-                                  </p:stCondLst>
-                                  <p:childTnLst>
-                                    <p:set>
-                                      <p:cBhvr>
-                                        <p:cTn id="10" dur="1" fill="hold">
-                                          <p:stCondLst>
-                                            <p:cond delay="0"/>
-                                          </p:stCondLst>
-                                        </p:cTn>
-                                        <p:tgtEl>
-                                          <p:spTgt spid="3">
-                                            <p:txEl>
-                                              <p:pRg st="4" end="4"/>
-                                            </p:txEl>
-                                          </p:spTgt>
+                                          <p:spTgt spid="5"/>
                                         </p:tgtEl>
                                         <p:attrNameLst>
                                           <p:attrName>style.visibility</p:attrName>
@@ -7069,6 +7112,415 @@
 </p:sld>
 </file>
 
+<file path=ppt/slides/slide26.xml><?xml version="1.0" encoding="utf-8"?>
+<p:sld xmlns:a="http://schemas.openxmlformats.org/drawingml/2006/main" xmlns:r="http://schemas.openxmlformats.org/officeDocument/2006/relationships" xmlns:p="http://schemas.openxmlformats.org/presentationml/2006/main">
+  <p:cSld>
+    <p:spTree>
+      <p:nvGrpSpPr>
+        <p:cNvPr id="1" name=""/>
+        <p:cNvGrpSpPr/>
+        <p:nvPr/>
+      </p:nvGrpSpPr>
+      <p:grpSpPr>
+        <a:xfrm>
+          <a:off x="0" y="0"/>
+          <a:ext cx="0" cy="0"/>
+          <a:chOff x="0" y="0"/>
+          <a:chExt cx="0" cy="0"/>
+        </a:xfrm>
+      </p:grpSpPr>
+      <p:sp>
+        <p:nvSpPr>
+          <p:cNvPr id="2" name="Title 1"/>
+          <p:cNvSpPr>
+            <a:spLocks noGrp="1"/>
+          </p:cNvSpPr>
+          <p:nvPr>
+            <p:ph type="title"/>
+          </p:nvPr>
+        </p:nvSpPr>
+        <p:spPr/>
+        <p:txBody>
+          <a:bodyPr/>
+          <a:lstStyle/>
+          <a:p>
+            <a:r>
+              <a:rPr lang="en-US" dirty="0" smtClean="0"/>
+              <a:t>Complex survey weighting</a:t>
+            </a:r>
+            <a:endParaRPr lang="en-US" dirty="0"/>
+          </a:p>
+        </p:txBody>
+      </p:sp>
+      <p:sp>
+        <p:nvSpPr>
+          <p:cNvPr id="3" name="Content Placeholder 2"/>
+          <p:cNvSpPr>
+            <a:spLocks noGrp="1"/>
+          </p:cNvSpPr>
+          <p:nvPr>
+            <p:ph idx="1"/>
+          </p:nvPr>
+        </p:nvSpPr>
+        <p:spPr/>
+        <p:txBody>
+          <a:bodyPr>
+            <a:normAutofit fontScale="92500" lnSpcReduction="10000"/>
+          </a:bodyPr>
+          <a:lstStyle/>
+          <a:p>
+            <a:r>
+              <a:rPr lang="en-US" dirty="0" smtClean="0"/>
+              <a:t>Complex surveys often use clustered, stratified sampling</a:t>
+            </a:r>
+          </a:p>
+          <a:p>
+            <a:endParaRPr lang="en-US" dirty="0"/>
+          </a:p>
+          <a:p>
+            <a:r>
+              <a:rPr lang="en-US" dirty="0" smtClean="0"/>
+              <a:t>Not going to get into the details, but essentially, you need to specify the clusters and strata correctly to get the right standard errors</a:t>
+            </a:r>
+          </a:p>
+          <a:p>
+            <a:endParaRPr lang="en-US" dirty="0"/>
+          </a:p>
+          <a:p>
+            <a:r>
+              <a:rPr lang="en-US" dirty="0" smtClean="0"/>
+              <a:t>So, does just specifying the row weights work for us?</a:t>
+            </a:r>
+          </a:p>
+        </p:txBody>
+      </p:sp>
+      <p:sp>
+        <p:nvSpPr>
+          <p:cNvPr id="4" name="Slide Number Placeholder 3"/>
+          <p:cNvSpPr>
+            <a:spLocks noGrp="1"/>
+          </p:cNvSpPr>
+          <p:nvPr>
+            <p:ph type="sldNum" sz="quarter" idx="12"/>
+          </p:nvPr>
+        </p:nvSpPr>
+        <p:spPr/>
+        <p:txBody>
+          <a:bodyPr/>
+          <a:lstStyle/>
+          <a:p>
+            <a:fld id="{3CE78DC2-C3EA-4731-B863-4FE22F9DFA93}" type="slidenum">
+              <a:rPr lang="en-US" smtClean="0"/>
+              <a:t>26</a:t>
+            </a:fld>
+            <a:endParaRPr lang="en-US"/>
+          </a:p>
+        </p:txBody>
+      </p:sp>
+    </p:spTree>
+    <p:extLst>
+      <p:ext uri="{BB962C8B-B14F-4D97-AF65-F5344CB8AC3E}">
+        <p14:creationId xmlns:p14="http://schemas.microsoft.com/office/powerpoint/2010/main" val="2242131273"/>
+      </p:ext>
+    </p:extLst>
+  </p:cSld>
+  <p:clrMapOvr>
+    <a:masterClrMapping/>
+  </p:clrMapOvr>
+  <p:timing>
+    <p:tnLst>
+      <p:par>
+        <p:cTn xmlns:p14="http://schemas.microsoft.com/office/powerpoint/2010/main" id="1" dur="indefinite" restart="never" nodeType="tmRoot"/>
+      </p:par>
+    </p:tnLst>
+  </p:timing>
+</p:sld>
+</file>
+
+<file path=ppt/slides/slide27.xml><?xml version="1.0" encoding="utf-8"?>
+<p:sld xmlns:a="http://schemas.openxmlformats.org/drawingml/2006/main" xmlns:r="http://schemas.openxmlformats.org/officeDocument/2006/relationships" xmlns:p="http://schemas.openxmlformats.org/presentationml/2006/main">
+  <p:cSld>
+    <p:spTree>
+      <p:nvGrpSpPr>
+        <p:cNvPr id="1" name=""/>
+        <p:cNvGrpSpPr/>
+        <p:nvPr/>
+      </p:nvGrpSpPr>
+      <p:grpSpPr>
+        <a:xfrm>
+          <a:off x="0" y="0"/>
+          <a:ext cx="0" cy="0"/>
+          <a:chOff x="0" y="0"/>
+          <a:chExt cx="0" cy="0"/>
+        </a:xfrm>
+      </p:grpSpPr>
+      <p:sp>
+        <p:nvSpPr>
+          <p:cNvPr id="2" name="Title 1"/>
+          <p:cNvSpPr>
+            <a:spLocks noGrp="1"/>
+          </p:cNvSpPr>
+          <p:nvPr>
+            <p:ph type="title"/>
+          </p:nvPr>
+        </p:nvSpPr>
+        <p:spPr/>
+        <p:txBody>
+          <a:bodyPr>
+            <a:normAutofit/>
+          </a:bodyPr>
+          <a:lstStyle/>
+          <a:p>
+            <a:r>
+              <a:rPr lang="en-US" dirty="0" smtClean="0"/>
+              <a:t>PCAs and complex surveys</a:t>
+            </a:r>
+            <a:endParaRPr lang="en-US" dirty="0"/>
+          </a:p>
+        </p:txBody>
+      </p:sp>
+      <p:sp>
+        <p:nvSpPr>
+          <p:cNvPr id="3" name="Content Placeholder 2"/>
+          <p:cNvSpPr>
+            <a:spLocks noGrp="1"/>
+          </p:cNvSpPr>
+          <p:nvPr>
+            <p:ph idx="1"/>
+          </p:nvPr>
+        </p:nvSpPr>
+        <p:spPr/>
+        <p:txBody>
+          <a:bodyPr>
+            <a:normAutofit lnSpcReduction="10000"/>
+          </a:bodyPr>
+          <a:lstStyle/>
+          <a:p>
+            <a:r>
+              <a:rPr lang="en-US" dirty="0" smtClean="0"/>
+              <a:t>PCAs in complex survey data is an area of active research:</a:t>
+            </a:r>
+          </a:p>
+          <a:p>
+            <a:pPr lvl="1"/>
+            <a:r>
+              <a:rPr lang="en-US" dirty="0" smtClean="0"/>
+              <a:t>PCAs should account for the survey design, but they generally don't in practice</a:t>
+            </a:r>
+          </a:p>
+          <a:p>
+            <a:pPr lvl="1"/>
+            <a:r>
+              <a:rPr lang="en-US" dirty="0" smtClean="0"/>
+              <a:t>Technically, this is non-trivial</a:t>
+            </a:r>
+          </a:p>
+          <a:p>
+            <a:pPr lvl="1"/>
+            <a:r>
+              <a:rPr lang="en-US" dirty="0" smtClean="0"/>
+              <a:t>Biases do not appear to be huge for our purposes here</a:t>
+            </a:r>
+          </a:p>
+          <a:p>
+            <a:pPr lvl="1"/>
+            <a:r>
+              <a:rPr lang="en-US" dirty="0" smtClean="0"/>
+              <a:t>Read </a:t>
+            </a:r>
+            <a:r>
+              <a:rPr lang="en-US" dirty="0"/>
+              <a:t>more: https://www.amstat.org/sections/SRMS/Proceedings/y2008/Files/302340.</a:t>
+            </a:r>
+            <a:r>
+              <a:rPr lang="en-US" dirty="0" smtClean="0"/>
+              <a:t>pdf</a:t>
+            </a:r>
+          </a:p>
+          <a:p>
+            <a:pPr lvl="1"/>
+            <a:r>
+              <a:rPr lang="en-US" dirty="0" smtClean="0"/>
+              <a:t>(Sample code in </a:t>
+            </a:r>
+            <a:r>
+              <a:rPr lang="en-US" smtClean="0"/>
+              <a:t>accompanying file)</a:t>
+            </a:r>
+            <a:endParaRPr lang="en-US" dirty="0"/>
+          </a:p>
+        </p:txBody>
+      </p:sp>
+      <p:sp>
+        <p:nvSpPr>
+          <p:cNvPr id="4" name="Slide Number Placeholder 3"/>
+          <p:cNvSpPr>
+            <a:spLocks noGrp="1"/>
+          </p:cNvSpPr>
+          <p:nvPr>
+            <p:ph type="sldNum" sz="quarter" idx="12"/>
+          </p:nvPr>
+        </p:nvSpPr>
+        <p:spPr/>
+        <p:txBody>
+          <a:bodyPr/>
+          <a:lstStyle/>
+          <a:p>
+            <a:fld id="{3CE78DC2-C3EA-4731-B863-4FE22F9DFA93}" type="slidenum">
+              <a:rPr lang="en-US" smtClean="0"/>
+              <a:t>27</a:t>
+            </a:fld>
+            <a:endParaRPr lang="en-US"/>
+          </a:p>
+        </p:txBody>
+      </p:sp>
+    </p:spTree>
+    <p:extLst>
+      <p:ext uri="{BB962C8B-B14F-4D97-AF65-F5344CB8AC3E}">
+        <p14:creationId xmlns:p14="http://schemas.microsoft.com/office/powerpoint/2010/main" val="4050463418"/>
+      </p:ext>
+    </p:extLst>
+  </p:cSld>
+  <p:clrMapOvr>
+    <a:masterClrMapping/>
+  </p:clrMapOvr>
+  <p:timing>
+    <p:tnLst>
+      <p:par>
+        <p:cTn xmlns:p14="http://schemas.microsoft.com/office/powerpoint/2010/main" id="1" dur="indefinite" restart="never" nodeType="tmRoot"/>
+      </p:par>
+    </p:tnLst>
+  </p:timing>
+</p:sld>
+</file>
+
+<file path=ppt/slides/slide3.xml><?xml version="1.0" encoding="utf-8"?>
+<p:sld xmlns:a="http://schemas.openxmlformats.org/drawingml/2006/main" xmlns:r="http://schemas.openxmlformats.org/officeDocument/2006/relationships" xmlns:p="http://schemas.openxmlformats.org/presentationml/2006/main">
+  <p:cSld>
+    <p:spTree>
+      <p:nvGrpSpPr>
+        <p:cNvPr id="1" name=""/>
+        <p:cNvGrpSpPr/>
+        <p:nvPr/>
+      </p:nvGrpSpPr>
+      <p:grpSpPr>
+        <a:xfrm>
+          <a:off x="0" y="0"/>
+          <a:ext cx="0" cy="0"/>
+          <a:chOff x="0" y="0"/>
+          <a:chExt cx="0" cy="0"/>
+        </a:xfrm>
+      </p:grpSpPr>
+      <p:sp>
+        <p:nvSpPr>
+          <p:cNvPr id="2" name="Title 1"/>
+          <p:cNvSpPr>
+            <a:spLocks noGrp="1"/>
+          </p:cNvSpPr>
+          <p:nvPr>
+            <p:ph type="title"/>
+          </p:nvPr>
+        </p:nvSpPr>
+        <p:spPr/>
+        <p:txBody>
+          <a:bodyPr/>
+          <a:lstStyle/>
+          <a:p>
+            <a:r>
+              <a:rPr lang="en-US" dirty="0" smtClean="0"/>
+              <a:t>About Phthalates</a:t>
+            </a:r>
+            <a:endParaRPr lang="en-US" dirty="0"/>
+          </a:p>
+        </p:txBody>
+      </p:sp>
+      <p:sp>
+        <p:nvSpPr>
+          <p:cNvPr id="3" name="Content Placeholder 2"/>
+          <p:cNvSpPr>
+            <a:spLocks noGrp="1"/>
+          </p:cNvSpPr>
+          <p:nvPr>
+            <p:ph idx="1"/>
+          </p:nvPr>
+        </p:nvSpPr>
+        <p:spPr/>
+        <p:txBody>
+          <a:bodyPr/>
+          <a:lstStyle/>
+          <a:p>
+            <a:r>
+              <a:rPr lang="en-US" dirty="0"/>
+              <a:t>Phthalates are a broad class of chemicals, some naturally present in foods, some used as plasticizers</a:t>
+            </a:r>
+          </a:p>
+          <a:p>
+            <a:pPr lvl="1"/>
+            <a:r>
+              <a:rPr lang="en-US" dirty="0" smtClean="0"/>
+              <a:t>may </a:t>
+            </a:r>
+            <a:r>
+              <a:rPr lang="en-US" dirty="0"/>
+              <a:t>be endocrine </a:t>
+            </a:r>
+            <a:r>
+              <a:rPr lang="en-US" dirty="0" smtClean="0"/>
+              <a:t>disruptors</a:t>
+            </a:r>
+          </a:p>
+          <a:p>
+            <a:r>
+              <a:rPr lang="en-US" dirty="0" smtClean="0"/>
+              <a:t>Hard to measure external dose – usually measure urinary metabolites</a:t>
+            </a:r>
+            <a:endParaRPr lang="en-US" dirty="0"/>
+          </a:p>
+        </p:txBody>
+      </p:sp>
+      <p:sp>
+        <p:nvSpPr>
+          <p:cNvPr id="4" name="Slide Number Placeholder 3"/>
+          <p:cNvSpPr>
+            <a:spLocks noGrp="1"/>
+          </p:cNvSpPr>
+          <p:nvPr>
+            <p:ph type="sldNum" sz="quarter" idx="12"/>
+          </p:nvPr>
+        </p:nvSpPr>
+        <p:spPr/>
+        <p:txBody>
+          <a:bodyPr/>
+          <a:lstStyle/>
+          <a:p>
+            <a:fld id="{3CE78DC2-C3EA-4731-B863-4FE22F9DFA93}" type="slidenum">
+              <a:rPr lang="en-US" smtClean="0"/>
+              <a:t>3</a:t>
+            </a:fld>
+            <a:endParaRPr lang="en-US"/>
+          </a:p>
+        </p:txBody>
+      </p:sp>
+    </p:spTree>
+    <p:extLst>
+      <p:ext uri="{BB962C8B-B14F-4D97-AF65-F5344CB8AC3E}">
+        <p14:creationId xmlns:p14="http://schemas.microsoft.com/office/powerpoint/2010/main" val="18267510"/>
+      </p:ext>
+    </p:extLst>
+  </p:cSld>
+  <p:clrMapOvr>
+    <a:masterClrMapping/>
+  </p:clrMapOvr>
+  <p:timing>
+    <p:tnLst>
+      <p:par>
+        <p:cTn xmlns:p14="http://schemas.microsoft.com/office/powerpoint/2010/main" id="1" dur="indefinite" restart="never" nodeType="tmRoot"/>
+      </p:par>
+    </p:tnLst>
+  </p:timing>
+</p:sld>
+</file>
+
 <file path=ppt/slides/slide4.xml><?xml version="1.0" encoding="utf-8"?>
 <p:sld xmlns:a="http://schemas.openxmlformats.org/drawingml/2006/main" xmlns:r="http://schemas.openxmlformats.org/officeDocument/2006/relationships" xmlns:p="http://schemas.openxmlformats.org/presentationml/2006/main">
   <p:cSld>
@@ -7174,14 +7626,14 @@
           </a:ln>
           <a:effectLst/>
           <a:extLst>
-            <a:ext uri="{909E8E84-426E-40DD-AFC4-6F175D3DCCD1}">
+            <a:ext uri="{909E8E84-426E-40dd-AFC4-6F175D3DCCD1}">
               <a14:hiddenFill xmlns:a14="http://schemas.microsoft.com/office/drawing/2010/main">
                 <a:solidFill>
                   <a:schemeClr val="accent1"/>
                 </a:solidFill>
               </a14:hiddenFill>
             </a:ext>
-            <a:ext uri="{91240B29-F687-4F45-9708-019B960494DF}">
+            <a:ext uri="{91240B29-F687-4f45-9708-019B960494DF}">
               <a14:hiddenLine xmlns:a14="http://schemas.microsoft.com/office/drawing/2010/main" w="9525">
                 <a:solidFill>
                   <a:schemeClr val="tx1"/>
@@ -7191,7 +7643,7 @@
                 <a:tailEnd/>
               </a14:hiddenLine>
             </a:ext>
-            <a:ext uri="{AF507438-7753-43E0-B8FC-AC1667EBCBE1}">
+            <a:ext uri="{AF507438-7753-43e0-B8FC-AC1667EBCBE1}">
               <a14:hiddenEffects xmlns:a14="http://schemas.microsoft.com/office/drawing/2010/main">
                 <a:effectLst>
                   <a:outerShdw dist="35921" dir="2700000" algn="ctr" rotWithShape="0">
@@ -7203,6 +7655,29 @@
           </a:extLst>
         </p:spPr>
       </p:pic>
+      <p:sp>
+        <p:nvSpPr>
+          <p:cNvPr id="4" name="Slide Number Placeholder 3"/>
+          <p:cNvSpPr>
+            <a:spLocks noGrp="1"/>
+          </p:cNvSpPr>
+          <p:nvPr>
+            <p:ph type="sldNum" sz="quarter" idx="12"/>
+          </p:nvPr>
+        </p:nvSpPr>
+        <p:spPr/>
+        <p:txBody>
+          <a:bodyPr/>
+          <a:lstStyle/>
+          <a:p>
+            <a:fld id="{3CE78DC2-C3EA-4731-B863-4FE22F9DFA93}" type="slidenum">
+              <a:rPr lang="en-US" smtClean="0"/>
+              <a:t>4</a:t>
+            </a:fld>
+            <a:endParaRPr lang="en-US"/>
+          </a:p>
+        </p:txBody>
+      </p:sp>
     </p:spTree>
     <p:extLst>
       <p:ext uri="{BB962C8B-B14F-4D97-AF65-F5344CB8AC3E}">
@@ -7216,7 +7691,7 @@
   <p:timing>
     <p:tnLst>
       <p:par>
-        <p:cTn id="1" dur="indefinite" restart="never" nodeType="tmRoot"/>
+        <p:cTn xmlns:p14="http://schemas.microsoft.com/office/powerpoint/2010/main" id="1" dur="indefinite" restart="never" nodeType="tmRoot"/>
       </p:par>
     </p:tnLst>
   </p:timing>
@@ -7323,6 +7798,29 @@
           </a:p>
         </p:txBody>
       </p:sp>
+      <p:sp>
+        <p:nvSpPr>
+          <p:cNvPr id="4" name="Slide Number Placeholder 3"/>
+          <p:cNvSpPr>
+            <a:spLocks noGrp="1"/>
+          </p:cNvSpPr>
+          <p:nvPr>
+            <p:ph type="sldNum" sz="quarter" idx="12"/>
+          </p:nvPr>
+        </p:nvSpPr>
+        <p:spPr/>
+        <p:txBody>
+          <a:bodyPr/>
+          <a:lstStyle/>
+          <a:p>
+            <a:fld id="{3CE78DC2-C3EA-4731-B863-4FE22F9DFA93}" type="slidenum">
+              <a:rPr lang="en-US" smtClean="0"/>
+              <a:t>5</a:t>
+            </a:fld>
+            <a:endParaRPr lang="en-US"/>
+          </a:p>
+        </p:txBody>
+      </p:sp>
     </p:spTree>
     <p:extLst>
       <p:ext uri="{BB962C8B-B14F-4D97-AF65-F5344CB8AC3E}">
@@ -7336,7 +7834,7 @@
   <p:timing>
     <p:tnLst>
       <p:par>
-        <p:cTn id="1" dur="indefinite" restart="never" nodeType="tmRoot"/>
+        <p:cTn xmlns:p14="http://schemas.microsoft.com/office/powerpoint/2010/main" id="1" dur="indefinite" restart="never" nodeType="tmRoot"/>
       </p:par>
     </p:tnLst>
   </p:timing>
@@ -7414,6 +7912,29 @@
           </a:p>
         </p:txBody>
       </p:sp>
+      <p:sp>
+        <p:nvSpPr>
+          <p:cNvPr id="4" name="Slide Number Placeholder 3"/>
+          <p:cNvSpPr>
+            <a:spLocks noGrp="1"/>
+          </p:cNvSpPr>
+          <p:nvPr>
+            <p:ph type="sldNum" sz="quarter" idx="12"/>
+          </p:nvPr>
+        </p:nvSpPr>
+        <p:spPr/>
+        <p:txBody>
+          <a:bodyPr/>
+          <a:lstStyle/>
+          <a:p>
+            <a:fld id="{3CE78DC2-C3EA-4731-B863-4FE22F9DFA93}" type="slidenum">
+              <a:rPr lang="en-US" smtClean="0"/>
+              <a:t>6</a:t>
+            </a:fld>
+            <a:endParaRPr lang="en-US"/>
+          </a:p>
+        </p:txBody>
+      </p:sp>
     </p:spTree>
     <p:extLst>
       <p:ext uri="{BB962C8B-B14F-4D97-AF65-F5344CB8AC3E}">
@@ -7427,7 +7948,7 @@
   <p:timing>
     <p:tnLst>
       <p:par>
-        <p:cTn id="1" dur="indefinite" restart="never" nodeType="tmRoot"/>
+        <p:cTn xmlns:p14="http://schemas.microsoft.com/office/powerpoint/2010/main" id="1" dur="indefinite" restart="never" nodeType="tmRoot"/>
       </p:par>
     </p:tnLst>
   </p:timing>
@@ -7528,7 +8049,7 @@
           </a:prstGeom>
           <a:noFill/>
           <a:extLst>
-            <a:ext uri="{909E8E84-426E-40DD-AFC4-6F175D3DCCD1}">
+            <a:ext uri="{909E8E84-426E-40dd-AFC4-6F175D3DCCD1}">
               <a14:hiddenFill xmlns:a14="http://schemas.microsoft.com/office/drawing/2010/main">
                 <a:solidFill>
                   <a:srgbClr val="FFFFFF"/>
@@ -7538,6 +8059,29 @@
           </a:extLst>
         </p:spPr>
       </p:pic>
+      <p:sp>
+        <p:nvSpPr>
+          <p:cNvPr id="4" name="Slide Number Placeholder 3"/>
+          <p:cNvSpPr>
+            <a:spLocks noGrp="1"/>
+          </p:cNvSpPr>
+          <p:nvPr>
+            <p:ph type="sldNum" sz="quarter" idx="12"/>
+          </p:nvPr>
+        </p:nvSpPr>
+        <p:spPr/>
+        <p:txBody>
+          <a:bodyPr/>
+          <a:lstStyle/>
+          <a:p>
+            <a:fld id="{3CE78DC2-C3EA-4731-B863-4FE22F9DFA93}" type="slidenum">
+              <a:rPr lang="en-US" smtClean="0"/>
+              <a:t>7</a:t>
+            </a:fld>
+            <a:endParaRPr lang="en-US"/>
+          </a:p>
+        </p:txBody>
+      </p:sp>
     </p:spTree>
     <p:extLst>
       <p:ext uri="{BB962C8B-B14F-4D97-AF65-F5344CB8AC3E}">
@@ -7551,7 +8095,7 @@
   <p:timing>
     <p:tnLst>
       <p:par>
-        <p:cTn id="1" dur="indefinite" restart="never" nodeType="tmRoot"/>
+        <p:cTn xmlns:p14="http://schemas.microsoft.com/office/powerpoint/2010/main" id="1" dur="indefinite" restart="never" nodeType="tmRoot"/>
       </p:par>
     </p:tnLst>
   </p:timing>
@@ -7617,16 +8161,34 @@
           <a:p>
             <a:r>
               <a:rPr lang="en-US" dirty="0" smtClean="0"/>
-              <a:t>See how similar the components identified by a PCA for NHANES women age 15-45 are to the components identified by the PCA in the </a:t>
-            </a:r>
-            <a:r>
-              <a:rPr lang="en-US" dirty="0" smtClean="0"/>
-              <a:t>our cohort</a:t>
-            </a:r>
-            <a:endParaRPr lang="en-US" dirty="0" smtClean="0"/>
+              <a:t>See how similar the components identified by a PCA for NHANES women age 15-45 are to the components identified by the PCA in the our cohort</a:t>
+            </a:r>
           </a:p>
           <a:p>
             <a:endParaRPr lang="en-US" dirty="0"/>
+          </a:p>
+        </p:txBody>
+      </p:sp>
+      <p:sp>
+        <p:nvSpPr>
+          <p:cNvPr id="4" name="Slide Number Placeholder 3"/>
+          <p:cNvSpPr>
+            <a:spLocks noGrp="1"/>
+          </p:cNvSpPr>
+          <p:nvPr>
+            <p:ph type="sldNum" sz="quarter" idx="12"/>
+          </p:nvPr>
+        </p:nvSpPr>
+        <p:spPr/>
+        <p:txBody>
+          <a:bodyPr/>
+          <a:lstStyle/>
+          <a:p>
+            <a:fld id="{3CE78DC2-C3EA-4731-B863-4FE22F9DFA93}" type="slidenum">
+              <a:rPr lang="en-US" smtClean="0"/>
+              <a:t>8</a:t>
+            </a:fld>
+            <a:endParaRPr lang="en-US"/>
           </a:p>
         </p:txBody>
       </p:sp>
@@ -7643,7 +8205,7 @@
   <p:timing>
     <p:tnLst>
       <p:par>
-        <p:cTn id="1" dur="indefinite" restart="never" nodeType="tmRoot"/>
+        <p:cTn xmlns:p14="http://schemas.microsoft.com/office/powerpoint/2010/main" id="1" dur="indefinite" restart="never" nodeType="tmRoot"/>
       </p:par>
     </p:tnLst>
   </p:timing>
@@ -7778,6 +8340,29 @@
           </a:p>
         </p:txBody>
       </p:sp>
+      <p:sp>
+        <p:nvSpPr>
+          <p:cNvPr id="4" name="Slide Number Placeholder 3"/>
+          <p:cNvSpPr>
+            <a:spLocks noGrp="1"/>
+          </p:cNvSpPr>
+          <p:nvPr>
+            <p:ph type="sldNum" sz="quarter" idx="12"/>
+          </p:nvPr>
+        </p:nvSpPr>
+        <p:spPr/>
+        <p:txBody>
+          <a:bodyPr/>
+          <a:lstStyle/>
+          <a:p>
+            <a:fld id="{3CE78DC2-C3EA-4731-B863-4FE22F9DFA93}" type="slidenum">
+              <a:rPr lang="en-US" smtClean="0"/>
+              <a:t>9</a:t>
+            </a:fld>
+            <a:endParaRPr lang="en-US"/>
+          </a:p>
+        </p:txBody>
+      </p:sp>
     </p:spTree>
     <p:extLst>
       <p:ext uri="{BB962C8B-B14F-4D97-AF65-F5344CB8AC3E}">
@@ -7791,7 +8376,7 @@
   <p:timing>
     <p:tnLst>
       <p:par>
-        <p:cTn id="1" dur="indefinite" restart="never" nodeType="tmRoot"/>
+        <p:cTn xmlns:p14="http://schemas.microsoft.com/office/powerpoint/2010/main" id="1" dur="indefinite" restart="never" nodeType="tmRoot"/>
       </p:par>
     </p:tnLst>
   </p:timing>
@@ -8085,4 +8670,644 @@
   <a:objectDefaults/>
   <a:extraClrSchemeLst/>
 </a:theme>
+</file>
+
+<file path=ppt/theme/theme2.xml><?xml version="1.0" encoding="utf-8"?>
+<a:theme xmlns:a="http://schemas.openxmlformats.org/drawingml/2006/main" name="Office Theme">
+  <a:themeElements>
+    <a:clrScheme name="Office">
+      <a:dk1>
+        <a:sysClr val="windowText" lastClr="000000"/>
+      </a:dk1>
+      <a:lt1>
+        <a:sysClr val="window" lastClr="FFFFFF"/>
+      </a:lt1>
+      <a:dk2>
+        <a:srgbClr val="1F497D"/>
+      </a:dk2>
+      <a:lt2>
+        <a:srgbClr val="EEECE1"/>
+      </a:lt2>
+      <a:accent1>
+        <a:srgbClr val="4F81BD"/>
+      </a:accent1>
+      <a:accent2>
+        <a:srgbClr val="C0504D"/>
+      </a:accent2>
+      <a:accent3>
+        <a:srgbClr val="9BBB59"/>
+      </a:accent3>
+      <a:accent4>
+        <a:srgbClr val="8064A2"/>
+      </a:accent4>
+      <a:accent5>
+        <a:srgbClr val="4BACC6"/>
+      </a:accent5>
+      <a:accent6>
+        <a:srgbClr val="F79646"/>
+      </a:accent6>
+      <a:hlink>
+        <a:srgbClr val="0000FF"/>
+      </a:hlink>
+      <a:folHlink>
+        <a:srgbClr val="800080"/>
+      </a:folHlink>
+    </a:clrScheme>
+    <a:fontScheme name="Office">
+      <a:majorFont>
+        <a:latin typeface="Calibri"/>
+        <a:ea typeface=""/>
+        <a:cs typeface=""/>
+        <a:font script="Jpan" typeface="ＭＳ Ｐゴシック"/>
+        <a:font script="Hang" typeface="맑은 고딕"/>
+        <a:font script="Hans" typeface="宋体"/>
+        <a:font script="Hant" typeface="新細明體"/>
+        <a:font script="Arab" typeface="Times New Roman"/>
+        <a:font script="Hebr" typeface="Times New Roman"/>
+        <a:font script="Thai" typeface="Angsana New"/>
+        <a:font script="Ethi" typeface="Nyala"/>
+        <a:font script="Beng" typeface="Vrinda"/>
+        <a:font script="Gujr" typeface="Shruti"/>
+        <a:font script="Khmr" typeface="MoolBoran"/>
+        <a:font script="Knda" typeface="Tunga"/>
+        <a:font script="Guru" typeface="Raavi"/>
+        <a:font script="Cans" typeface="Euphemia"/>
+        <a:font script="Cher" typeface="Plantagenet Cherokee"/>
+        <a:font script="Yiii" typeface="Microsoft Yi Baiti"/>
+        <a:font script="Tibt" typeface="Microsoft Himalaya"/>
+        <a:font script="Thaa" typeface="MV Boli"/>
+        <a:font script="Deva" typeface="Mangal"/>
+        <a:font script="Telu" typeface="Gautami"/>
+        <a:font script="Taml" typeface="Latha"/>
+        <a:font script="Syrc" typeface="Estrangelo Edessa"/>
+        <a:font script="Orya" typeface="Kalinga"/>
+        <a:font script="Mlym" typeface="Kartika"/>
+        <a:font script="Laoo" typeface="DokChampa"/>
+        <a:font script="Sinh" typeface="Iskoola Pota"/>
+        <a:font script="Mong" typeface="Mongolian Baiti"/>
+        <a:font script="Viet" typeface="Times New Roman"/>
+        <a:font script="Uigh" typeface="Microsoft Uighur"/>
+        <a:font script="Geor" typeface="Sylfaen"/>
+      </a:majorFont>
+      <a:minorFont>
+        <a:latin typeface="Calibri"/>
+        <a:ea typeface=""/>
+        <a:cs typeface=""/>
+        <a:font script="Jpan" typeface="ＭＳ Ｐゴシック"/>
+        <a:font script="Hang" typeface="맑은 고딕"/>
+        <a:font script="Hans" typeface="宋体"/>
+        <a:font script="Hant" typeface="新細明體"/>
+        <a:font script="Arab" typeface="Arial"/>
+        <a:font script="Hebr" typeface="Arial"/>
+        <a:font script="Thai" typeface="Cordia New"/>
+        <a:font script="Ethi" typeface="Nyala"/>
+        <a:font script="Beng" typeface="Vrinda"/>
+        <a:font script="Gujr" typeface="Shruti"/>
+        <a:font script="Khmr" typeface="DaunPenh"/>
+        <a:font script="Knda" typeface="Tunga"/>
+        <a:font script="Guru" typeface="Raavi"/>
+        <a:font script="Cans" typeface="Euphemia"/>
+        <a:font script="Cher" typeface="Plantagenet Cherokee"/>
+        <a:font script="Yiii" typeface="Microsoft Yi Baiti"/>
+        <a:font script="Tibt" typeface="Microsoft Himalaya"/>
+        <a:font script="Thaa" typeface="MV Boli"/>
+        <a:font script="Deva" typeface="Mangal"/>
+        <a:font script="Telu" typeface="Gautami"/>
+        <a:font script="Taml" typeface="Latha"/>
+        <a:font script="Syrc" typeface="Estrangelo Edessa"/>
+        <a:font script="Orya" typeface="Kalinga"/>
+        <a:font script="Mlym" typeface="Kartika"/>
+        <a:font script="Laoo" typeface="DokChampa"/>
+        <a:font script="Sinh" typeface="Iskoola Pota"/>
+        <a:font script="Mong" typeface="Mongolian Baiti"/>
+        <a:font script="Viet" typeface="Arial"/>
+        <a:font script="Uigh" typeface="Microsoft Uighur"/>
+        <a:font script="Geor" typeface="Sylfaen"/>
+      </a:minorFont>
+    </a:fontScheme>
+    <a:fmtScheme name="Office">
+      <a:fillStyleLst>
+        <a:solidFill>
+          <a:schemeClr val="phClr"/>
+        </a:solidFill>
+        <a:gradFill rotWithShape="1">
+          <a:gsLst>
+            <a:gs pos="0">
+              <a:schemeClr val="phClr">
+                <a:tint val="50000"/>
+                <a:satMod val="300000"/>
+              </a:schemeClr>
+            </a:gs>
+            <a:gs pos="35000">
+              <a:schemeClr val="phClr">
+                <a:tint val="37000"/>
+                <a:satMod val="300000"/>
+              </a:schemeClr>
+            </a:gs>
+            <a:gs pos="100000">
+              <a:schemeClr val="phClr">
+                <a:tint val="15000"/>
+                <a:satMod val="350000"/>
+              </a:schemeClr>
+            </a:gs>
+          </a:gsLst>
+          <a:lin ang="16200000" scaled="1"/>
+        </a:gradFill>
+        <a:gradFill rotWithShape="1">
+          <a:gsLst>
+            <a:gs pos="0">
+              <a:schemeClr val="phClr">
+                <a:tint val="100000"/>
+                <a:shade val="100000"/>
+                <a:satMod val="130000"/>
+              </a:schemeClr>
+            </a:gs>
+            <a:gs pos="100000">
+              <a:schemeClr val="phClr">
+                <a:tint val="50000"/>
+                <a:shade val="100000"/>
+                <a:satMod val="350000"/>
+              </a:schemeClr>
+            </a:gs>
+          </a:gsLst>
+          <a:lin ang="16200000" scaled="0"/>
+        </a:gradFill>
+      </a:fillStyleLst>
+      <a:lnStyleLst>
+        <a:ln w="9525" cap="flat" cmpd="sng" algn="ctr">
+          <a:solidFill>
+            <a:schemeClr val="phClr">
+              <a:shade val="95000"/>
+              <a:satMod val="105000"/>
+            </a:schemeClr>
+          </a:solidFill>
+          <a:prstDash val="solid"/>
+        </a:ln>
+        <a:ln w="25400" cap="flat" cmpd="sng" algn="ctr">
+          <a:solidFill>
+            <a:schemeClr val="phClr"/>
+          </a:solidFill>
+          <a:prstDash val="solid"/>
+        </a:ln>
+        <a:ln w="38100" cap="flat" cmpd="sng" algn="ctr">
+          <a:solidFill>
+            <a:schemeClr val="phClr"/>
+          </a:solidFill>
+          <a:prstDash val="solid"/>
+        </a:ln>
+      </a:lnStyleLst>
+      <a:effectStyleLst>
+        <a:effectStyle>
+          <a:effectLst>
+            <a:outerShdw blurRad="40000" dist="20000" dir="5400000" rotWithShape="0">
+              <a:srgbClr val="000000">
+                <a:alpha val="38000"/>
+              </a:srgbClr>
+            </a:outerShdw>
+          </a:effectLst>
+        </a:effectStyle>
+        <a:effectStyle>
+          <a:effectLst>
+            <a:outerShdw blurRad="40000" dist="23000" dir="5400000" rotWithShape="0">
+              <a:srgbClr val="000000">
+                <a:alpha val="35000"/>
+              </a:srgbClr>
+            </a:outerShdw>
+          </a:effectLst>
+        </a:effectStyle>
+        <a:effectStyle>
+          <a:effectLst>
+            <a:outerShdw blurRad="40000" dist="23000" dir="5400000" rotWithShape="0">
+              <a:srgbClr val="000000">
+                <a:alpha val="35000"/>
+              </a:srgbClr>
+            </a:outerShdw>
+          </a:effectLst>
+          <a:scene3d>
+            <a:camera prst="orthographicFront">
+              <a:rot lat="0" lon="0" rev="0"/>
+            </a:camera>
+            <a:lightRig rig="threePt" dir="t">
+              <a:rot lat="0" lon="0" rev="1200000"/>
+            </a:lightRig>
+          </a:scene3d>
+          <a:sp3d>
+            <a:bevelT w="63500" h="25400"/>
+          </a:sp3d>
+        </a:effectStyle>
+      </a:effectStyleLst>
+      <a:bgFillStyleLst>
+        <a:solidFill>
+          <a:schemeClr val="phClr"/>
+        </a:solidFill>
+        <a:gradFill rotWithShape="1">
+          <a:gsLst>
+            <a:gs pos="0">
+              <a:schemeClr val="phClr">
+                <a:tint val="40000"/>
+                <a:satMod val="350000"/>
+              </a:schemeClr>
+            </a:gs>
+            <a:gs pos="40000">
+              <a:schemeClr val="phClr">
+                <a:tint val="45000"/>
+                <a:shade val="99000"/>
+                <a:satMod val="350000"/>
+              </a:schemeClr>
+            </a:gs>
+            <a:gs pos="100000">
+              <a:schemeClr val="phClr">
+                <a:shade val="20000"/>
+                <a:satMod val="255000"/>
+              </a:schemeClr>
+            </a:gs>
+          </a:gsLst>
+          <a:path path="circle">
+            <a:fillToRect l="50000" t="-80000" r="50000" b="180000"/>
+          </a:path>
+        </a:gradFill>
+        <a:gradFill rotWithShape="1">
+          <a:gsLst>
+            <a:gs pos="0">
+              <a:schemeClr val="phClr">
+                <a:tint val="80000"/>
+                <a:satMod val="300000"/>
+              </a:schemeClr>
+            </a:gs>
+            <a:gs pos="100000">
+              <a:schemeClr val="phClr">
+                <a:shade val="30000"/>
+                <a:satMod val="200000"/>
+              </a:schemeClr>
+            </a:gs>
+          </a:gsLst>
+          <a:path path="circle">
+            <a:fillToRect l="50000" t="50000" r="50000" b="50000"/>
+          </a:path>
+        </a:gradFill>
+      </a:bgFillStyleLst>
+    </a:fmtScheme>
+  </a:themeElements>
+  <a:objectDefaults>
+    <a:spDef>
+      <a:spPr/>
+      <a:bodyPr/>
+      <a:lstStyle/>
+      <a:style>
+        <a:lnRef idx="1">
+          <a:schemeClr val="accent1"/>
+        </a:lnRef>
+        <a:fillRef idx="3">
+          <a:schemeClr val="accent1"/>
+        </a:fillRef>
+        <a:effectRef idx="2">
+          <a:schemeClr val="accent1"/>
+        </a:effectRef>
+        <a:fontRef idx="minor">
+          <a:schemeClr val="lt1"/>
+        </a:fontRef>
+      </a:style>
+    </a:spDef>
+    <a:lnDef>
+      <a:spPr/>
+      <a:bodyPr/>
+      <a:lstStyle/>
+      <a:style>
+        <a:lnRef idx="2">
+          <a:schemeClr val="accent1"/>
+        </a:lnRef>
+        <a:fillRef idx="0">
+          <a:schemeClr val="accent1"/>
+        </a:fillRef>
+        <a:effectRef idx="1">
+          <a:schemeClr val="accent1"/>
+        </a:effectRef>
+        <a:fontRef idx="minor">
+          <a:schemeClr val="tx1"/>
+        </a:fontRef>
+      </a:style>
+    </a:lnDef>
+  </a:objectDefaults>
+  <a:extraClrSchemeLst/>
+</a:theme>
+</file>
+
+<file path=ppt/theme/theme3.xml><?xml version="1.0" encoding="utf-8"?>
+<a:theme xmlns:a="http://schemas.openxmlformats.org/drawingml/2006/main" name="Office Theme">
+  <a:themeElements>
+    <a:clrScheme name="Office">
+      <a:dk1>
+        <a:sysClr val="windowText" lastClr="000000"/>
+      </a:dk1>
+      <a:lt1>
+        <a:sysClr val="window" lastClr="FFFFFF"/>
+      </a:lt1>
+      <a:dk2>
+        <a:srgbClr val="1F497D"/>
+      </a:dk2>
+      <a:lt2>
+        <a:srgbClr val="EEECE1"/>
+      </a:lt2>
+      <a:accent1>
+        <a:srgbClr val="4F81BD"/>
+      </a:accent1>
+      <a:accent2>
+        <a:srgbClr val="C0504D"/>
+      </a:accent2>
+      <a:accent3>
+        <a:srgbClr val="9BBB59"/>
+      </a:accent3>
+      <a:accent4>
+        <a:srgbClr val="8064A2"/>
+      </a:accent4>
+      <a:accent5>
+        <a:srgbClr val="4BACC6"/>
+      </a:accent5>
+      <a:accent6>
+        <a:srgbClr val="F79646"/>
+      </a:accent6>
+      <a:hlink>
+        <a:srgbClr val="0000FF"/>
+      </a:hlink>
+      <a:folHlink>
+        <a:srgbClr val="800080"/>
+      </a:folHlink>
+    </a:clrScheme>
+    <a:fontScheme name="Office">
+      <a:majorFont>
+        <a:latin typeface="Calibri"/>
+        <a:ea typeface=""/>
+        <a:cs typeface=""/>
+        <a:font script="Jpan" typeface="ＭＳ Ｐゴシック"/>
+        <a:font script="Hang" typeface="맑은 고딕"/>
+        <a:font script="Hans" typeface="宋体"/>
+        <a:font script="Hant" typeface="新細明體"/>
+        <a:font script="Arab" typeface="Times New Roman"/>
+        <a:font script="Hebr" typeface="Times New Roman"/>
+        <a:font script="Thai" typeface="Angsana New"/>
+        <a:font script="Ethi" typeface="Nyala"/>
+        <a:font script="Beng" typeface="Vrinda"/>
+        <a:font script="Gujr" typeface="Shruti"/>
+        <a:font script="Khmr" typeface="MoolBoran"/>
+        <a:font script="Knda" typeface="Tunga"/>
+        <a:font script="Guru" typeface="Raavi"/>
+        <a:font script="Cans" typeface="Euphemia"/>
+        <a:font script="Cher" typeface="Plantagenet Cherokee"/>
+        <a:font script="Yiii" typeface="Microsoft Yi Baiti"/>
+        <a:font script="Tibt" typeface="Microsoft Himalaya"/>
+        <a:font script="Thaa" typeface="MV Boli"/>
+        <a:font script="Deva" typeface="Mangal"/>
+        <a:font script="Telu" typeface="Gautami"/>
+        <a:font script="Taml" typeface="Latha"/>
+        <a:font script="Syrc" typeface="Estrangelo Edessa"/>
+        <a:font script="Orya" typeface="Kalinga"/>
+        <a:font script="Mlym" typeface="Kartika"/>
+        <a:font script="Laoo" typeface="DokChampa"/>
+        <a:font script="Sinh" typeface="Iskoola Pota"/>
+        <a:font script="Mong" typeface="Mongolian Baiti"/>
+        <a:font script="Viet" typeface="Times New Roman"/>
+        <a:font script="Uigh" typeface="Microsoft Uighur"/>
+        <a:font script="Geor" typeface="Sylfaen"/>
+      </a:majorFont>
+      <a:minorFont>
+        <a:latin typeface="Calibri"/>
+        <a:ea typeface=""/>
+        <a:cs typeface=""/>
+        <a:font script="Jpan" typeface="ＭＳ Ｐゴシック"/>
+        <a:font script="Hang" typeface="맑은 고딕"/>
+        <a:font script="Hans" typeface="宋体"/>
+        <a:font script="Hant" typeface="新細明體"/>
+        <a:font script="Arab" typeface="Arial"/>
+        <a:font script="Hebr" typeface="Arial"/>
+        <a:font script="Thai" typeface="Cordia New"/>
+        <a:font script="Ethi" typeface="Nyala"/>
+        <a:font script="Beng" typeface="Vrinda"/>
+        <a:font script="Gujr" typeface="Shruti"/>
+        <a:font script="Khmr" typeface="DaunPenh"/>
+        <a:font script="Knda" typeface="Tunga"/>
+        <a:font script="Guru" typeface="Raavi"/>
+        <a:font script="Cans" typeface="Euphemia"/>
+        <a:font script="Cher" typeface="Plantagenet Cherokee"/>
+        <a:font script="Yiii" typeface="Microsoft Yi Baiti"/>
+        <a:font script="Tibt" typeface="Microsoft Himalaya"/>
+        <a:font script="Thaa" typeface="MV Boli"/>
+        <a:font script="Deva" typeface="Mangal"/>
+        <a:font script="Telu" typeface="Gautami"/>
+        <a:font script="Taml" typeface="Latha"/>
+        <a:font script="Syrc" typeface="Estrangelo Edessa"/>
+        <a:font script="Orya" typeface="Kalinga"/>
+        <a:font script="Mlym" typeface="Kartika"/>
+        <a:font script="Laoo" typeface="DokChampa"/>
+        <a:font script="Sinh" typeface="Iskoola Pota"/>
+        <a:font script="Mong" typeface="Mongolian Baiti"/>
+        <a:font script="Viet" typeface="Arial"/>
+        <a:font script="Uigh" typeface="Microsoft Uighur"/>
+        <a:font script="Geor" typeface="Sylfaen"/>
+      </a:minorFont>
+    </a:fontScheme>
+    <a:fmtScheme name="Office">
+      <a:fillStyleLst>
+        <a:solidFill>
+          <a:schemeClr val="phClr"/>
+        </a:solidFill>
+        <a:gradFill rotWithShape="1">
+          <a:gsLst>
+            <a:gs pos="0">
+              <a:schemeClr val="phClr">
+                <a:tint val="50000"/>
+                <a:satMod val="300000"/>
+              </a:schemeClr>
+            </a:gs>
+            <a:gs pos="35000">
+              <a:schemeClr val="phClr">
+                <a:tint val="37000"/>
+                <a:satMod val="300000"/>
+              </a:schemeClr>
+            </a:gs>
+            <a:gs pos="100000">
+              <a:schemeClr val="phClr">
+                <a:tint val="15000"/>
+                <a:satMod val="350000"/>
+              </a:schemeClr>
+            </a:gs>
+          </a:gsLst>
+          <a:lin ang="16200000" scaled="1"/>
+        </a:gradFill>
+        <a:gradFill rotWithShape="1">
+          <a:gsLst>
+            <a:gs pos="0">
+              <a:schemeClr val="phClr">
+                <a:tint val="100000"/>
+                <a:shade val="100000"/>
+                <a:satMod val="130000"/>
+              </a:schemeClr>
+            </a:gs>
+            <a:gs pos="100000">
+              <a:schemeClr val="phClr">
+                <a:tint val="50000"/>
+                <a:shade val="100000"/>
+                <a:satMod val="350000"/>
+              </a:schemeClr>
+            </a:gs>
+          </a:gsLst>
+          <a:lin ang="16200000" scaled="0"/>
+        </a:gradFill>
+      </a:fillStyleLst>
+      <a:lnStyleLst>
+        <a:ln w="9525" cap="flat" cmpd="sng" algn="ctr">
+          <a:solidFill>
+            <a:schemeClr val="phClr">
+              <a:shade val="95000"/>
+              <a:satMod val="105000"/>
+            </a:schemeClr>
+          </a:solidFill>
+          <a:prstDash val="solid"/>
+        </a:ln>
+        <a:ln w="25400" cap="flat" cmpd="sng" algn="ctr">
+          <a:solidFill>
+            <a:schemeClr val="phClr"/>
+          </a:solidFill>
+          <a:prstDash val="solid"/>
+        </a:ln>
+        <a:ln w="38100" cap="flat" cmpd="sng" algn="ctr">
+          <a:solidFill>
+            <a:schemeClr val="phClr"/>
+          </a:solidFill>
+          <a:prstDash val="solid"/>
+        </a:ln>
+      </a:lnStyleLst>
+      <a:effectStyleLst>
+        <a:effectStyle>
+          <a:effectLst>
+            <a:outerShdw blurRad="40000" dist="20000" dir="5400000" rotWithShape="0">
+              <a:srgbClr val="000000">
+                <a:alpha val="38000"/>
+              </a:srgbClr>
+            </a:outerShdw>
+          </a:effectLst>
+        </a:effectStyle>
+        <a:effectStyle>
+          <a:effectLst>
+            <a:outerShdw blurRad="40000" dist="23000" dir="5400000" rotWithShape="0">
+              <a:srgbClr val="000000">
+                <a:alpha val="35000"/>
+              </a:srgbClr>
+            </a:outerShdw>
+          </a:effectLst>
+        </a:effectStyle>
+        <a:effectStyle>
+          <a:effectLst>
+            <a:outerShdw blurRad="40000" dist="23000" dir="5400000" rotWithShape="0">
+              <a:srgbClr val="000000">
+                <a:alpha val="35000"/>
+              </a:srgbClr>
+            </a:outerShdw>
+          </a:effectLst>
+          <a:scene3d>
+            <a:camera prst="orthographicFront">
+              <a:rot lat="0" lon="0" rev="0"/>
+            </a:camera>
+            <a:lightRig rig="threePt" dir="t">
+              <a:rot lat="0" lon="0" rev="1200000"/>
+            </a:lightRig>
+          </a:scene3d>
+          <a:sp3d>
+            <a:bevelT w="63500" h="25400"/>
+          </a:sp3d>
+        </a:effectStyle>
+      </a:effectStyleLst>
+      <a:bgFillStyleLst>
+        <a:solidFill>
+          <a:schemeClr val="phClr"/>
+        </a:solidFill>
+        <a:gradFill rotWithShape="1">
+          <a:gsLst>
+            <a:gs pos="0">
+              <a:schemeClr val="phClr">
+                <a:tint val="40000"/>
+                <a:satMod val="350000"/>
+              </a:schemeClr>
+            </a:gs>
+            <a:gs pos="40000">
+              <a:schemeClr val="phClr">
+                <a:tint val="45000"/>
+                <a:shade val="99000"/>
+                <a:satMod val="350000"/>
+              </a:schemeClr>
+            </a:gs>
+            <a:gs pos="100000">
+              <a:schemeClr val="phClr">
+                <a:shade val="20000"/>
+                <a:satMod val="255000"/>
+              </a:schemeClr>
+            </a:gs>
+          </a:gsLst>
+          <a:path path="circle">
+            <a:fillToRect l="50000" t="-80000" r="50000" b="180000"/>
+          </a:path>
+        </a:gradFill>
+        <a:gradFill rotWithShape="1">
+          <a:gsLst>
+            <a:gs pos="0">
+              <a:schemeClr val="phClr">
+                <a:tint val="80000"/>
+                <a:satMod val="300000"/>
+              </a:schemeClr>
+            </a:gs>
+            <a:gs pos="100000">
+              <a:schemeClr val="phClr">
+                <a:shade val="30000"/>
+                <a:satMod val="200000"/>
+              </a:schemeClr>
+            </a:gs>
+          </a:gsLst>
+          <a:path path="circle">
+            <a:fillToRect l="50000" t="50000" r="50000" b="50000"/>
+          </a:path>
+        </a:gradFill>
+      </a:bgFillStyleLst>
+    </a:fmtScheme>
+  </a:themeElements>
+  <a:objectDefaults>
+    <a:spDef>
+      <a:spPr/>
+      <a:bodyPr/>
+      <a:lstStyle/>
+      <a:style>
+        <a:lnRef idx="1">
+          <a:schemeClr val="accent1"/>
+        </a:lnRef>
+        <a:fillRef idx="3">
+          <a:schemeClr val="accent1"/>
+        </a:fillRef>
+        <a:effectRef idx="2">
+          <a:schemeClr val="accent1"/>
+        </a:effectRef>
+        <a:fontRef idx="minor">
+          <a:schemeClr val="lt1"/>
+        </a:fontRef>
+      </a:style>
+    </a:spDef>
+    <a:lnDef>
+      <a:spPr/>
+      <a:bodyPr/>
+      <a:lstStyle/>
+      <a:style>
+        <a:lnRef idx="2">
+          <a:schemeClr val="accent1"/>
+        </a:lnRef>
+        <a:fillRef idx="0">
+          <a:schemeClr val="accent1"/>
+        </a:fillRef>
+        <a:effectRef idx="1">
+          <a:schemeClr val="accent1"/>
+        </a:effectRef>
+        <a:fontRef idx="minor">
+          <a:schemeClr val="tx1"/>
+        </a:fontRef>
+      </a:style>
+    </a:lnDef>
+  </a:objectDefaults>
+  <a:extraClrSchemeLst/>
+</a:theme>
 </file>
--- a/RWorkshopPart4-CaseStudy.pptx
+++ b/RWorkshopPart4-CaseStudy.pptx
@@ -3663,15 +3663,43 @@
           <a:lstStyle/>
           <a:p>
             <a:r>
+              <a:rPr lang="en-US" smtClean="0"/>
+              <a:t>R </a:t>
+            </a:r>
+            <a:r>
+              <a:rPr lang="en-US" smtClean="0"/>
+              <a:t>Workshop, </a:t>
+            </a:r>
+            <a:r>
+              <a:rPr lang="en-US" smtClean="0"/>
+              <a:t>Part </a:t>
+            </a:r>
+            <a:r>
+              <a:rPr lang="en-US" smtClean="0"/>
+              <a:t>4</a:t>
+            </a:r>
+            <a:r>
+              <a:rPr lang="en-US" smtClean="0"/>
+              <a:t/>
+            </a:r>
+            <a:br>
+              <a:rPr lang="en-US" smtClean="0"/>
+            </a:br>
+            <a:r>
+              <a:rPr lang="en-US" smtClean="0"/>
+              <a:t>(A </a:t>
+            </a:r>
+            <a:r>
               <a:rPr lang="en-US" dirty="0" smtClean="0"/>
-              <a:t>R Workshop Part 4: </a:t>
-            </a:r>
-            <a:br>
-              <a:rPr lang="en-US" dirty="0" smtClean="0"/>
-            </a:br>
-            <a:r>
-              <a:rPr lang="en-US" dirty="0" smtClean="0"/>
-              <a:t>A case study in using R for analysis</a:t>
+              <a:t>case study in using R </a:t>
+            </a:r>
+            <a:r>
+              <a:rPr lang="en-US" smtClean="0"/>
+              <a:t>for </a:t>
+            </a:r>
+            <a:r>
+              <a:rPr lang="en-US" smtClean="0"/>
+              <a:t>analysis)</a:t>
             </a:r>
             <a:endParaRPr lang="en-US" dirty="0"/>
           </a:p>
@@ -3747,6 +3775,114 @@
           </a:p>
         </p:txBody>
       </p:sp>
+      <p:pic>
+        <p:nvPicPr>
+          <p:cNvPr id="5" name="Picture 2"/>
+          <p:cNvPicPr>
+            <a:picLocks noChangeAspect="1" noChangeArrowheads="1"/>
+          </p:cNvPicPr>
+          <p:nvPr/>
+        </p:nvPicPr>
+        <p:blipFill>
+          <a:blip r:embed="rId2">
+            <a:extLst>
+              <a:ext uri="{28A0092B-C50C-407E-A947-70E740481C1C}">
+                <a14:useLocalDpi xmlns:a14="http://schemas.microsoft.com/office/drawing/2010/main" val="0"/>
+              </a:ext>
+            </a:extLst>
+          </a:blip>
+          <a:srcRect/>
+          <a:stretch>
+            <a:fillRect/>
+          </a:stretch>
+        </p:blipFill>
+        <p:spPr bwMode="auto">
+          <a:xfrm>
+            <a:off x="685800" y="381000"/>
+            <a:ext cx="2066925" cy="752475"/>
+          </a:xfrm>
+          <a:prstGeom prst="rect">
+            <a:avLst/>
+          </a:prstGeom>
+          <a:noFill/>
+          <a:ln>
+            <a:noFill/>
+          </a:ln>
+          <a:extLst>
+            <a:ext uri="{909E8E84-426E-40dd-AFC4-6F175D3DCCD1}">
+              <a14:hiddenFill xmlns:a14="http://schemas.microsoft.com/office/drawing/2010/main">
+                <a:solidFill>
+                  <a:schemeClr val="accent1"/>
+                </a:solidFill>
+              </a14:hiddenFill>
+            </a:ext>
+            <a:ext uri="{91240B29-F687-4f45-9708-019B960494DF}">
+              <a14:hiddenLine xmlns:a14="http://schemas.microsoft.com/office/drawing/2010/main" w="9525">
+                <a:solidFill>
+                  <a:schemeClr val="tx1"/>
+                </a:solidFill>
+                <a:miter lim="800000"/>
+                <a:headEnd/>
+                <a:tailEnd/>
+              </a14:hiddenLine>
+            </a:ext>
+          </a:extLst>
+        </p:spPr>
+      </p:pic>
+      <p:pic>
+        <p:nvPicPr>
+          <p:cNvPr id="6" name="Picture 5"/>
+          <p:cNvPicPr>
+            <a:picLocks noChangeAspect="1" noChangeArrowheads="1"/>
+          </p:cNvPicPr>
+          <p:nvPr/>
+        </p:nvPicPr>
+        <p:blipFill>
+          <a:blip r:embed="rId3">
+            <a:extLst>
+              <a:ext uri="{28A0092B-C50C-407E-A947-70E740481C1C}">
+                <a14:useLocalDpi xmlns:a14="http://schemas.microsoft.com/office/drawing/2010/main" val="0"/>
+              </a:ext>
+            </a:extLst>
+          </a:blip>
+          <a:srcRect/>
+          <a:stretch>
+            <a:fillRect/>
+          </a:stretch>
+        </p:blipFill>
+        <p:spPr bwMode="auto">
+          <a:xfrm>
+            <a:off x="6096000" y="228599"/>
+            <a:ext cx="2781300" cy="1057275"/>
+          </a:xfrm>
+          <a:prstGeom prst="rect">
+            <a:avLst/>
+          </a:prstGeom>
+          <a:noFill/>
+          <a:ln>
+            <a:noFill/>
+          </a:ln>
+          <a:extLst>
+            <a:ext uri="{909E8E84-426E-40dd-AFC4-6F175D3DCCD1}">
+              <a14:hiddenFill xmlns:a14="http://schemas.microsoft.com/office/drawing/2010/main">
+                <a:solidFill>
+                  <a:schemeClr val="accent1"/>
+                </a:solidFill>
+              </a14:hiddenFill>
+            </a:ext>
+            <a:ext uri="{91240B29-F687-4f45-9708-019B960494DF}">
+              <a14:hiddenLine xmlns:a14="http://schemas.microsoft.com/office/drawing/2010/main" w="9525">
+                <a:solidFill>
+                  <a:schemeClr val="tx1"/>
+                </a:solidFill>
+                <a:miter lim="800000"/>
+                <a:headEnd/>
+                <a:tailEnd/>
+              </a14:hiddenLine>
+            </a:ext>
+          </a:extLst>
+        </p:spPr>
+      </p:pic>
     </p:spTree>
     <p:extLst>
       <p:ext uri="{BB962C8B-B14F-4D97-AF65-F5344CB8AC3E}">
@@ -4008,11 +4144,7 @@
             </a:r>
             <a:r>
               <a:rPr lang="en-US" dirty="0" smtClean="0"/>
-              <a:t> file</a:t>
-            </a:r>
-            <a:r>
-              <a:rPr lang="en-US" dirty="0" smtClean="0"/>
-              <a:t>, so we'll need an external package to load them:</a:t>
+              <a:t> file, so we'll need an external package to load them:</a:t>
             </a:r>
           </a:p>
           <a:p>
@@ -4123,10 +4255,6 @@
               </a:rPr>
               <a:t>&gt;/PHTHTE_D.XPT')</a:t>
             </a:r>
-            <a:endParaRPr lang="en-US" sz="1600" dirty="0">
-              <a:latin typeface="Courier New" panose="02070309020205020404" pitchFamily="49" charset="0"/>
-              <a:cs typeface="Courier New" panose="02070309020205020404" pitchFamily="49" charset="0"/>
-            </a:endParaRPr>
           </a:p>
         </p:txBody>
       </p:sp>
@@ -6131,15 +6259,7 @@
             </a:r>
             <a:r>
               <a:rPr lang="en-US" dirty="0" smtClean="0"/>
-              <a:t> PCA allows for row weights, which is desirable since this is </a:t>
-            </a:r>
-            <a:r>
-              <a:rPr lang="en-US" dirty="0" smtClean="0"/>
-              <a:t>weighted data</a:t>
-            </a:r>
-            <a:r>
-              <a:rPr lang="en-US" dirty="0" smtClean="0"/>
-              <a:t>…</a:t>
+              <a:t> PCA allows for row weights, which is desirable since this is weighted data…</a:t>
             </a:r>
           </a:p>
           <a:p>
